--- a/admin/weekly-updates/AAFC_Capstone_week3.pptx
+++ b/admin/weekly-updates/AAFC_Capstone_week3.pptx
@@ -2,25 +2,25 @@
 <file path=ppt/presentation.xml><?xml version="1.0" encoding="utf-8"?>
 <p:presentation xmlns:a="http://schemas.openxmlformats.org/drawingml/2006/main" xmlns:r="http://schemas.openxmlformats.org/officeDocument/2006/relationships" xmlns:p="http://schemas.openxmlformats.org/presentationml/2006/main" showSpecialPlsOnTitleSld="0" strictFirstAndLastChars="0" embedTrueTypeFonts="1" saveSubsetFonts="1" autoCompressPictures="0">
   <p:sldMasterIdLst>
-    <p:sldMasterId id="2147483648" r:id="rId1"/>
+    <p:sldMasterId id="2147483658" r:id="rId1"/>
   </p:sldMasterIdLst>
   <p:notesMasterIdLst>
     <p:notesMasterId r:id="rId9"/>
   </p:notesMasterIdLst>
   <p:sldIdLst>
-    <p:sldId id="256" r:id="rId2"/>
-    <p:sldId id="257" r:id="rId3"/>
+    <p:sldId id="258" r:id="rId2"/>
+    <p:sldId id="299" r:id="rId3"/>
     <p:sldId id="301" r:id="rId4"/>
-    <p:sldId id="259" r:id="rId5"/>
+    <p:sldId id="302" r:id="rId5"/>
     <p:sldId id="303" r:id="rId6"/>
-    <p:sldId id="265" r:id="rId7"/>
-    <p:sldId id="263" r:id="rId8"/>
+    <p:sldId id="298" r:id="rId7"/>
+    <p:sldId id="295" r:id="rId8"/>
   </p:sldIdLst>
   <p:sldSz cx="9144000" cy="5143500" type="screen16x9"/>
   <p:notesSz cx="6858000" cy="9144000"/>
   <p:embeddedFontLst>
     <p:embeddedFont>
-      <p:font typeface="Quicksand" pitchFamily="2" charset="77"/>
+      <p:font typeface="Quicksand" panose="020B0604020202020204" charset="0"/>
       <p:regular r:id="rId10"/>
       <p:bold r:id="rId11"/>
     </p:embeddedFont>
@@ -258,9 +258,6 @@
     <p:ext uri="{EFAFB233-063F-42B5-8137-9DF3F51BA10A}">
       <p15:sldGuideLst xmlns:p15="http://schemas.microsoft.com/office/powerpoint/2012/main"/>
     </p:ext>
-    <p:ext uri="http://customooxmlschemas.google.com/">
-      <go:slidesCustomData xmlns="" xmlns:mc="http://schemas.openxmlformats.org/markup-compatibility/2006" xmlns:mv="urn:schemas-microsoft-com:mac:vml" xmlns:c="http://schemas.openxmlformats.org/drawingml/2006/chart" xmlns:dgm="http://schemas.openxmlformats.org/drawingml/2006/diagram" xmlns:o="urn:schemas-microsoft-com:office:office" xmlns:v="urn:schemas-microsoft-com:vml" xmlns:pvml="urn:schemas-microsoft-com:office:powerpoint" xmlns:com="http://schemas.openxmlformats.org/drawingml/2006/compatibility" xmlns:p14="http://schemas.microsoft.com/office/powerpoint/2010/main" xmlns:p15="http://schemas.microsoft.com/office/powerpoint/2012/main" xmlns:ahyp="http://schemas.microsoft.com/office/drawing/2018/hyperlinkcolor" xmlns:go="http://customooxmlschemas.google.com/" r:id="rId16" roundtripDataSignature="AMtx7mjwoior5GjRcAgleQuSTDjahpgySg=="/>
-    </p:ext>
   </p:extLst>
 </p:presentation>
 </file>
@@ -269,12 +266,9 @@
 <p:notesMaster xmlns:a="http://schemas.openxmlformats.org/drawingml/2006/main" xmlns:r="http://schemas.openxmlformats.org/officeDocument/2006/relationships" xmlns:p="http://schemas.openxmlformats.org/presentationml/2006/main">
   <p:cSld>
     <p:bg>
-      <p:bgPr>
-        <a:solidFill>
-          <a:schemeClr val="lt1"/>
-        </a:solidFill>
-        <a:effectLst/>
-      </p:bgPr>
+      <p:bgRef idx="1001">
+        <a:schemeClr val="bg1"/>
+      </p:bgRef>
     </p:bg>
     <p:spTree>
       <p:nvGrpSpPr>
@@ -369,239 +363,104 @@
             <a:noAutofit/>
           </a:bodyPr>
           <a:lstStyle>
-            <a:lvl1pPr marL="457200" marR="0" lvl="0" indent="-317500" algn="l" rtl="0">
-              <a:lnSpc>
-                <a:spcPct val="100000"/>
-              </a:lnSpc>
-              <a:spcBef>
-                <a:spcPts val="0"/>
-              </a:spcBef>
-              <a:spcAft>
-                <a:spcPts val="0"/>
-              </a:spcAft>
-              <a:buClr>
-                <a:srgbClr val="000000"/>
-              </a:buClr>
+            <a:lvl1pPr marL="457200" lvl="0" indent="-317500">
+              <a:spcBef>
+                <a:spcPts val="0"/>
+              </a:spcBef>
+              <a:spcAft>
+                <a:spcPts val="0"/>
+              </a:spcAft>
               <a:buSzPts val="1400"/>
-              <a:buFont typeface="Arial"/>
               <a:buChar char="●"/>
-              <a:defRPr sz="1100" b="0" i="0" u="none" strike="noStrike" cap="none">
-                <a:solidFill>
-                  <a:srgbClr val="000000"/>
-                </a:solidFill>
-                <a:latin typeface="Arial"/>
-                <a:ea typeface="Arial"/>
-                <a:cs typeface="Arial"/>
-                <a:sym typeface="Arial"/>
-              </a:defRPr>
+              <a:defRPr sz="1100"/>
             </a:lvl1pPr>
-            <a:lvl2pPr marL="914400" marR="0" lvl="1" indent="-317500" algn="l" rtl="0">
-              <a:lnSpc>
-                <a:spcPct val="100000"/>
-              </a:lnSpc>
-              <a:spcBef>
-                <a:spcPts val="0"/>
-              </a:spcBef>
-              <a:spcAft>
-                <a:spcPts val="0"/>
-              </a:spcAft>
-              <a:buClr>
-                <a:srgbClr val="000000"/>
-              </a:buClr>
+            <a:lvl2pPr marL="914400" lvl="1" indent="-317500">
+              <a:spcBef>
+                <a:spcPts val="0"/>
+              </a:spcBef>
+              <a:spcAft>
+                <a:spcPts val="0"/>
+              </a:spcAft>
               <a:buSzPts val="1400"/>
-              <a:buFont typeface="Arial"/>
               <a:buChar char="○"/>
-              <a:defRPr sz="1100" b="0" i="0" u="none" strike="noStrike" cap="none">
-                <a:solidFill>
-                  <a:srgbClr val="000000"/>
-                </a:solidFill>
-                <a:latin typeface="Arial"/>
-                <a:ea typeface="Arial"/>
-                <a:cs typeface="Arial"/>
-                <a:sym typeface="Arial"/>
-              </a:defRPr>
+              <a:defRPr sz="1100"/>
             </a:lvl2pPr>
-            <a:lvl3pPr marL="1371600" marR="0" lvl="2" indent="-317500" algn="l" rtl="0">
-              <a:lnSpc>
-                <a:spcPct val="100000"/>
-              </a:lnSpc>
-              <a:spcBef>
-                <a:spcPts val="0"/>
-              </a:spcBef>
-              <a:spcAft>
-                <a:spcPts val="0"/>
-              </a:spcAft>
-              <a:buClr>
-                <a:srgbClr val="000000"/>
-              </a:buClr>
+            <a:lvl3pPr marL="1371600" lvl="2" indent="-317500">
+              <a:spcBef>
+                <a:spcPts val="0"/>
+              </a:spcBef>
+              <a:spcAft>
+                <a:spcPts val="0"/>
+              </a:spcAft>
               <a:buSzPts val="1400"/>
-              <a:buFont typeface="Arial"/>
               <a:buChar char="■"/>
-              <a:defRPr sz="1100" b="0" i="0" u="none" strike="noStrike" cap="none">
-                <a:solidFill>
-                  <a:srgbClr val="000000"/>
-                </a:solidFill>
-                <a:latin typeface="Arial"/>
-                <a:ea typeface="Arial"/>
-                <a:cs typeface="Arial"/>
-                <a:sym typeface="Arial"/>
-              </a:defRPr>
+              <a:defRPr sz="1100"/>
             </a:lvl3pPr>
-            <a:lvl4pPr marL="1828800" marR="0" lvl="3" indent="-317500" algn="l" rtl="0">
-              <a:lnSpc>
-                <a:spcPct val="100000"/>
-              </a:lnSpc>
-              <a:spcBef>
-                <a:spcPts val="0"/>
-              </a:spcBef>
-              <a:spcAft>
-                <a:spcPts val="0"/>
-              </a:spcAft>
-              <a:buClr>
-                <a:srgbClr val="000000"/>
-              </a:buClr>
+            <a:lvl4pPr marL="1828800" lvl="3" indent="-317500">
+              <a:spcBef>
+                <a:spcPts val="0"/>
+              </a:spcBef>
+              <a:spcAft>
+                <a:spcPts val="0"/>
+              </a:spcAft>
               <a:buSzPts val="1400"/>
-              <a:buFont typeface="Arial"/>
               <a:buChar char="●"/>
-              <a:defRPr sz="1100" b="0" i="0" u="none" strike="noStrike" cap="none">
-                <a:solidFill>
-                  <a:srgbClr val="000000"/>
-                </a:solidFill>
-                <a:latin typeface="Arial"/>
-                <a:ea typeface="Arial"/>
-                <a:cs typeface="Arial"/>
-                <a:sym typeface="Arial"/>
-              </a:defRPr>
+              <a:defRPr sz="1100"/>
             </a:lvl4pPr>
-            <a:lvl5pPr marL="2286000" marR="0" lvl="4" indent="-317500" algn="l" rtl="0">
-              <a:lnSpc>
-                <a:spcPct val="100000"/>
-              </a:lnSpc>
-              <a:spcBef>
-                <a:spcPts val="0"/>
-              </a:spcBef>
-              <a:spcAft>
-                <a:spcPts val="0"/>
-              </a:spcAft>
-              <a:buClr>
-                <a:srgbClr val="000000"/>
-              </a:buClr>
+            <a:lvl5pPr marL="2286000" lvl="4" indent="-317500">
+              <a:spcBef>
+                <a:spcPts val="0"/>
+              </a:spcBef>
+              <a:spcAft>
+                <a:spcPts val="0"/>
+              </a:spcAft>
               <a:buSzPts val="1400"/>
-              <a:buFont typeface="Arial"/>
               <a:buChar char="○"/>
-              <a:defRPr sz="1100" b="0" i="0" u="none" strike="noStrike" cap="none">
-                <a:solidFill>
-                  <a:srgbClr val="000000"/>
-                </a:solidFill>
-                <a:latin typeface="Arial"/>
-                <a:ea typeface="Arial"/>
-                <a:cs typeface="Arial"/>
-                <a:sym typeface="Arial"/>
-              </a:defRPr>
+              <a:defRPr sz="1100"/>
             </a:lvl5pPr>
-            <a:lvl6pPr marL="2743200" marR="0" lvl="5" indent="-317500" algn="l" rtl="0">
-              <a:lnSpc>
-                <a:spcPct val="100000"/>
-              </a:lnSpc>
-              <a:spcBef>
-                <a:spcPts val="0"/>
-              </a:spcBef>
-              <a:spcAft>
-                <a:spcPts val="0"/>
-              </a:spcAft>
-              <a:buClr>
-                <a:srgbClr val="000000"/>
-              </a:buClr>
+            <a:lvl6pPr marL="2743200" lvl="5" indent="-317500">
+              <a:spcBef>
+                <a:spcPts val="0"/>
+              </a:spcBef>
+              <a:spcAft>
+                <a:spcPts val="0"/>
+              </a:spcAft>
               <a:buSzPts val="1400"/>
-              <a:buFont typeface="Arial"/>
               <a:buChar char="■"/>
-              <a:defRPr sz="1100" b="0" i="0" u="none" strike="noStrike" cap="none">
-                <a:solidFill>
-                  <a:srgbClr val="000000"/>
-                </a:solidFill>
-                <a:latin typeface="Arial"/>
-                <a:ea typeface="Arial"/>
-                <a:cs typeface="Arial"/>
-                <a:sym typeface="Arial"/>
-              </a:defRPr>
+              <a:defRPr sz="1100"/>
             </a:lvl6pPr>
-            <a:lvl7pPr marL="3200400" marR="0" lvl="6" indent="-317500" algn="l" rtl="0">
-              <a:lnSpc>
-                <a:spcPct val="100000"/>
-              </a:lnSpc>
-              <a:spcBef>
-                <a:spcPts val="0"/>
-              </a:spcBef>
-              <a:spcAft>
-                <a:spcPts val="0"/>
-              </a:spcAft>
-              <a:buClr>
-                <a:srgbClr val="000000"/>
-              </a:buClr>
+            <a:lvl7pPr marL="3200400" lvl="6" indent="-317500">
+              <a:spcBef>
+                <a:spcPts val="0"/>
+              </a:spcBef>
+              <a:spcAft>
+                <a:spcPts val="0"/>
+              </a:spcAft>
               <a:buSzPts val="1400"/>
-              <a:buFont typeface="Arial"/>
               <a:buChar char="●"/>
-              <a:defRPr sz="1100" b="0" i="0" u="none" strike="noStrike" cap="none">
-                <a:solidFill>
-                  <a:srgbClr val="000000"/>
-                </a:solidFill>
-                <a:latin typeface="Arial"/>
-                <a:ea typeface="Arial"/>
-                <a:cs typeface="Arial"/>
-                <a:sym typeface="Arial"/>
-              </a:defRPr>
+              <a:defRPr sz="1100"/>
             </a:lvl7pPr>
-            <a:lvl8pPr marL="3657600" marR="0" lvl="7" indent="-317500" algn="l" rtl="0">
-              <a:lnSpc>
-                <a:spcPct val="100000"/>
-              </a:lnSpc>
-              <a:spcBef>
-                <a:spcPts val="0"/>
-              </a:spcBef>
-              <a:spcAft>
-                <a:spcPts val="0"/>
-              </a:spcAft>
-              <a:buClr>
-                <a:srgbClr val="000000"/>
-              </a:buClr>
+            <a:lvl8pPr marL="3657600" lvl="7" indent="-317500">
+              <a:spcBef>
+                <a:spcPts val="0"/>
+              </a:spcBef>
+              <a:spcAft>
+                <a:spcPts val="0"/>
+              </a:spcAft>
               <a:buSzPts val="1400"/>
-              <a:buFont typeface="Arial"/>
               <a:buChar char="○"/>
-              <a:defRPr sz="1100" b="0" i="0" u="none" strike="noStrike" cap="none">
-                <a:solidFill>
-                  <a:srgbClr val="000000"/>
-                </a:solidFill>
-                <a:latin typeface="Arial"/>
-                <a:ea typeface="Arial"/>
-                <a:cs typeface="Arial"/>
-                <a:sym typeface="Arial"/>
-              </a:defRPr>
+              <a:defRPr sz="1100"/>
             </a:lvl8pPr>
-            <a:lvl9pPr marL="4114800" marR="0" lvl="8" indent="-317500" algn="l" rtl="0">
-              <a:lnSpc>
-                <a:spcPct val="100000"/>
-              </a:lnSpc>
-              <a:spcBef>
-                <a:spcPts val="0"/>
-              </a:spcBef>
-              <a:spcAft>
-                <a:spcPts val="0"/>
-              </a:spcAft>
-              <a:buClr>
-                <a:srgbClr val="000000"/>
-              </a:buClr>
+            <a:lvl9pPr marL="4114800" lvl="8" indent="-317500">
+              <a:spcBef>
+                <a:spcPts val="0"/>
+              </a:spcBef>
+              <a:spcAft>
+                <a:spcPts val="0"/>
+              </a:spcAft>
               <a:buSzPts val="1400"/>
-              <a:buFont typeface="Arial"/>
               <a:buChar char="■"/>
-              <a:defRPr sz="1100" b="0" i="0" u="none" strike="noStrike" cap="none">
-                <a:solidFill>
-                  <a:srgbClr val="000000"/>
-                </a:solidFill>
-                <a:latin typeface="Arial"/>
-                <a:ea typeface="Arial"/>
-                <a:cs typeface="Arial"/>
-                <a:sym typeface="Arial"/>
-              </a:defRPr>
+              <a:defRPr sz="1100"/>
             </a:lvl9pPr>
           </a:lstStyle>
           <a:p>
@@ -849,7 +708,7 @@
   <p:cSld>
     <p:spTree>
       <p:nvGrpSpPr>
-        <p:cNvPr id="1" name="Shape 26"/>
+        <p:cNvPr id="1" name="Shape 81"/>
         <p:cNvGrpSpPr/>
         <p:nvPr/>
       </p:nvGrpSpPr>
@@ -863,7 +722,7 @@
       </p:grpSpPr>
       <p:sp>
         <p:nvSpPr>
-          <p:cNvPr id="27" name="Google Shape;27;p1:notes"/>
+          <p:cNvPr id="82" name="Google Shape;82;g35f391192_04:notes"/>
           <p:cNvSpPr>
             <a:spLocks noGrp="1" noRot="1" noChangeAspect="1"/>
           </p:cNvSpPr>
@@ -900,21 +759,11 @@
               </a:path>
             </a:pathLst>
           </a:custGeom>
-          <a:noFill/>
-          <a:ln w="9525" cap="flat" cmpd="sng">
-            <a:solidFill>
-              <a:srgbClr val="000000"/>
-            </a:solidFill>
-            <a:prstDash val="solid"/>
-            <a:round/>
-            <a:headEnd type="none" w="sm" len="sm"/>
-            <a:tailEnd type="none" w="sm" len="sm"/>
-          </a:ln>
         </p:spPr>
       </p:sp>
       <p:sp>
         <p:nvSpPr>
-          <p:cNvPr id="28" name="Google Shape;28;p1:notes"/>
+          <p:cNvPr id="83" name="Google Shape;83;g35f391192_04:notes"/>
           <p:cNvSpPr txBox="1">
             <a:spLocks noGrp="1"/>
           </p:cNvSpPr>
@@ -930,10 +779,6 @@
           <a:prstGeom prst="rect">
             <a:avLst/>
           </a:prstGeom>
-          <a:noFill/>
-          <a:ln>
-            <a:noFill/>
-          </a:ln>
         </p:spPr>
         <p:txBody>
           <a:bodyPr spcFirstLastPara="1" wrap="square" lIns="91425" tIns="91425" rIns="91425" bIns="91425" anchor="t" anchorCtr="0">
@@ -942,16 +787,12 @@
           <a:lstStyle/>
           <a:p>
             <a:pPr marL="0" lvl="0" indent="0" algn="l" rtl="0">
-              <a:lnSpc>
-                <a:spcPct val="100000"/>
-              </a:lnSpc>
-              <a:spcBef>
-                <a:spcPts val="0"/>
-              </a:spcBef>
-              <a:spcAft>
-                <a:spcPts val="0"/>
-              </a:spcAft>
-              <a:buSzPts val="1400"/>
+              <a:spcBef>
+                <a:spcPts val="0"/>
+              </a:spcBef>
+              <a:spcAft>
+                <a:spcPts val="0"/>
+              </a:spcAft>
               <a:buNone/>
             </a:pPr>
             <a:endParaRPr/>
@@ -971,7 +812,7 @@
   <p:cSld>
     <p:spTree>
       <p:nvGrpSpPr>
-        <p:cNvPr id="1" name="Shape 34"/>
+        <p:cNvPr id="1" name="Shape 81"/>
         <p:cNvGrpSpPr/>
         <p:nvPr/>
       </p:nvGrpSpPr>
@@ -985,7 +826,7 @@
       </p:grpSpPr>
       <p:sp>
         <p:nvSpPr>
-          <p:cNvPr id="35" name="Google Shape;35;p2:notes"/>
+          <p:cNvPr id="82" name="Google Shape;82;g35f391192_04:notes"/>
           <p:cNvSpPr>
             <a:spLocks noGrp="1" noRot="1" noChangeAspect="1"/>
           </p:cNvSpPr>
@@ -1022,21 +863,11 @@
               </a:path>
             </a:pathLst>
           </a:custGeom>
-          <a:noFill/>
-          <a:ln w="9525" cap="flat" cmpd="sng">
-            <a:solidFill>
-              <a:srgbClr val="000000"/>
-            </a:solidFill>
-            <a:prstDash val="solid"/>
-            <a:round/>
-            <a:headEnd type="none" w="sm" len="sm"/>
-            <a:tailEnd type="none" w="sm" len="sm"/>
-          </a:ln>
         </p:spPr>
       </p:sp>
       <p:sp>
         <p:nvSpPr>
-          <p:cNvPr id="36" name="Google Shape;36;p2:notes"/>
+          <p:cNvPr id="83" name="Google Shape;83;g35f391192_04:notes"/>
           <p:cNvSpPr txBox="1">
             <a:spLocks noGrp="1"/>
           </p:cNvSpPr>
@@ -1052,10 +883,6 @@
           <a:prstGeom prst="rect">
             <a:avLst/>
           </a:prstGeom>
-          <a:noFill/>
-          <a:ln>
-            <a:noFill/>
-          </a:ln>
         </p:spPr>
         <p:txBody>
           <a:bodyPr spcFirstLastPara="1" wrap="square" lIns="91425" tIns="91425" rIns="91425" bIns="91425" anchor="t" anchorCtr="0">
@@ -1064,16 +891,12 @@
           <a:lstStyle/>
           <a:p>
             <a:pPr marL="0" lvl="0" indent="0" algn="l" rtl="0">
-              <a:lnSpc>
-                <a:spcPct val="100000"/>
-              </a:lnSpc>
-              <a:spcBef>
-                <a:spcPts val="0"/>
-              </a:spcBef>
-              <a:spcAft>
-                <a:spcPts val="0"/>
-              </a:spcAft>
-              <a:buSzPts val="1400"/>
+              <a:spcBef>
+                <a:spcPts val="0"/>
+              </a:spcBef>
+              <a:spcAft>
+                <a:spcPts val="0"/>
+              </a:spcAft>
               <a:buNone/>
             </a:pPr>
             <a:endParaRPr/>
@@ -1081,6 +904,11 @@
         </p:txBody>
       </p:sp>
     </p:spTree>
+    <p:extLst>
+      <p:ext uri="{BB962C8B-B14F-4D97-AF65-F5344CB8AC3E}">
+        <p14:creationId xmlns:p14="http://schemas.microsoft.com/office/powerpoint/2010/main" val="1532026892"/>
+      </p:ext>
+    </p:extLst>
   </p:cSld>
   <p:clrMapOvr>
     <a:masterClrMapping/>
@@ -1202,7 +1030,7 @@
   <p:cSld>
     <p:spTree>
       <p:nvGrpSpPr>
-        <p:cNvPr id="1" name="Shape 72"/>
+        <p:cNvPr id="1" name="Shape 104"/>
         <p:cNvGrpSpPr/>
         <p:nvPr/>
       </p:nvGrpSpPr>
@@ -1216,167 +1044,7 @@
       </p:grpSpPr>
       <p:sp>
         <p:nvSpPr>
-          <p:cNvPr id="73" name="Google Shape;73;p4:notes"/>
-          <p:cNvSpPr>
-            <a:spLocks noGrp="1" noRot="1" noChangeAspect="1"/>
-          </p:cNvSpPr>
-          <p:nvPr>
-            <p:ph type="sldImg" idx="2"/>
-          </p:nvPr>
-        </p:nvSpPr>
-        <p:spPr>
-          <a:xfrm>
-            <a:off x="381000" y="685800"/>
-            <a:ext cx="6096000" cy="3429000"/>
-          </a:xfrm>
-          <a:custGeom>
-            <a:avLst/>
-            <a:gdLst/>
-            <a:ahLst/>
-            <a:cxnLst/>
-            <a:rect l="l" t="t" r="r" b="b"/>
-            <a:pathLst>
-              <a:path w="120000" h="120000" extrusionOk="0">
-                <a:moveTo>
-                  <a:pt x="0" y="0"/>
-                </a:moveTo>
-                <a:lnTo>
-                  <a:pt x="120000" y="0"/>
-                </a:lnTo>
-                <a:lnTo>
-                  <a:pt x="120000" y="120000"/>
-                </a:lnTo>
-                <a:lnTo>
-                  <a:pt x="0" y="120000"/>
-                </a:lnTo>
-                <a:close/>
-              </a:path>
-            </a:pathLst>
-          </a:custGeom>
-          <a:noFill/>
-          <a:ln w="9525" cap="flat" cmpd="sng">
-            <a:solidFill>
-              <a:srgbClr val="000000"/>
-            </a:solidFill>
-            <a:prstDash val="solid"/>
-            <a:round/>
-            <a:headEnd type="none" w="sm" len="sm"/>
-            <a:tailEnd type="none" w="sm" len="sm"/>
-          </a:ln>
-        </p:spPr>
-      </p:sp>
-      <p:sp>
-        <p:nvSpPr>
-          <p:cNvPr id="74" name="Google Shape;74;p4:notes"/>
-          <p:cNvSpPr txBox="1">
-            <a:spLocks noGrp="1"/>
-          </p:cNvSpPr>
-          <p:nvPr>
-            <p:ph type="body" idx="1"/>
-          </p:nvPr>
-        </p:nvSpPr>
-        <p:spPr>
-          <a:xfrm>
-            <a:off x="685800" y="4343400"/>
-            <a:ext cx="5486400" cy="4114800"/>
-          </a:xfrm>
-          <a:prstGeom prst="rect">
-            <a:avLst/>
-          </a:prstGeom>
-          <a:noFill/>
-          <a:ln>
-            <a:noFill/>
-          </a:ln>
-        </p:spPr>
-        <p:txBody>
-          <a:bodyPr spcFirstLastPara="1" wrap="square" lIns="91425" tIns="91425" rIns="91425" bIns="91425" anchor="t" anchorCtr="0">
-            <a:noAutofit/>
-          </a:bodyPr>
-          <a:lstStyle/>
-          <a:p>
-            <a:pPr marL="0" lvl="0" indent="0" algn="l" rtl="0">
-              <a:lnSpc>
-                <a:spcPct val="100000"/>
-              </a:lnSpc>
-              <a:spcBef>
-                <a:spcPts val="0"/>
-              </a:spcBef>
-              <a:spcAft>
-                <a:spcPts val="0"/>
-              </a:spcAft>
-              <a:buSzPts val="1400"/>
-              <a:buNone/>
-            </a:pPr>
-            <a:endParaRPr/>
-          </a:p>
-        </p:txBody>
-      </p:sp>
-    </p:spTree>
-  </p:cSld>
-  <p:clrMapOvr>
-    <a:masterClrMapping/>
-  </p:clrMapOvr>
-</p:notes>
-</file>
-
-<file path=ppt/notesSlides/notesSlide5.xml><?xml version="1.0" encoding="utf-8"?>
-<p:notes xmlns:a="http://schemas.openxmlformats.org/drawingml/2006/main" xmlns:r="http://schemas.openxmlformats.org/officeDocument/2006/relationships" xmlns:p="http://schemas.openxmlformats.org/presentationml/2006/main" showMasterSp="0" showMasterPhAnim="0">
-  <p:cSld>
-    <p:spTree>
-      <p:nvGrpSpPr>
-        <p:cNvPr id="1" name="Shape 103"/>
-        <p:cNvGrpSpPr/>
-        <p:nvPr/>
-      </p:nvGrpSpPr>
-      <p:grpSpPr>
-        <a:xfrm>
-          <a:off x="0" y="0"/>
-          <a:ext cx="0" cy="0"/>
-          <a:chOff x="0" y="0"/>
-          <a:chExt cx="0" cy="0"/>
-        </a:xfrm>
-      </p:grpSpPr>
-      <p:sp>
-        <p:nvSpPr>
-          <p:cNvPr id="104" name="Google Shape;104;p5:notes"/>
-          <p:cNvSpPr txBox="1">
-            <a:spLocks noGrp="1"/>
-          </p:cNvSpPr>
-          <p:nvPr>
-            <p:ph type="body" idx="1"/>
-          </p:nvPr>
-        </p:nvSpPr>
-        <p:spPr>
-          <a:xfrm>
-            <a:off x="685800" y="4343400"/>
-            <a:ext cx="5486400" cy="4114800"/>
-          </a:xfrm>
-          <a:prstGeom prst="rect">
-            <a:avLst/>
-          </a:prstGeom>
-        </p:spPr>
-        <p:txBody>
-          <a:bodyPr spcFirstLastPara="1" wrap="square" lIns="91425" tIns="91425" rIns="91425" bIns="91425" anchor="t" anchorCtr="0">
-            <a:noAutofit/>
-          </a:bodyPr>
-          <a:lstStyle/>
-          <a:p>
-            <a:pPr marL="0" lvl="0" indent="0" algn="l" rtl="0">
-              <a:spcBef>
-                <a:spcPts val="0"/>
-              </a:spcBef>
-              <a:spcAft>
-                <a:spcPts val="0"/>
-              </a:spcAft>
-              <a:buNone/>
-            </a:pPr>
-            <a:endParaRPr/>
-          </a:p>
-        </p:txBody>
-      </p:sp>
-      <p:sp>
-        <p:nvSpPr>
-          <p:cNvPr id="105" name="Google Shape;105;p5:notes"/>
+          <p:cNvPr id="105" name="Google Shape;105;p:notes"/>
           <p:cNvSpPr>
             <a:spLocks noGrp="1" noRot="1" noChangeAspect="1"/>
           </p:cNvSpPr>
@@ -1415,10 +1083,48 @@
           </a:custGeom>
         </p:spPr>
       </p:sp>
+      <p:sp>
+        <p:nvSpPr>
+          <p:cNvPr id="106" name="Google Shape;106;p:notes"/>
+          <p:cNvSpPr txBox="1">
+            <a:spLocks noGrp="1"/>
+          </p:cNvSpPr>
+          <p:nvPr>
+            <p:ph type="body" idx="1"/>
+          </p:nvPr>
+        </p:nvSpPr>
+        <p:spPr>
+          <a:xfrm>
+            <a:off x="685800" y="4343400"/>
+            <a:ext cx="5486400" cy="4114800"/>
+          </a:xfrm>
+          <a:prstGeom prst="rect">
+            <a:avLst/>
+          </a:prstGeom>
+        </p:spPr>
+        <p:txBody>
+          <a:bodyPr spcFirstLastPara="1" wrap="square" lIns="91425" tIns="91425" rIns="91425" bIns="91425" anchor="t" anchorCtr="0">
+            <a:noAutofit/>
+          </a:bodyPr>
+          <a:lstStyle/>
+          <a:p>
+            <a:pPr marL="0" lvl="0" indent="0" algn="l" rtl="0">
+              <a:spcBef>
+                <a:spcPts val="0"/>
+              </a:spcBef>
+              <a:spcAft>
+                <a:spcPts val="0"/>
+              </a:spcAft>
+              <a:buNone/>
+            </a:pPr>
+            <a:endParaRPr/>
+          </a:p>
+        </p:txBody>
+      </p:sp>
     </p:spTree>
     <p:extLst>
       <p:ext uri="{BB962C8B-B14F-4D97-AF65-F5344CB8AC3E}">
-        <p14:creationId xmlns:p14="http://schemas.microsoft.com/office/powerpoint/2010/main" val="1735956998"/>
+        <p14:creationId xmlns:p14="http://schemas.microsoft.com/office/powerpoint/2010/main" val="4236181379"/>
       </p:ext>
     </p:extLst>
   </p:cSld>
@@ -1428,12 +1134,12 @@
 </p:notes>
 </file>
 
-<file path=ppt/notesSlides/notesSlide6.xml><?xml version="1.0" encoding="utf-8"?>
+<file path=ppt/notesSlides/notesSlide5.xml><?xml version="1.0" encoding="utf-8"?>
 <p:notes xmlns:a="http://schemas.openxmlformats.org/drawingml/2006/main" xmlns:r="http://schemas.openxmlformats.org/officeDocument/2006/relationships" xmlns:p="http://schemas.openxmlformats.org/presentationml/2006/main" showMasterSp="0" showMasterPhAnim="0">
   <p:cSld>
     <p:spTree>
       <p:nvGrpSpPr>
-        <p:cNvPr id="1" name="Shape 160"/>
+        <p:cNvPr id="1" name="Shape 104"/>
         <p:cNvGrpSpPr/>
         <p:nvPr/>
       </p:nvGrpSpPr>
@@ -1447,7 +1153,7 @@
       </p:grpSpPr>
       <p:sp>
         <p:nvSpPr>
-          <p:cNvPr id="161" name="Google Shape;161;p8:notes"/>
+          <p:cNvPr id="105" name="Google Shape;105;p:notes"/>
           <p:cNvSpPr>
             <a:spLocks noGrp="1" noRot="1" noChangeAspect="1"/>
           </p:cNvSpPr>
@@ -1484,21 +1190,11 @@
               </a:path>
             </a:pathLst>
           </a:custGeom>
-          <a:noFill/>
-          <a:ln w="9525" cap="flat" cmpd="sng">
-            <a:solidFill>
-              <a:srgbClr val="000000"/>
-            </a:solidFill>
-            <a:prstDash val="solid"/>
-            <a:round/>
-            <a:headEnd type="none" w="sm" len="sm"/>
-            <a:tailEnd type="none" w="sm" len="sm"/>
-          </a:ln>
         </p:spPr>
       </p:sp>
       <p:sp>
         <p:nvSpPr>
-          <p:cNvPr id="162" name="Google Shape;162;p8:notes"/>
+          <p:cNvPr id="106" name="Google Shape;106;p:notes"/>
           <p:cNvSpPr txBox="1">
             <a:spLocks noGrp="1"/>
           </p:cNvSpPr>
@@ -1514,10 +1210,6 @@
           <a:prstGeom prst="rect">
             <a:avLst/>
           </a:prstGeom>
-          <a:noFill/>
-          <a:ln>
-            <a:noFill/>
-          </a:ln>
         </p:spPr>
         <p:txBody>
           <a:bodyPr spcFirstLastPara="1" wrap="square" lIns="91425" tIns="91425" rIns="91425" bIns="91425" anchor="t" anchorCtr="0">
@@ -1526,16 +1218,12 @@
           <a:lstStyle/>
           <a:p>
             <a:pPr marL="0" lvl="0" indent="0" algn="l" rtl="0">
-              <a:lnSpc>
-                <a:spcPct val="100000"/>
-              </a:lnSpc>
-              <a:spcBef>
-                <a:spcPts val="0"/>
-              </a:spcBef>
-              <a:spcAft>
-                <a:spcPts val="0"/>
-              </a:spcAft>
-              <a:buSzPts val="1400"/>
+              <a:spcBef>
+                <a:spcPts val="0"/>
+              </a:spcBef>
+              <a:spcAft>
+                <a:spcPts val="0"/>
+              </a:spcAft>
               <a:buNone/>
             </a:pPr>
             <a:endParaRPr/>
@@ -1543,6 +1231,11 @@
         </p:txBody>
       </p:sp>
     </p:spTree>
+    <p:extLst>
+      <p:ext uri="{BB962C8B-B14F-4D97-AF65-F5344CB8AC3E}">
+        <p14:creationId xmlns:p14="http://schemas.microsoft.com/office/powerpoint/2010/main" val="619501405"/>
+      </p:ext>
+    </p:extLst>
   </p:cSld>
   <p:clrMapOvr>
     <a:masterClrMapping/>
@@ -1550,20 +1243,12 @@
 </p:notes>
 </file>
 
-<file path=ppt/slideLayouts/slideLayout1.xml><?xml version="1.0" encoding="utf-8"?>
-<p:sldLayout xmlns:a="http://schemas.openxmlformats.org/drawingml/2006/main" xmlns:r="http://schemas.openxmlformats.org/officeDocument/2006/relationships" xmlns:p="http://schemas.openxmlformats.org/presentationml/2006/main" matchingName="Blank key color">
-  <p:cSld name="BLANK_1">
-    <p:bg>
-      <p:bgPr>
-        <a:solidFill>
-          <a:schemeClr val="accent1"/>
-        </a:solidFill>
-        <a:effectLst/>
-      </p:bgPr>
-    </p:bg>
+<file path=ppt/notesSlides/notesSlide6.xml><?xml version="1.0" encoding="utf-8"?>
+<p:notes xmlns:a="http://schemas.openxmlformats.org/drawingml/2006/main" xmlns:r="http://schemas.openxmlformats.org/officeDocument/2006/relationships" xmlns:p="http://schemas.openxmlformats.org/presentationml/2006/main" showMasterSp="0" showMasterPhAnim="0">
+  <p:cSld>
     <p:spTree>
       <p:nvGrpSpPr>
-        <p:cNvPr id="1" name="Shape 9"/>
+        <p:cNvPr id="1" name="Shape 90"/>
         <p:cNvGrpSpPr/>
         <p:nvPr/>
       </p:nvGrpSpPr>
@@ -1577,7 +1262,374 @@
       </p:grpSpPr>
       <p:sp>
         <p:nvSpPr>
-          <p:cNvPr id="10" name="Google Shape;10;p10"/>
+          <p:cNvPr id="91" name="Google Shape;91;g35f391192_029:notes"/>
+          <p:cNvSpPr>
+            <a:spLocks noGrp="1" noRot="1" noChangeAspect="1"/>
+          </p:cNvSpPr>
+          <p:nvPr>
+            <p:ph type="sldImg" idx="2"/>
+          </p:nvPr>
+        </p:nvSpPr>
+        <p:spPr>
+          <a:xfrm>
+            <a:off x="381000" y="685800"/>
+            <a:ext cx="6096000" cy="3429000"/>
+          </a:xfrm>
+          <a:custGeom>
+            <a:avLst/>
+            <a:gdLst/>
+            <a:ahLst/>
+            <a:cxnLst/>
+            <a:rect l="l" t="t" r="r" b="b"/>
+            <a:pathLst>
+              <a:path w="120000" h="120000" extrusionOk="0">
+                <a:moveTo>
+                  <a:pt x="0" y="0"/>
+                </a:moveTo>
+                <a:lnTo>
+                  <a:pt x="120000" y="0"/>
+                </a:lnTo>
+                <a:lnTo>
+                  <a:pt x="120000" y="120000"/>
+                </a:lnTo>
+                <a:lnTo>
+                  <a:pt x="0" y="120000"/>
+                </a:lnTo>
+                <a:close/>
+              </a:path>
+            </a:pathLst>
+          </a:custGeom>
+        </p:spPr>
+      </p:sp>
+      <p:sp>
+        <p:nvSpPr>
+          <p:cNvPr id="92" name="Google Shape;92;g35f391192_029:notes"/>
+          <p:cNvSpPr txBox="1">
+            <a:spLocks noGrp="1"/>
+          </p:cNvSpPr>
+          <p:nvPr>
+            <p:ph type="body" idx="1"/>
+          </p:nvPr>
+        </p:nvSpPr>
+        <p:spPr>
+          <a:xfrm>
+            <a:off x="685800" y="4343400"/>
+            <a:ext cx="5486400" cy="4114800"/>
+          </a:xfrm>
+          <a:prstGeom prst="rect">
+            <a:avLst/>
+          </a:prstGeom>
+        </p:spPr>
+        <p:txBody>
+          <a:bodyPr spcFirstLastPara="1" wrap="square" lIns="91425" tIns="91425" rIns="91425" bIns="91425" anchor="t" anchorCtr="0">
+            <a:noAutofit/>
+          </a:bodyPr>
+          <a:lstStyle/>
+          <a:p>
+            <a:pPr marL="0" lvl="0" indent="0" algn="l" rtl="0">
+              <a:spcBef>
+                <a:spcPts val="0"/>
+              </a:spcBef>
+              <a:spcAft>
+                <a:spcPts val="0"/>
+              </a:spcAft>
+              <a:buNone/>
+            </a:pPr>
+            <a:endParaRPr dirty="0"/>
+          </a:p>
+        </p:txBody>
+      </p:sp>
+    </p:spTree>
+    <p:extLst>
+      <p:ext uri="{BB962C8B-B14F-4D97-AF65-F5344CB8AC3E}">
+        <p14:creationId xmlns:p14="http://schemas.microsoft.com/office/powerpoint/2010/main" val="1715998141"/>
+      </p:ext>
+    </p:extLst>
+  </p:cSld>
+  <p:clrMapOvr>
+    <a:masterClrMapping/>
+  </p:clrMapOvr>
+</p:notes>
+</file>
+
+<file path=ppt/slideLayouts/slideLayout1.xml><?xml version="1.0" encoding="utf-8"?>
+<p:sldLayout xmlns:a="http://schemas.openxmlformats.org/drawingml/2006/main" xmlns:r="http://schemas.openxmlformats.org/officeDocument/2006/relationships" xmlns:p="http://schemas.openxmlformats.org/presentationml/2006/main" matchingName="Subtitle">
+  <p:cSld name="TITLE_1">
+    <p:spTree>
+      <p:nvGrpSpPr>
+        <p:cNvPr id="1" name="Shape 13"/>
+        <p:cNvGrpSpPr/>
+        <p:nvPr/>
+      </p:nvGrpSpPr>
+      <p:grpSpPr>
+        <a:xfrm>
+          <a:off x="0" y="0"/>
+          <a:ext cx="0" cy="0"/>
+          <a:chOff x="0" y="0"/>
+          <a:chExt cx="0" cy="0"/>
+        </a:xfrm>
+      </p:grpSpPr>
+      <p:sp>
+        <p:nvSpPr>
+          <p:cNvPr id="14" name="Google Shape;14;p3"/>
+          <p:cNvSpPr txBox="1">
+            <a:spLocks noGrp="1"/>
+          </p:cNvSpPr>
+          <p:nvPr>
+            <p:ph type="ctrTitle"/>
+          </p:nvPr>
+        </p:nvSpPr>
+        <p:spPr>
+          <a:xfrm>
+            <a:off x="1530175" y="2307788"/>
+            <a:ext cx="6767100" cy="532200"/>
+          </a:xfrm>
+          <a:prstGeom prst="rect">
+            <a:avLst/>
+          </a:prstGeom>
+        </p:spPr>
+        <p:txBody>
+          <a:bodyPr spcFirstLastPara="1" wrap="square" lIns="91425" tIns="91425" rIns="91425" bIns="91425" anchor="ctr" anchorCtr="0">
+            <a:noAutofit/>
+          </a:bodyPr>
+          <a:lstStyle>
+            <a:lvl1pPr lvl="0" rtl="0">
+              <a:spcBef>
+                <a:spcPts val="0"/>
+              </a:spcBef>
+              <a:spcAft>
+                <a:spcPts val="0"/>
+              </a:spcAft>
+              <a:buSzPts val="3000"/>
+              <a:buNone/>
+              <a:defRPr sz="3000"/>
+            </a:lvl1pPr>
+            <a:lvl2pPr lvl="1" rtl="0">
+              <a:spcBef>
+                <a:spcPts val="0"/>
+              </a:spcBef>
+              <a:spcAft>
+                <a:spcPts val="0"/>
+              </a:spcAft>
+              <a:buSzPts val="3000"/>
+              <a:buNone/>
+              <a:defRPr sz="3000"/>
+            </a:lvl2pPr>
+            <a:lvl3pPr lvl="2" rtl="0">
+              <a:spcBef>
+                <a:spcPts val="0"/>
+              </a:spcBef>
+              <a:spcAft>
+                <a:spcPts val="0"/>
+              </a:spcAft>
+              <a:buSzPts val="3000"/>
+              <a:buNone/>
+              <a:defRPr sz="3000"/>
+            </a:lvl3pPr>
+            <a:lvl4pPr lvl="3" rtl="0">
+              <a:spcBef>
+                <a:spcPts val="0"/>
+              </a:spcBef>
+              <a:spcAft>
+                <a:spcPts val="0"/>
+              </a:spcAft>
+              <a:buSzPts val="3000"/>
+              <a:buNone/>
+              <a:defRPr sz="3000"/>
+            </a:lvl4pPr>
+            <a:lvl5pPr lvl="4" rtl="0">
+              <a:spcBef>
+                <a:spcPts val="0"/>
+              </a:spcBef>
+              <a:spcAft>
+                <a:spcPts val="0"/>
+              </a:spcAft>
+              <a:buSzPts val="3000"/>
+              <a:buNone/>
+              <a:defRPr sz="3000"/>
+            </a:lvl5pPr>
+            <a:lvl6pPr lvl="5" rtl="0">
+              <a:spcBef>
+                <a:spcPts val="0"/>
+              </a:spcBef>
+              <a:spcAft>
+                <a:spcPts val="0"/>
+              </a:spcAft>
+              <a:buSzPts val="3000"/>
+              <a:buNone/>
+              <a:defRPr sz="3000"/>
+            </a:lvl6pPr>
+            <a:lvl7pPr lvl="6" rtl="0">
+              <a:spcBef>
+                <a:spcPts val="0"/>
+              </a:spcBef>
+              <a:spcAft>
+                <a:spcPts val="0"/>
+              </a:spcAft>
+              <a:buSzPts val="3000"/>
+              <a:buNone/>
+              <a:defRPr sz="3000"/>
+            </a:lvl7pPr>
+            <a:lvl8pPr lvl="7" rtl="0">
+              <a:spcBef>
+                <a:spcPts val="0"/>
+              </a:spcBef>
+              <a:spcAft>
+                <a:spcPts val="0"/>
+              </a:spcAft>
+              <a:buSzPts val="3000"/>
+              <a:buNone/>
+              <a:defRPr sz="3000"/>
+            </a:lvl8pPr>
+            <a:lvl9pPr lvl="8" rtl="0">
+              <a:spcBef>
+                <a:spcPts val="0"/>
+              </a:spcBef>
+              <a:spcAft>
+                <a:spcPts val="0"/>
+              </a:spcAft>
+              <a:buSzPts val="3000"/>
+              <a:buNone/>
+              <a:defRPr sz="3000"/>
+            </a:lvl9pPr>
+          </a:lstStyle>
+          <a:p>
+            <a:endParaRPr/>
+          </a:p>
+        </p:txBody>
+      </p:sp>
+      <p:sp>
+        <p:nvSpPr>
+          <p:cNvPr id="15" name="Google Shape;15;p3"/>
+          <p:cNvSpPr txBox="1">
+            <a:spLocks noGrp="1"/>
+          </p:cNvSpPr>
+          <p:nvPr>
+            <p:ph type="subTitle" idx="1"/>
+          </p:nvPr>
+        </p:nvSpPr>
+        <p:spPr>
+          <a:xfrm>
+            <a:off x="1567326" y="2782913"/>
+            <a:ext cx="6927900" cy="353100"/>
+          </a:xfrm>
+          <a:prstGeom prst="rect">
+            <a:avLst/>
+          </a:prstGeom>
+        </p:spPr>
+        <p:txBody>
+          <a:bodyPr spcFirstLastPara="1" wrap="square" lIns="91425" tIns="91425" rIns="91425" bIns="91425" anchor="t" anchorCtr="0">
+            <a:noAutofit/>
+          </a:bodyPr>
+          <a:lstStyle>
+            <a:lvl1pPr lvl="0" rtl="0">
+              <a:spcBef>
+                <a:spcPts val="0"/>
+              </a:spcBef>
+              <a:spcAft>
+                <a:spcPts val="0"/>
+              </a:spcAft>
+              <a:buSzPts val="1800"/>
+              <a:buNone/>
+              <a:defRPr sz="1800"/>
+            </a:lvl1pPr>
+            <a:lvl2pPr lvl="1" rtl="0">
+              <a:spcBef>
+                <a:spcPts val="0"/>
+              </a:spcBef>
+              <a:spcAft>
+                <a:spcPts val="0"/>
+              </a:spcAft>
+              <a:buSzPts val="1800"/>
+              <a:buNone/>
+              <a:defRPr sz="1800"/>
+            </a:lvl2pPr>
+            <a:lvl3pPr lvl="2" rtl="0">
+              <a:spcBef>
+                <a:spcPts val="0"/>
+              </a:spcBef>
+              <a:spcAft>
+                <a:spcPts val="0"/>
+              </a:spcAft>
+              <a:buSzPts val="1800"/>
+              <a:buNone/>
+              <a:defRPr sz="1800"/>
+            </a:lvl3pPr>
+            <a:lvl4pPr lvl="3" rtl="0">
+              <a:spcBef>
+                <a:spcPts val="0"/>
+              </a:spcBef>
+              <a:spcAft>
+                <a:spcPts val="0"/>
+              </a:spcAft>
+              <a:buSzPts val="2400"/>
+              <a:buNone/>
+              <a:defRPr/>
+            </a:lvl4pPr>
+            <a:lvl5pPr lvl="4" rtl="0">
+              <a:spcBef>
+                <a:spcPts val="0"/>
+              </a:spcBef>
+              <a:spcAft>
+                <a:spcPts val="0"/>
+              </a:spcAft>
+              <a:buSzPts val="2400"/>
+              <a:buNone/>
+              <a:defRPr/>
+            </a:lvl5pPr>
+            <a:lvl6pPr lvl="5" rtl="0">
+              <a:spcBef>
+                <a:spcPts val="0"/>
+              </a:spcBef>
+              <a:spcAft>
+                <a:spcPts val="0"/>
+              </a:spcAft>
+              <a:buSzPts val="2400"/>
+              <a:buNone/>
+              <a:defRPr/>
+            </a:lvl6pPr>
+            <a:lvl7pPr lvl="6" rtl="0">
+              <a:spcBef>
+                <a:spcPts val="0"/>
+              </a:spcBef>
+              <a:spcAft>
+                <a:spcPts val="0"/>
+              </a:spcAft>
+              <a:buSzPts val="2400"/>
+              <a:buNone/>
+              <a:defRPr/>
+            </a:lvl7pPr>
+            <a:lvl8pPr lvl="7" rtl="0">
+              <a:spcBef>
+                <a:spcPts val="0"/>
+              </a:spcBef>
+              <a:spcAft>
+                <a:spcPts val="0"/>
+              </a:spcAft>
+              <a:buSzPts val="2400"/>
+              <a:buNone/>
+              <a:defRPr/>
+            </a:lvl8pPr>
+            <a:lvl9pPr lvl="8" rtl="0">
+              <a:spcBef>
+                <a:spcPts val="0"/>
+              </a:spcBef>
+              <a:spcAft>
+                <a:spcPts val="0"/>
+              </a:spcAft>
+              <a:buSzPts val="2400"/>
+              <a:buNone/>
+              <a:defRPr/>
+            </a:lvl9pPr>
+          </a:lstStyle>
+          <a:p>
+            <a:endParaRPr/>
+          </a:p>
+        </p:txBody>
+      </p:sp>
+      <p:sp>
+        <p:nvSpPr>
+          <p:cNvPr id="16" name="Google Shape;16;p3"/>
           <p:cNvSpPr txBox="1">
             <a:spLocks noGrp="1"/>
           </p:cNvSpPr>
@@ -1593,35 +1645,387 @@
           <a:prstGeom prst="rect">
             <a:avLst/>
           </a:prstGeom>
-          <a:noFill/>
-          <a:ln>
-            <a:noFill/>
-          </a:ln>
         </p:spPr>
         <p:txBody>
           <a:bodyPr spcFirstLastPara="1" wrap="square" lIns="91425" tIns="91425" rIns="91425" bIns="91425" anchor="t" anchorCtr="0">
             <a:noAutofit/>
           </a:bodyPr>
           <a:lstStyle>
-            <a:lvl1pPr marL="0" marR="0" lvl="0" indent="0" algn="r">
-              <a:lnSpc>
-                <a:spcPct val="100000"/>
-              </a:lnSpc>
-              <a:spcBef>
-                <a:spcPts val="0"/>
+            <a:lvl1pPr lvl="0">
+              <a:buNone/>
+              <a:defRPr/>
+            </a:lvl1pPr>
+            <a:lvl2pPr lvl="1">
+              <a:buNone/>
+              <a:defRPr/>
+            </a:lvl2pPr>
+            <a:lvl3pPr lvl="2">
+              <a:buNone/>
+              <a:defRPr/>
+            </a:lvl3pPr>
+            <a:lvl4pPr lvl="3">
+              <a:buNone/>
+              <a:defRPr/>
+            </a:lvl4pPr>
+            <a:lvl5pPr lvl="4">
+              <a:buNone/>
+              <a:defRPr/>
+            </a:lvl5pPr>
+            <a:lvl6pPr lvl="5">
+              <a:buNone/>
+              <a:defRPr/>
+            </a:lvl6pPr>
+            <a:lvl7pPr lvl="6">
+              <a:buNone/>
+              <a:defRPr/>
+            </a:lvl7pPr>
+            <a:lvl8pPr lvl="7">
+              <a:buNone/>
+              <a:defRPr/>
+            </a:lvl8pPr>
+            <a:lvl9pPr lvl="8">
+              <a:buNone/>
+              <a:defRPr/>
+            </a:lvl9pPr>
+          </a:lstStyle>
+          <a:p>
+            <a:pPr marL="0" lvl="0" indent="0" algn="r" rtl="0">
+              <a:spcBef>
+                <a:spcPts val="0"/>
+              </a:spcBef>
+              <a:spcAft>
+                <a:spcPts val="0"/>
+              </a:spcAft>
+              <a:buNone/>
+            </a:pPr>
+            <a:fld id="{00000000-1234-1234-1234-123412341234}" type="slidenum">
+              <a:rPr lang="en"/>
+              <a:t>‹#›</a:t>
+            </a:fld>
+            <a:endParaRPr/>
+          </a:p>
+        </p:txBody>
+      </p:sp>
+      <p:cxnSp>
+        <p:nvCxnSpPr>
+          <p:cNvPr id="17" name="Google Shape;17;p3"/>
+          <p:cNvCxnSpPr/>
+          <p:nvPr/>
+        </p:nvCxnSpPr>
+        <p:spPr>
+          <a:xfrm>
+            <a:off x="939645" y="0"/>
+            <a:ext cx="0" cy="5143500"/>
+          </a:xfrm>
+          <a:prstGeom prst="straightConnector1">
+            <a:avLst/>
+          </a:prstGeom>
+          <a:noFill/>
+          <a:ln w="9525" cap="flat" cmpd="sng">
+            <a:solidFill>
+              <a:schemeClr val="accent5"/>
+            </a:solidFill>
+            <a:prstDash val="solid"/>
+            <a:round/>
+            <a:headEnd type="none" w="med" len="med"/>
+            <a:tailEnd type="none" w="med" len="med"/>
+          </a:ln>
+        </p:spPr>
+      </p:cxnSp>
+      <p:sp>
+        <p:nvSpPr>
+          <p:cNvPr id="18" name="Google Shape;18;p3"/>
+          <p:cNvSpPr/>
+          <p:nvPr/>
+        </p:nvSpPr>
+        <p:spPr>
+          <a:xfrm flipH="1">
+            <a:off x="632556" y="2267403"/>
+            <a:ext cx="614400" cy="614400"/>
+          </a:xfrm>
+          <a:prstGeom prst="ellipse">
+            <a:avLst/>
+          </a:prstGeom>
+          <a:solidFill>
+            <a:schemeClr val="accent1"/>
+          </a:solidFill>
+          <a:ln w="28575" cap="flat" cmpd="sng">
+            <a:solidFill>
+              <a:schemeClr val="dk1"/>
+            </a:solidFill>
+            <a:prstDash val="solid"/>
+            <a:round/>
+            <a:headEnd type="none" w="sm" len="sm"/>
+            <a:tailEnd type="none" w="sm" len="sm"/>
+          </a:ln>
+        </p:spPr>
+        <p:txBody>
+          <a:bodyPr spcFirstLastPara="1" wrap="square" lIns="91425" tIns="91425" rIns="91425" bIns="91425" anchor="ctr" anchorCtr="0">
+            <a:noAutofit/>
+          </a:bodyPr>
+          <a:lstStyle/>
+          <a:p>
+            <a:pPr marL="0" lvl="0" indent="0" algn="l" rtl="0">
+              <a:spcBef>
+                <a:spcPts val="0"/>
+              </a:spcBef>
+              <a:spcAft>
+                <a:spcPts val="0"/>
+              </a:spcAft>
+              <a:buNone/>
+            </a:pPr>
+            <a:endParaRPr/>
+          </a:p>
+        </p:txBody>
+      </p:sp>
+    </p:spTree>
+  </p:cSld>
+  <p:clrMapOvr>
+    <a:masterClrMapping/>
+  </p:clrMapOvr>
+</p:sldLayout>
+</file>
+
+<file path=ppt/slideLayouts/slideLayout2.xml><?xml version="1.0" encoding="utf-8"?>
+<p:sldLayout xmlns:a="http://schemas.openxmlformats.org/drawingml/2006/main" xmlns:r="http://schemas.openxmlformats.org/officeDocument/2006/relationships" xmlns:p="http://schemas.openxmlformats.org/presentationml/2006/main" matchingName="Title + 1 column" type="tx">
+  <p:cSld name="TITLE_AND_BODY">
+    <p:spTree>
+      <p:nvGrpSpPr>
+        <p:cNvPr id="1" name="Shape 25"/>
+        <p:cNvGrpSpPr/>
+        <p:nvPr/>
+      </p:nvGrpSpPr>
+      <p:grpSpPr>
+        <a:xfrm>
+          <a:off x="0" y="0"/>
+          <a:ext cx="0" cy="0"/>
+          <a:chOff x="0" y="0"/>
+          <a:chExt cx="0" cy="0"/>
+        </a:xfrm>
+      </p:grpSpPr>
+      <p:sp>
+        <p:nvSpPr>
+          <p:cNvPr id="26" name="Google Shape;26;p5"/>
+          <p:cNvSpPr txBox="1">
+            <a:spLocks noGrp="1"/>
+          </p:cNvSpPr>
+          <p:nvPr>
+            <p:ph type="title"/>
+          </p:nvPr>
+        </p:nvSpPr>
+        <p:spPr>
+          <a:xfrm>
+            <a:off x="1165475" y="549649"/>
+            <a:ext cx="6858000" cy="345000"/>
+          </a:xfrm>
+          <a:prstGeom prst="rect">
+            <a:avLst/>
+          </a:prstGeom>
+        </p:spPr>
+        <p:txBody>
+          <a:bodyPr spcFirstLastPara="1" wrap="square" lIns="91425" tIns="91425" rIns="91425" bIns="91425" anchor="b" anchorCtr="0">
+            <a:noAutofit/>
+          </a:bodyPr>
+          <a:lstStyle>
+            <a:lvl1pPr lvl="0" rtl="0">
+              <a:spcBef>
+                <a:spcPts val="0"/>
+              </a:spcBef>
+              <a:spcAft>
+                <a:spcPts val="0"/>
+              </a:spcAft>
+              <a:buSzPts val="1800"/>
+              <a:buFont typeface="Quicksand"/>
+              <a:buNone/>
+              <a:defRPr sz="1800">
+                <a:latin typeface="Quicksand"/>
+                <a:ea typeface="Quicksand"/>
+                <a:cs typeface="Quicksand"/>
+                <a:sym typeface="Quicksand"/>
+              </a:defRPr>
+            </a:lvl1pPr>
+            <a:lvl2pPr lvl="1" rtl="0">
+              <a:spcBef>
+                <a:spcPts val="0"/>
+              </a:spcBef>
+              <a:spcAft>
+                <a:spcPts val="0"/>
+              </a:spcAft>
+              <a:buSzPts val="1800"/>
+              <a:buFont typeface="Quicksand"/>
+              <a:buNone/>
+              <a:defRPr sz="1800">
+                <a:latin typeface="Quicksand"/>
+                <a:ea typeface="Quicksand"/>
+                <a:cs typeface="Quicksand"/>
+                <a:sym typeface="Quicksand"/>
+              </a:defRPr>
+            </a:lvl2pPr>
+            <a:lvl3pPr lvl="2" rtl="0">
+              <a:spcBef>
+                <a:spcPts val="0"/>
+              </a:spcBef>
+              <a:spcAft>
+                <a:spcPts val="0"/>
+              </a:spcAft>
+              <a:buSzPts val="1800"/>
+              <a:buFont typeface="Quicksand"/>
+              <a:buNone/>
+              <a:defRPr sz="1800">
+                <a:latin typeface="Quicksand"/>
+                <a:ea typeface="Quicksand"/>
+                <a:cs typeface="Quicksand"/>
+                <a:sym typeface="Quicksand"/>
+              </a:defRPr>
+            </a:lvl3pPr>
+            <a:lvl4pPr lvl="3" rtl="0">
+              <a:spcBef>
+                <a:spcPts val="0"/>
+              </a:spcBef>
+              <a:spcAft>
+                <a:spcPts val="0"/>
+              </a:spcAft>
+              <a:buSzPts val="1800"/>
+              <a:buFont typeface="Quicksand"/>
+              <a:buNone/>
+              <a:defRPr sz="1800">
+                <a:latin typeface="Quicksand"/>
+                <a:ea typeface="Quicksand"/>
+                <a:cs typeface="Quicksand"/>
+                <a:sym typeface="Quicksand"/>
+              </a:defRPr>
+            </a:lvl4pPr>
+            <a:lvl5pPr lvl="4" rtl="0">
+              <a:spcBef>
+                <a:spcPts val="0"/>
+              </a:spcBef>
+              <a:spcAft>
+                <a:spcPts val="0"/>
+              </a:spcAft>
+              <a:buSzPts val="1800"/>
+              <a:buFont typeface="Quicksand"/>
+              <a:buNone/>
+              <a:defRPr sz="1800">
+                <a:latin typeface="Quicksand"/>
+                <a:ea typeface="Quicksand"/>
+                <a:cs typeface="Quicksand"/>
+                <a:sym typeface="Quicksand"/>
+              </a:defRPr>
+            </a:lvl5pPr>
+            <a:lvl6pPr lvl="5" rtl="0">
+              <a:spcBef>
+                <a:spcPts val="0"/>
+              </a:spcBef>
+              <a:spcAft>
+                <a:spcPts val="0"/>
+              </a:spcAft>
+              <a:buSzPts val="1800"/>
+              <a:buFont typeface="Quicksand"/>
+              <a:buNone/>
+              <a:defRPr sz="1800">
+                <a:latin typeface="Quicksand"/>
+                <a:ea typeface="Quicksand"/>
+                <a:cs typeface="Quicksand"/>
+                <a:sym typeface="Quicksand"/>
+              </a:defRPr>
+            </a:lvl6pPr>
+            <a:lvl7pPr lvl="6" rtl="0">
+              <a:spcBef>
+                <a:spcPts val="0"/>
+              </a:spcBef>
+              <a:spcAft>
+                <a:spcPts val="0"/>
+              </a:spcAft>
+              <a:buSzPts val="1800"/>
+              <a:buFont typeface="Quicksand"/>
+              <a:buNone/>
+              <a:defRPr sz="1800">
+                <a:latin typeface="Quicksand"/>
+                <a:ea typeface="Quicksand"/>
+                <a:cs typeface="Quicksand"/>
+                <a:sym typeface="Quicksand"/>
+              </a:defRPr>
+            </a:lvl7pPr>
+            <a:lvl8pPr lvl="7" rtl="0">
+              <a:spcBef>
+                <a:spcPts val="0"/>
+              </a:spcBef>
+              <a:spcAft>
+                <a:spcPts val="0"/>
+              </a:spcAft>
+              <a:buSzPts val="1800"/>
+              <a:buFont typeface="Quicksand"/>
+              <a:buNone/>
+              <a:defRPr sz="1800">
+                <a:latin typeface="Quicksand"/>
+                <a:ea typeface="Quicksand"/>
+                <a:cs typeface="Quicksand"/>
+                <a:sym typeface="Quicksand"/>
+              </a:defRPr>
+            </a:lvl8pPr>
+            <a:lvl9pPr lvl="8" rtl="0">
+              <a:spcBef>
+                <a:spcPts val="0"/>
+              </a:spcBef>
+              <a:spcAft>
+                <a:spcPts val="0"/>
+              </a:spcAft>
+              <a:buSzPts val="1800"/>
+              <a:buFont typeface="Quicksand"/>
+              <a:buNone/>
+              <a:defRPr sz="1800">
+                <a:latin typeface="Quicksand"/>
+                <a:ea typeface="Quicksand"/>
+                <a:cs typeface="Quicksand"/>
+                <a:sym typeface="Quicksand"/>
+              </a:defRPr>
+            </a:lvl9pPr>
+          </a:lstStyle>
+          <a:p>
+            <a:endParaRPr/>
+          </a:p>
+        </p:txBody>
+      </p:sp>
+      <p:sp>
+        <p:nvSpPr>
+          <p:cNvPr id="27" name="Google Shape;27;p5"/>
+          <p:cNvSpPr txBox="1">
+            <a:spLocks noGrp="1"/>
+          </p:cNvSpPr>
+          <p:nvPr>
+            <p:ph type="body" idx="1"/>
+          </p:nvPr>
+        </p:nvSpPr>
+        <p:spPr>
+          <a:xfrm>
+            <a:off x="1165498" y="1086799"/>
+            <a:ext cx="6858000" cy="3725700"/>
+          </a:xfrm>
+          <a:prstGeom prst="rect">
+            <a:avLst/>
+          </a:prstGeom>
+        </p:spPr>
+        <p:txBody>
+          <a:bodyPr spcFirstLastPara="1" wrap="square" lIns="91425" tIns="91425" rIns="91425" bIns="91425" anchor="t" anchorCtr="0">
+            <a:noAutofit/>
+          </a:bodyPr>
+          <a:lstStyle>
+            <a:lvl1pPr marL="457200" lvl="0" indent="-419100" rtl="0">
+              <a:spcBef>
+                <a:spcPts val="600"/>
               </a:spcBef>
               <a:spcAft>
                 <a:spcPts val="0"/>
               </a:spcAft>
               <a:buClr>
-                <a:srgbClr val="000000"/>
+                <a:srgbClr val="F3F3F3"/>
               </a:buClr>
-              <a:buSzPts val="1200"/>
-              <a:buFont typeface="Arial"/>
-              <a:buNone/>
-              <a:defRPr sz="1200" b="0" i="0" u="none" strike="noStrike" cap="none">
+              <a:buSzPts val="3000"/>
+              <a:buFont typeface="Quicksand"/>
+              <a:buChar char="◦"/>
+              <a:defRPr sz="3000">
                 <a:solidFill>
-                  <a:schemeClr val="dk1"/>
+                  <a:srgbClr val="F3F3F3"/>
                 </a:solidFill>
                 <a:latin typeface="Quicksand"/>
                 <a:ea typeface="Quicksand"/>
@@ -1629,10 +2033,7 @@
                 <a:sym typeface="Quicksand"/>
               </a:defRPr>
             </a:lvl1pPr>
-            <a:lvl2pPr marL="0" marR="0" lvl="1" indent="0" algn="r">
-              <a:lnSpc>
-                <a:spcPct val="100000"/>
-              </a:lnSpc>
+            <a:lvl2pPr marL="914400" lvl="1" indent="-381000" rtl="0">
               <a:spcBef>
                 <a:spcPts val="0"/>
               </a:spcBef>
@@ -1640,14 +2041,14 @@
                 <a:spcPts val="0"/>
               </a:spcAft>
               <a:buClr>
-                <a:srgbClr val="000000"/>
+                <a:srgbClr val="F3F3F3"/>
               </a:buClr>
-              <a:buSzPts val="1200"/>
-              <a:buFont typeface="Arial"/>
-              <a:buNone/>
-              <a:defRPr sz="1200" b="0" i="0" u="none" strike="noStrike" cap="none">
+              <a:buSzPts val="2400"/>
+              <a:buFont typeface="Quicksand"/>
+              <a:buChar char="▫"/>
+              <a:defRPr sz="2400">
                 <a:solidFill>
-                  <a:schemeClr val="dk1"/>
+                  <a:srgbClr val="F3F3F3"/>
                 </a:solidFill>
                 <a:latin typeface="Quicksand"/>
                 <a:ea typeface="Quicksand"/>
@@ -1655,10 +2056,7 @@
                 <a:sym typeface="Quicksand"/>
               </a:defRPr>
             </a:lvl2pPr>
-            <a:lvl3pPr marL="0" marR="0" lvl="2" indent="0" algn="r">
-              <a:lnSpc>
-                <a:spcPct val="100000"/>
-              </a:lnSpc>
+            <a:lvl3pPr marL="1371600" lvl="2" indent="-381000" rtl="0">
               <a:spcBef>
                 <a:spcPts val="0"/>
               </a:spcBef>
@@ -1666,14 +2064,14 @@
                 <a:spcPts val="0"/>
               </a:spcAft>
               <a:buClr>
-                <a:srgbClr val="000000"/>
+                <a:srgbClr val="F3F3F3"/>
               </a:buClr>
-              <a:buSzPts val="1200"/>
-              <a:buFont typeface="Arial"/>
-              <a:buNone/>
-              <a:defRPr sz="1200" b="0" i="0" u="none" strike="noStrike" cap="none">
+              <a:buSzPts val="2400"/>
+              <a:buFont typeface="Quicksand"/>
+              <a:buChar char="■"/>
+              <a:defRPr sz="2400">
                 <a:solidFill>
-                  <a:schemeClr val="dk1"/>
+                  <a:srgbClr val="F3F3F3"/>
                 </a:solidFill>
                 <a:latin typeface="Quicksand"/>
                 <a:ea typeface="Quicksand"/>
@@ -1681,10 +2079,7 @@
                 <a:sym typeface="Quicksand"/>
               </a:defRPr>
             </a:lvl3pPr>
-            <a:lvl4pPr marL="0" marR="0" lvl="3" indent="0" algn="r">
-              <a:lnSpc>
-                <a:spcPct val="100000"/>
-              </a:lnSpc>
+            <a:lvl4pPr marL="1828800" lvl="3" indent="-342900" rtl="0">
               <a:spcBef>
                 <a:spcPts val="0"/>
               </a:spcBef>
@@ -1692,14 +2087,14 @@
                 <a:spcPts val="0"/>
               </a:spcAft>
               <a:buClr>
-                <a:srgbClr val="000000"/>
+                <a:srgbClr val="F3F3F3"/>
               </a:buClr>
-              <a:buSzPts val="1200"/>
-              <a:buFont typeface="Arial"/>
-              <a:buNone/>
-              <a:defRPr sz="1200" b="0" i="0" u="none" strike="noStrike" cap="none">
+              <a:buSzPts val="1800"/>
+              <a:buFont typeface="Quicksand"/>
+              <a:buChar char="●"/>
+              <a:defRPr sz="1800">
                 <a:solidFill>
-                  <a:schemeClr val="dk1"/>
+                  <a:srgbClr val="F3F3F3"/>
                 </a:solidFill>
                 <a:latin typeface="Quicksand"/>
                 <a:ea typeface="Quicksand"/>
@@ -1707,10 +2102,7 @@
                 <a:sym typeface="Quicksand"/>
               </a:defRPr>
             </a:lvl4pPr>
-            <a:lvl5pPr marL="0" marR="0" lvl="4" indent="0" algn="r">
-              <a:lnSpc>
-                <a:spcPct val="100000"/>
-              </a:lnSpc>
+            <a:lvl5pPr marL="2286000" lvl="4" indent="-342900" rtl="0">
               <a:spcBef>
                 <a:spcPts val="0"/>
               </a:spcBef>
@@ -1718,14 +2110,14 @@
                 <a:spcPts val="0"/>
               </a:spcAft>
               <a:buClr>
-                <a:srgbClr val="000000"/>
+                <a:srgbClr val="F3F3F3"/>
               </a:buClr>
-              <a:buSzPts val="1200"/>
-              <a:buFont typeface="Arial"/>
-              <a:buNone/>
-              <a:defRPr sz="1200" b="0" i="0" u="none" strike="noStrike" cap="none">
+              <a:buSzPts val="1800"/>
+              <a:buFont typeface="Quicksand"/>
+              <a:buChar char="○"/>
+              <a:defRPr sz="1800">
                 <a:solidFill>
-                  <a:schemeClr val="dk1"/>
+                  <a:srgbClr val="F3F3F3"/>
                 </a:solidFill>
                 <a:latin typeface="Quicksand"/>
                 <a:ea typeface="Quicksand"/>
@@ -1733,10 +2125,7 @@
                 <a:sym typeface="Quicksand"/>
               </a:defRPr>
             </a:lvl5pPr>
-            <a:lvl6pPr marL="0" marR="0" lvl="5" indent="0" algn="r">
-              <a:lnSpc>
-                <a:spcPct val="100000"/>
-              </a:lnSpc>
+            <a:lvl6pPr marL="2743200" lvl="5" indent="-342900" rtl="0">
               <a:spcBef>
                 <a:spcPts val="0"/>
               </a:spcBef>
@@ -1744,14 +2133,14 @@
                 <a:spcPts val="0"/>
               </a:spcAft>
               <a:buClr>
-                <a:srgbClr val="000000"/>
+                <a:srgbClr val="F3F3F3"/>
               </a:buClr>
-              <a:buSzPts val="1200"/>
-              <a:buFont typeface="Arial"/>
-              <a:buNone/>
-              <a:defRPr sz="1200" b="0" i="0" u="none" strike="noStrike" cap="none">
+              <a:buSzPts val="1800"/>
+              <a:buFont typeface="Quicksand"/>
+              <a:buChar char="■"/>
+              <a:defRPr sz="1800">
                 <a:solidFill>
-                  <a:schemeClr val="dk1"/>
+                  <a:srgbClr val="F3F3F3"/>
                 </a:solidFill>
                 <a:latin typeface="Quicksand"/>
                 <a:ea typeface="Quicksand"/>
@@ -1759,10 +2148,7 @@
                 <a:sym typeface="Quicksand"/>
               </a:defRPr>
             </a:lvl6pPr>
-            <a:lvl7pPr marL="0" marR="0" lvl="6" indent="0" algn="r">
-              <a:lnSpc>
-                <a:spcPct val="100000"/>
-              </a:lnSpc>
+            <a:lvl7pPr marL="3200400" lvl="6" indent="-342900" rtl="0">
               <a:spcBef>
                 <a:spcPts val="0"/>
               </a:spcBef>
@@ -1770,14 +2156,14 @@
                 <a:spcPts val="0"/>
               </a:spcAft>
               <a:buClr>
-                <a:srgbClr val="000000"/>
+                <a:srgbClr val="F3F3F3"/>
               </a:buClr>
-              <a:buSzPts val="1200"/>
-              <a:buFont typeface="Arial"/>
-              <a:buNone/>
-              <a:defRPr sz="1200" b="0" i="0" u="none" strike="noStrike" cap="none">
+              <a:buSzPts val="1800"/>
+              <a:buFont typeface="Quicksand"/>
+              <a:buChar char="●"/>
+              <a:defRPr sz="1800">
                 <a:solidFill>
-                  <a:schemeClr val="dk1"/>
+                  <a:srgbClr val="F3F3F3"/>
                 </a:solidFill>
                 <a:latin typeface="Quicksand"/>
                 <a:ea typeface="Quicksand"/>
@@ -1785,10 +2171,7 @@
                 <a:sym typeface="Quicksand"/>
               </a:defRPr>
             </a:lvl7pPr>
-            <a:lvl8pPr marL="0" marR="0" lvl="7" indent="0" algn="r">
-              <a:lnSpc>
-                <a:spcPct val="100000"/>
-              </a:lnSpc>
+            <a:lvl8pPr marL="3657600" lvl="7" indent="-342900" rtl="0">
               <a:spcBef>
                 <a:spcPts val="0"/>
               </a:spcBef>
@@ -1796,14 +2179,14 @@
                 <a:spcPts val="0"/>
               </a:spcAft>
               <a:buClr>
-                <a:srgbClr val="000000"/>
+                <a:srgbClr val="F3F3F3"/>
               </a:buClr>
-              <a:buSzPts val="1200"/>
-              <a:buFont typeface="Arial"/>
-              <a:buNone/>
-              <a:defRPr sz="1200" b="0" i="0" u="none" strike="noStrike" cap="none">
+              <a:buSzPts val="1800"/>
+              <a:buFont typeface="Quicksand"/>
+              <a:buChar char="○"/>
+              <a:defRPr sz="1800">
                 <a:solidFill>
-                  <a:schemeClr val="dk1"/>
+                  <a:srgbClr val="F3F3F3"/>
                 </a:solidFill>
                 <a:latin typeface="Quicksand"/>
                 <a:ea typeface="Quicksand"/>
@@ -1811,10 +2194,7 @@
                 <a:sym typeface="Quicksand"/>
               </a:defRPr>
             </a:lvl8pPr>
-            <a:lvl9pPr marL="0" marR="0" lvl="8" indent="0" algn="r">
-              <a:lnSpc>
-                <a:spcPct val="100000"/>
-              </a:lnSpc>
+            <a:lvl9pPr marL="4114800" lvl="8" indent="-342900" rtl="0">
               <a:spcBef>
                 <a:spcPts val="0"/>
               </a:spcBef>
@@ -1822,14 +2202,14 @@
                 <a:spcPts val="0"/>
               </a:spcAft>
               <a:buClr>
-                <a:srgbClr val="000000"/>
+                <a:srgbClr val="F3F3F3"/>
               </a:buClr>
-              <a:buSzPts val="1200"/>
-              <a:buFont typeface="Arial"/>
-              <a:buNone/>
-              <a:defRPr sz="1200" b="0" i="0" u="none" strike="noStrike" cap="none">
+              <a:buSzPts val="1800"/>
+              <a:buFont typeface="Quicksand"/>
+              <a:buChar char="■"/>
+              <a:defRPr sz="1800">
                 <a:solidFill>
-                  <a:schemeClr val="dk1"/>
+                  <a:srgbClr val="F3F3F3"/>
                 </a:solidFill>
                 <a:latin typeface="Quicksand"/>
                 <a:ea typeface="Quicksand"/>
@@ -1839,6 +2219,72 @@
             </a:lvl9pPr>
           </a:lstStyle>
           <a:p>
+            <a:endParaRPr/>
+          </a:p>
+        </p:txBody>
+      </p:sp>
+      <p:sp>
+        <p:nvSpPr>
+          <p:cNvPr id="28" name="Google Shape;28;p5"/>
+          <p:cNvSpPr txBox="1">
+            <a:spLocks noGrp="1"/>
+          </p:cNvSpPr>
+          <p:nvPr>
+            <p:ph type="sldNum" idx="12"/>
+          </p:nvPr>
+        </p:nvSpPr>
+        <p:spPr>
+          <a:xfrm>
+            <a:off x="8523157" y="4752131"/>
+            <a:ext cx="548700" cy="315300"/>
+          </a:xfrm>
+          <a:prstGeom prst="rect">
+            <a:avLst/>
+          </a:prstGeom>
+        </p:spPr>
+        <p:txBody>
+          <a:bodyPr spcFirstLastPara="1" wrap="square" lIns="91425" tIns="91425" rIns="91425" bIns="91425" anchor="t" anchorCtr="0">
+            <a:noAutofit/>
+          </a:bodyPr>
+          <a:lstStyle>
+            <a:lvl1pPr lvl="0">
+              <a:buNone/>
+              <a:defRPr/>
+            </a:lvl1pPr>
+            <a:lvl2pPr lvl="1">
+              <a:buNone/>
+              <a:defRPr/>
+            </a:lvl2pPr>
+            <a:lvl3pPr lvl="2">
+              <a:buNone/>
+              <a:defRPr/>
+            </a:lvl3pPr>
+            <a:lvl4pPr lvl="3">
+              <a:buNone/>
+              <a:defRPr/>
+            </a:lvl4pPr>
+            <a:lvl5pPr lvl="4">
+              <a:buNone/>
+              <a:defRPr/>
+            </a:lvl5pPr>
+            <a:lvl6pPr lvl="5">
+              <a:buNone/>
+              <a:defRPr/>
+            </a:lvl6pPr>
+            <a:lvl7pPr lvl="6">
+              <a:buNone/>
+              <a:defRPr/>
+            </a:lvl7pPr>
+            <a:lvl8pPr lvl="7">
+              <a:buNone/>
+              <a:defRPr/>
+            </a:lvl8pPr>
+            <a:lvl9pPr lvl="8">
+              <a:buNone/>
+              <a:defRPr/>
+            </a:lvl9pPr>
+          </a:lstStyle>
+          <a:p>
             <a:pPr marL="0" lvl="0" indent="0" algn="r" rtl="0">
               <a:spcBef>
                 <a:spcPts val="0"/>
@@ -1849,7 +2295,7 @@
               <a:buNone/>
             </a:pPr>
             <a:fld id="{00000000-1234-1234-1234-123412341234}" type="slidenum">
-              <a:rPr lang="en-GB"/>
+              <a:rPr lang="en"/>
               <a:t>‹#›</a:t>
             </a:fld>
             <a:endParaRPr/>
@@ -1858,7 +2304,273 @@
       </p:sp>
       <p:cxnSp>
         <p:nvCxnSpPr>
-          <p:cNvPr id="11" name="Google Shape;11;p10"/>
+          <p:cNvPr id="29" name="Google Shape;29;p5"/>
+          <p:cNvCxnSpPr/>
+          <p:nvPr/>
+        </p:nvCxnSpPr>
+        <p:spPr>
+          <a:xfrm>
+            <a:off x="945638" y="0"/>
+            <a:ext cx="0" cy="5143500"/>
+          </a:xfrm>
+          <a:prstGeom prst="straightConnector1">
+            <a:avLst/>
+          </a:prstGeom>
+          <a:noFill/>
+          <a:ln w="9525" cap="flat" cmpd="sng">
+            <a:solidFill>
+              <a:schemeClr val="accent5"/>
+            </a:solidFill>
+            <a:prstDash val="solid"/>
+            <a:round/>
+            <a:headEnd type="none" w="med" len="med"/>
+            <a:tailEnd type="none" w="med" len="med"/>
+          </a:ln>
+        </p:spPr>
+      </p:cxnSp>
+      <p:sp>
+        <p:nvSpPr>
+          <p:cNvPr id="30" name="Google Shape;30;p5"/>
+          <p:cNvSpPr/>
+          <p:nvPr/>
+        </p:nvSpPr>
+        <p:spPr>
+          <a:xfrm>
+            <a:off x="874396" y="605794"/>
+            <a:ext cx="142500" cy="142500"/>
+          </a:xfrm>
+          <a:prstGeom prst="ellipse">
+            <a:avLst/>
+          </a:prstGeom>
+          <a:solidFill>
+            <a:schemeClr val="accent1"/>
+          </a:solidFill>
+          <a:ln w="28575" cap="flat" cmpd="sng">
+            <a:solidFill>
+              <a:schemeClr val="dk1"/>
+            </a:solidFill>
+            <a:prstDash val="solid"/>
+            <a:round/>
+            <a:headEnd type="none" w="sm" len="sm"/>
+            <a:tailEnd type="none" w="sm" len="sm"/>
+          </a:ln>
+        </p:spPr>
+        <p:txBody>
+          <a:bodyPr spcFirstLastPara="1" wrap="square" lIns="91425" tIns="91425" rIns="91425" bIns="91425" anchor="ctr" anchorCtr="0">
+            <a:noAutofit/>
+          </a:bodyPr>
+          <a:lstStyle/>
+          <a:p>
+            <a:pPr marL="0" lvl="0" indent="0" algn="l" rtl="0">
+              <a:spcBef>
+                <a:spcPts val="0"/>
+              </a:spcBef>
+              <a:spcAft>
+                <a:spcPts val="0"/>
+              </a:spcAft>
+              <a:buNone/>
+            </a:pPr>
+            <a:endParaRPr/>
+          </a:p>
+        </p:txBody>
+      </p:sp>
+      <p:sp>
+        <p:nvSpPr>
+          <p:cNvPr id="31" name="Google Shape;31;p5"/>
+          <p:cNvSpPr/>
+          <p:nvPr/>
+        </p:nvSpPr>
+        <p:spPr>
+          <a:xfrm>
+            <a:off x="844675" y="1400721"/>
+            <a:ext cx="201900" cy="201900"/>
+          </a:xfrm>
+          <a:prstGeom prst="ellipse">
+            <a:avLst/>
+          </a:prstGeom>
+          <a:solidFill>
+            <a:srgbClr val="2E3037"/>
+          </a:solidFill>
+          <a:ln w="9525" cap="flat" cmpd="sng">
+            <a:solidFill>
+              <a:schemeClr val="accent5"/>
+            </a:solidFill>
+            <a:prstDash val="solid"/>
+            <a:round/>
+            <a:headEnd type="none" w="sm" len="sm"/>
+            <a:tailEnd type="none" w="sm" len="sm"/>
+          </a:ln>
+        </p:spPr>
+        <p:txBody>
+          <a:bodyPr spcFirstLastPara="1" wrap="square" lIns="91425" tIns="91425" rIns="91425" bIns="91425" anchor="ctr" anchorCtr="0">
+            <a:noAutofit/>
+          </a:bodyPr>
+          <a:lstStyle/>
+          <a:p>
+            <a:pPr marL="0" lvl="0" indent="0" algn="l" rtl="0">
+              <a:spcBef>
+                <a:spcPts val="0"/>
+              </a:spcBef>
+              <a:spcAft>
+                <a:spcPts val="0"/>
+              </a:spcAft>
+              <a:buNone/>
+            </a:pPr>
+            <a:endParaRPr/>
+          </a:p>
+        </p:txBody>
+      </p:sp>
+    </p:spTree>
+  </p:cSld>
+  <p:clrMapOvr>
+    <a:masterClrMapping/>
+  </p:clrMapOvr>
+</p:sldLayout>
+</file>
+
+<file path=ppt/slideLayouts/slideLayout3.xml><?xml version="1.0" encoding="utf-8"?>
+<p:sldLayout xmlns:a="http://schemas.openxmlformats.org/drawingml/2006/main" xmlns:r="http://schemas.openxmlformats.org/officeDocument/2006/relationships" xmlns:p="http://schemas.openxmlformats.org/presentationml/2006/main" matchingName="Blank key color">
+  <p:cSld name="BLANK_1">
+    <p:bg>
+      <p:bgPr>
+        <a:solidFill>
+          <a:schemeClr val="accent1"/>
+        </a:solidFill>
+        <a:effectLst/>
+      </p:bgPr>
+    </p:bg>
+    <p:spTree>
+      <p:nvGrpSpPr>
+        <p:cNvPr id="1" name="Shape 63"/>
+        <p:cNvGrpSpPr/>
+        <p:nvPr/>
+      </p:nvGrpSpPr>
+      <p:grpSpPr>
+        <a:xfrm>
+          <a:off x="0" y="0"/>
+          <a:ext cx="0" cy="0"/>
+          <a:chOff x="0" y="0"/>
+          <a:chExt cx="0" cy="0"/>
+        </a:xfrm>
+      </p:grpSpPr>
+      <p:sp>
+        <p:nvSpPr>
+          <p:cNvPr id="64" name="Google Shape;64;p11"/>
+          <p:cNvSpPr txBox="1">
+            <a:spLocks noGrp="1"/>
+          </p:cNvSpPr>
+          <p:nvPr>
+            <p:ph type="sldNum" idx="12"/>
+          </p:nvPr>
+        </p:nvSpPr>
+        <p:spPr>
+          <a:xfrm>
+            <a:off x="8523157" y="4752131"/>
+            <a:ext cx="548700" cy="315300"/>
+          </a:xfrm>
+          <a:prstGeom prst="rect">
+            <a:avLst/>
+          </a:prstGeom>
+        </p:spPr>
+        <p:txBody>
+          <a:bodyPr spcFirstLastPara="1" wrap="square" lIns="91425" tIns="91425" rIns="91425" bIns="91425" anchor="t" anchorCtr="0">
+            <a:noAutofit/>
+          </a:bodyPr>
+          <a:lstStyle>
+            <a:lvl1pPr lvl="0">
+              <a:buNone/>
+              <a:defRPr>
+                <a:solidFill>
+                  <a:schemeClr val="dk1"/>
+                </a:solidFill>
+              </a:defRPr>
+            </a:lvl1pPr>
+            <a:lvl2pPr lvl="1">
+              <a:buNone/>
+              <a:defRPr>
+                <a:solidFill>
+                  <a:schemeClr val="dk1"/>
+                </a:solidFill>
+              </a:defRPr>
+            </a:lvl2pPr>
+            <a:lvl3pPr lvl="2">
+              <a:buNone/>
+              <a:defRPr>
+                <a:solidFill>
+                  <a:schemeClr val="dk1"/>
+                </a:solidFill>
+              </a:defRPr>
+            </a:lvl3pPr>
+            <a:lvl4pPr lvl="3">
+              <a:buNone/>
+              <a:defRPr>
+                <a:solidFill>
+                  <a:schemeClr val="dk1"/>
+                </a:solidFill>
+              </a:defRPr>
+            </a:lvl4pPr>
+            <a:lvl5pPr lvl="4">
+              <a:buNone/>
+              <a:defRPr>
+                <a:solidFill>
+                  <a:schemeClr val="dk1"/>
+                </a:solidFill>
+              </a:defRPr>
+            </a:lvl5pPr>
+            <a:lvl6pPr lvl="5">
+              <a:buNone/>
+              <a:defRPr>
+                <a:solidFill>
+                  <a:schemeClr val="dk1"/>
+                </a:solidFill>
+              </a:defRPr>
+            </a:lvl6pPr>
+            <a:lvl7pPr lvl="6">
+              <a:buNone/>
+              <a:defRPr>
+                <a:solidFill>
+                  <a:schemeClr val="dk1"/>
+                </a:solidFill>
+              </a:defRPr>
+            </a:lvl7pPr>
+            <a:lvl8pPr lvl="7">
+              <a:buNone/>
+              <a:defRPr>
+                <a:solidFill>
+                  <a:schemeClr val="dk1"/>
+                </a:solidFill>
+              </a:defRPr>
+            </a:lvl8pPr>
+            <a:lvl9pPr lvl="8">
+              <a:buNone/>
+              <a:defRPr>
+                <a:solidFill>
+                  <a:schemeClr val="dk1"/>
+                </a:solidFill>
+              </a:defRPr>
+            </a:lvl9pPr>
+          </a:lstStyle>
+          <a:p>
+            <a:pPr marL="0" lvl="0" indent="0" algn="r" rtl="0">
+              <a:spcBef>
+                <a:spcPts val="0"/>
+              </a:spcBef>
+              <a:spcAft>
+                <a:spcPts val="0"/>
+              </a:spcAft>
+              <a:buNone/>
+            </a:pPr>
+            <a:fld id="{00000000-1234-1234-1234-123412341234}" type="slidenum">
+              <a:rPr lang="en"/>
+              <a:t>‹#›</a:t>
+            </a:fld>
+            <a:endParaRPr/>
+          </a:p>
+        </p:txBody>
+      </p:sp>
+      <p:cxnSp>
+        <p:nvCxnSpPr>
+          <p:cNvPr id="65" name="Google Shape;65;p11"/>
           <p:cNvCxnSpPr/>
           <p:nvPr/>
         </p:nvCxnSpPr>
@@ -1877,14 +2589,14 @@
             </a:solidFill>
             <a:prstDash val="solid"/>
             <a:round/>
-            <a:headEnd type="none" w="sm" len="sm"/>
-            <a:tailEnd type="none" w="sm" len="sm"/>
+            <a:headEnd type="none" w="med" len="med"/>
+            <a:tailEnd type="none" w="med" len="med"/>
           </a:ln>
         </p:spPr>
       </p:cxnSp>
       <p:sp>
         <p:nvSpPr>
-          <p:cNvPr id="12" name="Google Shape;12;p10"/>
+          <p:cNvPr id="66" name="Google Shape;66;p11"/>
           <p:cNvSpPr/>
           <p:nvPr/>
         </p:nvSpPr>
@@ -1915,1684 +2627,16 @@
           </a:bodyPr>
           <a:lstStyle/>
           <a:p>
-            <a:pPr marL="0" marR="0" lvl="0" indent="0" algn="l" rtl="0">
-              <a:lnSpc>
-                <a:spcPct val="100000"/>
-              </a:lnSpc>
-              <a:spcBef>
-                <a:spcPts val="0"/>
-              </a:spcBef>
-              <a:spcAft>
-                <a:spcPts val="0"/>
-              </a:spcAft>
-              <a:buClr>
-                <a:srgbClr val="000000"/>
-              </a:buClr>
-              <a:buSzPts val="1400"/>
-              <a:buFont typeface="Arial"/>
+            <a:pPr marL="0" lvl="0" indent="0" algn="l" rtl="0">
+              <a:spcBef>
+                <a:spcPts val="0"/>
+              </a:spcBef>
+              <a:spcAft>
+                <a:spcPts val="0"/>
+              </a:spcAft>
               <a:buNone/>
             </a:pPr>
-            <a:endParaRPr sz="1400" b="0" i="0" u="none" strike="noStrike" cap="none">
-              <a:solidFill>
-                <a:srgbClr val="000000"/>
-              </a:solidFill>
-              <a:latin typeface="Arial"/>
-              <a:ea typeface="Arial"/>
-              <a:cs typeface="Arial"/>
-              <a:sym typeface="Arial"/>
-            </a:endParaRPr>
-          </a:p>
-        </p:txBody>
-      </p:sp>
-    </p:spTree>
-  </p:cSld>
-  <p:clrMapOvr>
-    <a:masterClrMapping/>
-  </p:clrMapOvr>
-</p:sldLayout>
-</file>
-
-<file path=ppt/slideLayouts/slideLayout2.xml><?xml version="1.0" encoding="utf-8"?>
-<p:sldLayout xmlns:a="http://schemas.openxmlformats.org/drawingml/2006/main" xmlns:r="http://schemas.openxmlformats.org/officeDocument/2006/relationships" xmlns:p="http://schemas.openxmlformats.org/presentationml/2006/main" matchingName="Title + 1 column" type="tx">
-  <p:cSld name="TITLE_AND_BODY">
-    <p:spTree>
-      <p:nvGrpSpPr>
-        <p:cNvPr id="1" name="Shape 13"/>
-        <p:cNvGrpSpPr/>
-        <p:nvPr/>
-      </p:nvGrpSpPr>
-      <p:grpSpPr>
-        <a:xfrm>
-          <a:off x="0" y="0"/>
-          <a:ext cx="0" cy="0"/>
-          <a:chOff x="0" y="0"/>
-          <a:chExt cx="0" cy="0"/>
-        </a:xfrm>
-      </p:grpSpPr>
-      <p:sp>
-        <p:nvSpPr>
-          <p:cNvPr id="14" name="Google Shape;14;p11"/>
-          <p:cNvSpPr txBox="1">
-            <a:spLocks noGrp="1"/>
-          </p:cNvSpPr>
-          <p:nvPr>
-            <p:ph type="title"/>
-          </p:nvPr>
-        </p:nvSpPr>
-        <p:spPr>
-          <a:xfrm>
-            <a:off x="1165475" y="549649"/>
-            <a:ext cx="6858000" cy="345000"/>
-          </a:xfrm>
-          <a:prstGeom prst="rect">
-            <a:avLst/>
-          </a:prstGeom>
-          <a:noFill/>
-          <a:ln>
-            <a:noFill/>
-          </a:ln>
-        </p:spPr>
-        <p:txBody>
-          <a:bodyPr spcFirstLastPara="1" wrap="square" lIns="91425" tIns="91425" rIns="91425" bIns="91425" anchor="b" anchorCtr="0">
-            <a:noAutofit/>
-          </a:bodyPr>
-          <a:lstStyle>
-            <a:lvl1pPr lvl="0" algn="l">
-              <a:lnSpc>
-                <a:spcPct val="100000"/>
-              </a:lnSpc>
-              <a:spcBef>
-                <a:spcPts val="0"/>
-              </a:spcBef>
-              <a:spcAft>
-                <a:spcPts val="0"/>
-              </a:spcAft>
-              <a:buSzPts val="1800"/>
-              <a:buFont typeface="Quicksand"/>
-              <a:buNone/>
-              <a:defRPr sz="1800">
-                <a:latin typeface="Quicksand"/>
-                <a:ea typeface="Quicksand"/>
-                <a:cs typeface="Quicksand"/>
-                <a:sym typeface="Quicksand"/>
-              </a:defRPr>
-            </a:lvl1pPr>
-            <a:lvl2pPr lvl="1" algn="l">
-              <a:lnSpc>
-                <a:spcPct val="100000"/>
-              </a:lnSpc>
-              <a:spcBef>
-                <a:spcPts val="0"/>
-              </a:spcBef>
-              <a:spcAft>
-                <a:spcPts val="0"/>
-              </a:spcAft>
-              <a:buSzPts val="1800"/>
-              <a:buFont typeface="Quicksand"/>
-              <a:buNone/>
-              <a:defRPr sz="1800">
-                <a:latin typeface="Quicksand"/>
-                <a:ea typeface="Quicksand"/>
-                <a:cs typeface="Quicksand"/>
-                <a:sym typeface="Quicksand"/>
-              </a:defRPr>
-            </a:lvl2pPr>
-            <a:lvl3pPr lvl="2" algn="l">
-              <a:lnSpc>
-                <a:spcPct val="100000"/>
-              </a:lnSpc>
-              <a:spcBef>
-                <a:spcPts val="0"/>
-              </a:spcBef>
-              <a:spcAft>
-                <a:spcPts val="0"/>
-              </a:spcAft>
-              <a:buSzPts val="1800"/>
-              <a:buFont typeface="Quicksand"/>
-              <a:buNone/>
-              <a:defRPr sz="1800">
-                <a:latin typeface="Quicksand"/>
-                <a:ea typeface="Quicksand"/>
-                <a:cs typeface="Quicksand"/>
-                <a:sym typeface="Quicksand"/>
-              </a:defRPr>
-            </a:lvl3pPr>
-            <a:lvl4pPr lvl="3" algn="l">
-              <a:lnSpc>
-                <a:spcPct val="100000"/>
-              </a:lnSpc>
-              <a:spcBef>
-                <a:spcPts val="0"/>
-              </a:spcBef>
-              <a:spcAft>
-                <a:spcPts val="0"/>
-              </a:spcAft>
-              <a:buSzPts val="1800"/>
-              <a:buFont typeface="Quicksand"/>
-              <a:buNone/>
-              <a:defRPr sz="1800">
-                <a:latin typeface="Quicksand"/>
-                <a:ea typeface="Quicksand"/>
-                <a:cs typeface="Quicksand"/>
-                <a:sym typeface="Quicksand"/>
-              </a:defRPr>
-            </a:lvl4pPr>
-            <a:lvl5pPr lvl="4" algn="l">
-              <a:lnSpc>
-                <a:spcPct val="100000"/>
-              </a:lnSpc>
-              <a:spcBef>
-                <a:spcPts val="0"/>
-              </a:spcBef>
-              <a:spcAft>
-                <a:spcPts val="0"/>
-              </a:spcAft>
-              <a:buSzPts val="1800"/>
-              <a:buFont typeface="Quicksand"/>
-              <a:buNone/>
-              <a:defRPr sz="1800">
-                <a:latin typeface="Quicksand"/>
-                <a:ea typeface="Quicksand"/>
-                <a:cs typeface="Quicksand"/>
-                <a:sym typeface="Quicksand"/>
-              </a:defRPr>
-            </a:lvl5pPr>
-            <a:lvl6pPr lvl="5" algn="l">
-              <a:lnSpc>
-                <a:spcPct val="100000"/>
-              </a:lnSpc>
-              <a:spcBef>
-                <a:spcPts val="0"/>
-              </a:spcBef>
-              <a:spcAft>
-                <a:spcPts val="0"/>
-              </a:spcAft>
-              <a:buSzPts val="1800"/>
-              <a:buFont typeface="Quicksand"/>
-              <a:buNone/>
-              <a:defRPr sz="1800">
-                <a:latin typeface="Quicksand"/>
-                <a:ea typeface="Quicksand"/>
-                <a:cs typeface="Quicksand"/>
-                <a:sym typeface="Quicksand"/>
-              </a:defRPr>
-            </a:lvl6pPr>
-            <a:lvl7pPr lvl="6" algn="l">
-              <a:lnSpc>
-                <a:spcPct val="100000"/>
-              </a:lnSpc>
-              <a:spcBef>
-                <a:spcPts val="0"/>
-              </a:spcBef>
-              <a:spcAft>
-                <a:spcPts val="0"/>
-              </a:spcAft>
-              <a:buSzPts val="1800"/>
-              <a:buFont typeface="Quicksand"/>
-              <a:buNone/>
-              <a:defRPr sz="1800">
-                <a:latin typeface="Quicksand"/>
-                <a:ea typeface="Quicksand"/>
-                <a:cs typeface="Quicksand"/>
-                <a:sym typeface="Quicksand"/>
-              </a:defRPr>
-            </a:lvl7pPr>
-            <a:lvl8pPr lvl="7" algn="l">
-              <a:lnSpc>
-                <a:spcPct val="100000"/>
-              </a:lnSpc>
-              <a:spcBef>
-                <a:spcPts val="0"/>
-              </a:spcBef>
-              <a:spcAft>
-                <a:spcPts val="0"/>
-              </a:spcAft>
-              <a:buSzPts val="1800"/>
-              <a:buFont typeface="Quicksand"/>
-              <a:buNone/>
-              <a:defRPr sz="1800">
-                <a:latin typeface="Quicksand"/>
-                <a:ea typeface="Quicksand"/>
-                <a:cs typeface="Quicksand"/>
-                <a:sym typeface="Quicksand"/>
-              </a:defRPr>
-            </a:lvl8pPr>
-            <a:lvl9pPr lvl="8" algn="l">
-              <a:lnSpc>
-                <a:spcPct val="100000"/>
-              </a:lnSpc>
-              <a:spcBef>
-                <a:spcPts val="0"/>
-              </a:spcBef>
-              <a:spcAft>
-                <a:spcPts val="0"/>
-              </a:spcAft>
-              <a:buSzPts val="1800"/>
-              <a:buFont typeface="Quicksand"/>
-              <a:buNone/>
-              <a:defRPr sz="1800">
-                <a:latin typeface="Quicksand"/>
-                <a:ea typeface="Quicksand"/>
-                <a:cs typeface="Quicksand"/>
-                <a:sym typeface="Quicksand"/>
-              </a:defRPr>
-            </a:lvl9pPr>
-          </a:lstStyle>
-          <a:p>
             <a:endParaRPr/>
-          </a:p>
-        </p:txBody>
-      </p:sp>
-      <p:sp>
-        <p:nvSpPr>
-          <p:cNvPr id="15" name="Google Shape;15;p11"/>
-          <p:cNvSpPr txBox="1">
-            <a:spLocks noGrp="1"/>
-          </p:cNvSpPr>
-          <p:nvPr>
-            <p:ph type="body" idx="1"/>
-          </p:nvPr>
-        </p:nvSpPr>
-        <p:spPr>
-          <a:xfrm>
-            <a:off x="1165498" y="1086799"/>
-            <a:ext cx="6858000" cy="3725700"/>
-          </a:xfrm>
-          <a:prstGeom prst="rect">
-            <a:avLst/>
-          </a:prstGeom>
-          <a:noFill/>
-          <a:ln>
-            <a:noFill/>
-          </a:ln>
-        </p:spPr>
-        <p:txBody>
-          <a:bodyPr spcFirstLastPara="1" wrap="square" lIns="91425" tIns="91425" rIns="91425" bIns="91425" anchor="t" anchorCtr="0">
-            <a:noAutofit/>
-          </a:bodyPr>
-          <a:lstStyle>
-            <a:lvl1pPr marL="457200" lvl="0" indent="-419100" algn="l">
-              <a:lnSpc>
-                <a:spcPct val="100000"/>
-              </a:lnSpc>
-              <a:spcBef>
-                <a:spcPts val="600"/>
-              </a:spcBef>
-              <a:spcAft>
-                <a:spcPts val="0"/>
-              </a:spcAft>
-              <a:buClr>
-                <a:srgbClr val="F3F3F3"/>
-              </a:buClr>
-              <a:buSzPts val="3000"/>
-              <a:buFont typeface="Quicksand"/>
-              <a:buChar char="◦"/>
-              <a:defRPr sz="3000">
-                <a:solidFill>
-                  <a:srgbClr val="F3F3F3"/>
-                </a:solidFill>
-                <a:latin typeface="Quicksand"/>
-                <a:ea typeface="Quicksand"/>
-                <a:cs typeface="Quicksand"/>
-                <a:sym typeface="Quicksand"/>
-              </a:defRPr>
-            </a:lvl1pPr>
-            <a:lvl2pPr marL="914400" lvl="1" indent="-381000" algn="l">
-              <a:lnSpc>
-                <a:spcPct val="100000"/>
-              </a:lnSpc>
-              <a:spcBef>
-                <a:spcPts val="0"/>
-              </a:spcBef>
-              <a:spcAft>
-                <a:spcPts val="0"/>
-              </a:spcAft>
-              <a:buClr>
-                <a:srgbClr val="F3F3F3"/>
-              </a:buClr>
-              <a:buSzPts val="2400"/>
-              <a:buFont typeface="Quicksand"/>
-              <a:buChar char="▫"/>
-              <a:defRPr sz="2400">
-                <a:solidFill>
-                  <a:srgbClr val="F3F3F3"/>
-                </a:solidFill>
-                <a:latin typeface="Quicksand"/>
-                <a:ea typeface="Quicksand"/>
-                <a:cs typeface="Quicksand"/>
-                <a:sym typeface="Quicksand"/>
-              </a:defRPr>
-            </a:lvl2pPr>
-            <a:lvl3pPr marL="1371600" lvl="2" indent="-381000" algn="l">
-              <a:lnSpc>
-                <a:spcPct val="100000"/>
-              </a:lnSpc>
-              <a:spcBef>
-                <a:spcPts val="0"/>
-              </a:spcBef>
-              <a:spcAft>
-                <a:spcPts val="0"/>
-              </a:spcAft>
-              <a:buClr>
-                <a:srgbClr val="F3F3F3"/>
-              </a:buClr>
-              <a:buSzPts val="2400"/>
-              <a:buFont typeface="Quicksand"/>
-              <a:buChar char="■"/>
-              <a:defRPr sz="2400">
-                <a:solidFill>
-                  <a:srgbClr val="F3F3F3"/>
-                </a:solidFill>
-                <a:latin typeface="Quicksand"/>
-                <a:ea typeface="Quicksand"/>
-                <a:cs typeface="Quicksand"/>
-                <a:sym typeface="Quicksand"/>
-              </a:defRPr>
-            </a:lvl3pPr>
-            <a:lvl4pPr marL="1828800" lvl="3" indent="-342900" algn="l">
-              <a:lnSpc>
-                <a:spcPct val="100000"/>
-              </a:lnSpc>
-              <a:spcBef>
-                <a:spcPts val="0"/>
-              </a:spcBef>
-              <a:spcAft>
-                <a:spcPts val="0"/>
-              </a:spcAft>
-              <a:buClr>
-                <a:srgbClr val="F3F3F3"/>
-              </a:buClr>
-              <a:buSzPts val="1800"/>
-              <a:buFont typeface="Quicksand"/>
-              <a:buChar char="●"/>
-              <a:defRPr sz="1800">
-                <a:solidFill>
-                  <a:srgbClr val="F3F3F3"/>
-                </a:solidFill>
-                <a:latin typeface="Quicksand"/>
-                <a:ea typeface="Quicksand"/>
-                <a:cs typeface="Quicksand"/>
-                <a:sym typeface="Quicksand"/>
-              </a:defRPr>
-            </a:lvl4pPr>
-            <a:lvl5pPr marL="2286000" lvl="4" indent="-342900" algn="l">
-              <a:lnSpc>
-                <a:spcPct val="100000"/>
-              </a:lnSpc>
-              <a:spcBef>
-                <a:spcPts val="0"/>
-              </a:spcBef>
-              <a:spcAft>
-                <a:spcPts val="0"/>
-              </a:spcAft>
-              <a:buClr>
-                <a:srgbClr val="F3F3F3"/>
-              </a:buClr>
-              <a:buSzPts val="1800"/>
-              <a:buFont typeface="Quicksand"/>
-              <a:buChar char="○"/>
-              <a:defRPr sz="1800">
-                <a:solidFill>
-                  <a:srgbClr val="F3F3F3"/>
-                </a:solidFill>
-                <a:latin typeface="Quicksand"/>
-                <a:ea typeface="Quicksand"/>
-                <a:cs typeface="Quicksand"/>
-                <a:sym typeface="Quicksand"/>
-              </a:defRPr>
-            </a:lvl5pPr>
-            <a:lvl6pPr marL="2743200" lvl="5" indent="-342900" algn="l">
-              <a:lnSpc>
-                <a:spcPct val="100000"/>
-              </a:lnSpc>
-              <a:spcBef>
-                <a:spcPts val="0"/>
-              </a:spcBef>
-              <a:spcAft>
-                <a:spcPts val="0"/>
-              </a:spcAft>
-              <a:buClr>
-                <a:srgbClr val="F3F3F3"/>
-              </a:buClr>
-              <a:buSzPts val="1800"/>
-              <a:buFont typeface="Quicksand"/>
-              <a:buChar char="■"/>
-              <a:defRPr sz="1800">
-                <a:solidFill>
-                  <a:srgbClr val="F3F3F3"/>
-                </a:solidFill>
-                <a:latin typeface="Quicksand"/>
-                <a:ea typeface="Quicksand"/>
-                <a:cs typeface="Quicksand"/>
-                <a:sym typeface="Quicksand"/>
-              </a:defRPr>
-            </a:lvl6pPr>
-            <a:lvl7pPr marL="3200400" lvl="6" indent="-342900" algn="l">
-              <a:lnSpc>
-                <a:spcPct val="100000"/>
-              </a:lnSpc>
-              <a:spcBef>
-                <a:spcPts val="0"/>
-              </a:spcBef>
-              <a:spcAft>
-                <a:spcPts val="0"/>
-              </a:spcAft>
-              <a:buClr>
-                <a:srgbClr val="F3F3F3"/>
-              </a:buClr>
-              <a:buSzPts val="1800"/>
-              <a:buFont typeface="Quicksand"/>
-              <a:buChar char="●"/>
-              <a:defRPr sz="1800">
-                <a:solidFill>
-                  <a:srgbClr val="F3F3F3"/>
-                </a:solidFill>
-                <a:latin typeface="Quicksand"/>
-                <a:ea typeface="Quicksand"/>
-                <a:cs typeface="Quicksand"/>
-                <a:sym typeface="Quicksand"/>
-              </a:defRPr>
-            </a:lvl7pPr>
-            <a:lvl8pPr marL="3657600" lvl="7" indent="-342900" algn="l">
-              <a:lnSpc>
-                <a:spcPct val="100000"/>
-              </a:lnSpc>
-              <a:spcBef>
-                <a:spcPts val="0"/>
-              </a:spcBef>
-              <a:spcAft>
-                <a:spcPts val="0"/>
-              </a:spcAft>
-              <a:buClr>
-                <a:srgbClr val="F3F3F3"/>
-              </a:buClr>
-              <a:buSzPts val="1800"/>
-              <a:buFont typeface="Quicksand"/>
-              <a:buChar char="○"/>
-              <a:defRPr sz="1800">
-                <a:solidFill>
-                  <a:srgbClr val="F3F3F3"/>
-                </a:solidFill>
-                <a:latin typeface="Quicksand"/>
-                <a:ea typeface="Quicksand"/>
-                <a:cs typeface="Quicksand"/>
-                <a:sym typeface="Quicksand"/>
-              </a:defRPr>
-            </a:lvl8pPr>
-            <a:lvl9pPr marL="4114800" lvl="8" indent="-342900" algn="l">
-              <a:lnSpc>
-                <a:spcPct val="100000"/>
-              </a:lnSpc>
-              <a:spcBef>
-                <a:spcPts val="0"/>
-              </a:spcBef>
-              <a:spcAft>
-                <a:spcPts val="0"/>
-              </a:spcAft>
-              <a:buClr>
-                <a:srgbClr val="F3F3F3"/>
-              </a:buClr>
-              <a:buSzPts val="1800"/>
-              <a:buFont typeface="Quicksand"/>
-              <a:buChar char="■"/>
-              <a:defRPr sz="1800">
-                <a:solidFill>
-                  <a:srgbClr val="F3F3F3"/>
-                </a:solidFill>
-                <a:latin typeface="Quicksand"/>
-                <a:ea typeface="Quicksand"/>
-                <a:cs typeface="Quicksand"/>
-                <a:sym typeface="Quicksand"/>
-              </a:defRPr>
-            </a:lvl9pPr>
-          </a:lstStyle>
-          <a:p>
-            <a:endParaRPr/>
-          </a:p>
-        </p:txBody>
-      </p:sp>
-      <p:sp>
-        <p:nvSpPr>
-          <p:cNvPr id="16" name="Google Shape;16;p11"/>
-          <p:cNvSpPr txBox="1">
-            <a:spLocks noGrp="1"/>
-          </p:cNvSpPr>
-          <p:nvPr>
-            <p:ph type="sldNum" idx="12"/>
-          </p:nvPr>
-        </p:nvSpPr>
-        <p:spPr>
-          <a:xfrm>
-            <a:off x="8523157" y="4752131"/>
-            <a:ext cx="548700" cy="315300"/>
-          </a:xfrm>
-          <a:prstGeom prst="rect">
-            <a:avLst/>
-          </a:prstGeom>
-          <a:noFill/>
-          <a:ln>
-            <a:noFill/>
-          </a:ln>
-        </p:spPr>
-        <p:txBody>
-          <a:bodyPr spcFirstLastPara="1" wrap="square" lIns="91425" tIns="91425" rIns="91425" bIns="91425" anchor="t" anchorCtr="0">
-            <a:noAutofit/>
-          </a:bodyPr>
-          <a:lstStyle>
-            <a:lvl1pPr marL="0" marR="0" lvl="0" indent="0" algn="r">
-              <a:lnSpc>
-                <a:spcPct val="100000"/>
-              </a:lnSpc>
-              <a:spcBef>
-                <a:spcPts val="0"/>
-              </a:spcBef>
-              <a:spcAft>
-                <a:spcPts val="0"/>
-              </a:spcAft>
-              <a:buClr>
-                <a:srgbClr val="000000"/>
-              </a:buClr>
-              <a:buSzPts val="1200"/>
-              <a:buFont typeface="Arial"/>
-              <a:buNone/>
-              <a:defRPr sz="1200" b="0" i="0" u="none" strike="noStrike" cap="none">
-                <a:solidFill>
-                  <a:schemeClr val="accent1"/>
-                </a:solidFill>
-                <a:latin typeface="Quicksand"/>
-                <a:ea typeface="Quicksand"/>
-                <a:cs typeface="Quicksand"/>
-                <a:sym typeface="Quicksand"/>
-              </a:defRPr>
-            </a:lvl1pPr>
-            <a:lvl2pPr marL="0" marR="0" lvl="1" indent="0" algn="r">
-              <a:lnSpc>
-                <a:spcPct val="100000"/>
-              </a:lnSpc>
-              <a:spcBef>
-                <a:spcPts val="0"/>
-              </a:spcBef>
-              <a:spcAft>
-                <a:spcPts val="0"/>
-              </a:spcAft>
-              <a:buClr>
-                <a:srgbClr val="000000"/>
-              </a:buClr>
-              <a:buSzPts val="1200"/>
-              <a:buFont typeface="Arial"/>
-              <a:buNone/>
-              <a:defRPr sz="1200" b="0" i="0" u="none" strike="noStrike" cap="none">
-                <a:solidFill>
-                  <a:schemeClr val="accent1"/>
-                </a:solidFill>
-                <a:latin typeface="Quicksand"/>
-                <a:ea typeface="Quicksand"/>
-                <a:cs typeface="Quicksand"/>
-                <a:sym typeface="Quicksand"/>
-              </a:defRPr>
-            </a:lvl2pPr>
-            <a:lvl3pPr marL="0" marR="0" lvl="2" indent="0" algn="r">
-              <a:lnSpc>
-                <a:spcPct val="100000"/>
-              </a:lnSpc>
-              <a:spcBef>
-                <a:spcPts val="0"/>
-              </a:spcBef>
-              <a:spcAft>
-                <a:spcPts val="0"/>
-              </a:spcAft>
-              <a:buClr>
-                <a:srgbClr val="000000"/>
-              </a:buClr>
-              <a:buSzPts val="1200"/>
-              <a:buFont typeface="Arial"/>
-              <a:buNone/>
-              <a:defRPr sz="1200" b="0" i="0" u="none" strike="noStrike" cap="none">
-                <a:solidFill>
-                  <a:schemeClr val="accent1"/>
-                </a:solidFill>
-                <a:latin typeface="Quicksand"/>
-                <a:ea typeface="Quicksand"/>
-                <a:cs typeface="Quicksand"/>
-                <a:sym typeface="Quicksand"/>
-              </a:defRPr>
-            </a:lvl3pPr>
-            <a:lvl4pPr marL="0" marR="0" lvl="3" indent="0" algn="r">
-              <a:lnSpc>
-                <a:spcPct val="100000"/>
-              </a:lnSpc>
-              <a:spcBef>
-                <a:spcPts val="0"/>
-              </a:spcBef>
-              <a:spcAft>
-                <a:spcPts val="0"/>
-              </a:spcAft>
-              <a:buClr>
-                <a:srgbClr val="000000"/>
-              </a:buClr>
-              <a:buSzPts val="1200"/>
-              <a:buFont typeface="Arial"/>
-              <a:buNone/>
-              <a:defRPr sz="1200" b="0" i="0" u="none" strike="noStrike" cap="none">
-                <a:solidFill>
-                  <a:schemeClr val="accent1"/>
-                </a:solidFill>
-                <a:latin typeface="Quicksand"/>
-                <a:ea typeface="Quicksand"/>
-                <a:cs typeface="Quicksand"/>
-                <a:sym typeface="Quicksand"/>
-              </a:defRPr>
-            </a:lvl4pPr>
-            <a:lvl5pPr marL="0" marR="0" lvl="4" indent="0" algn="r">
-              <a:lnSpc>
-                <a:spcPct val="100000"/>
-              </a:lnSpc>
-              <a:spcBef>
-                <a:spcPts val="0"/>
-              </a:spcBef>
-              <a:spcAft>
-                <a:spcPts val="0"/>
-              </a:spcAft>
-              <a:buClr>
-                <a:srgbClr val="000000"/>
-              </a:buClr>
-              <a:buSzPts val="1200"/>
-              <a:buFont typeface="Arial"/>
-              <a:buNone/>
-              <a:defRPr sz="1200" b="0" i="0" u="none" strike="noStrike" cap="none">
-                <a:solidFill>
-                  <a:schemeClr val="accent1"/>
-                </a:solidFill>
-                <a:latin typeface="Quicksand"/>
-                <a:ea typeface="Quicksand"/>
-                <a:cs typeface="Quicksand"/>
-                <a:sym typeface="Quicksand"/>
-              </a:defRPr>
-            </a:lvl5pPr>
-            <a:lvl6pPr marL="0" marR="0" lvl="5" indent="0" algn="r">
-              <a:lnSpc>
-                <a:spcPct val="100000"/>
-              </a:lnSpc>
-              <a:spcBef>
-                <a:spcPts val="0"/>
-              </a:spcBef>
-              <a:spcAft>
-                <a:spcPts val="0"/>
-              </a:spcAft>
-              <a:buClr>
-                <a:srgbClr val="000000"/>
-              </a:buClr>
-              <a:buSzPts val="1200"/>
-              <a:buFont typeface="Arial"/>
-              <a:buNone/>
-              <a:defRPr sz="1200" b="0" i="0" u="none" strike="noStrike" cap="none">
-                <a:solidFill>
-                  <a:schemeClr val="accent1"/>
-                </a:solidFill>
-                <a:latin typeface="Quicksand"/>
-                <a:ea typeface="Quicksand"/>
-                <a:cs typeface="Quicksand"/>
-                <a:sym typeface="Quicksand"/>
-              </a:defRPr>
-            </a:lvl6pPr>
-            <a:lvl7pPr marL="0" marR="0" lvl="6" indent="0" algn="r">
-              <a:lnSpc>
-                <a:spcPct val="100000"/>
-              </a:lnSpc>
-              <a:spcBef>
-                <a:spcPts val="0"/>
-              </a:spcBef>
-              <a:spcAft>
-                <a:spcPts val="0"/>
-              </a:spcAft>
-              <a:buClr>
-                <a:srgbClr val="000000"/>
-              </a:buClr>
-              <a:buSzPts val="1200"/>
-              <a:buFont typeface="Arial"/>
-              <a:buNone/>
-              <a:defRPr sz="1200" b="0" i="0" u="none" strike="noStrike" cap="none">
-                <a:solidFill>
-                  <a:schemeClr val="accent1"/>
-                </a:solidFill>
-                <a:latin typeface="Quicksand"/>
-                <a:ea typeface="Quicksand"/>
-                <a:cs typeface="Quicksand"/>
-                <a:sym typeface="Quicksand"/>
-              </a:defRPr>
-            </a:lvl7pPr>
-            <a:lvl8pPr marL="0" marR="0" lvl="7" indent="0" algn="r">
-              <a:lnSpc>
-                <a:spcPct val="100000"/>
-              </a:lnSpc>
-              <a:spcBef>
-                <a:spcPts val="0"/>
-              </a:spcBef>
-              <a:spcAft>
-                <a:spcPts val="0"/>
-              </a:spcAft>
-              <a:buClr>
-                <a:srgbClr val="000000"/>
-              </a:buClr>
-              <a:buSzPts val="1200"/>
-              <a:buFont typeface="Arial"/>
-              <a:buNone/>
-              <a:defRPr sz="1200" b="0" i="0" u="none" strike="noStrike" cap="none">
-                <a:solidFill>
-                  <a:schemeClr val="accent1"/>
-                </a:solidFill>
-                <a:latin typeface="Quicksand"/>
-                <a:ea typeface="Quicksand"/>
-                <a:cs typeface="Quicksand"/>
-                <a:sym typeface="Quicksand"/>
-              </a:defRPr>
-            </a:lvl8pPr>
-            <a:lvl9pPr marL="0" marR="0" lvl="8" indent="0" algn="r">
-              <a:lnSpc>
-                <a:spcPct val="100000"/>
-              </a:lnSpc>
-              <a:spcBef>
-                <a:spcPts val="0"/>
-              </a:spcBef>
-              <a:spcAft>
-                <a:spcPts val="0"/>
-              </a:spcAft>
-              <a:buClr>
-                <a:srgbClr val="000000"/>
-              </a:buClr>
-              <a:buSzPts val="1200"/>
-              <a:buFont typeface="Arial"/>
-              <a:buNone/>
-              <a:defRPr sz="1200" b="0" i="0" u="none" strike="noStrike" cap="none">
-                <a:solidFill>
-                  <a:schemeClr val="accent1"/>
-                </a:solidFill>
-                <a:latin typeface="Quicksand"/>
-                <a:ea typeface="Quicksand"/>
-                <a:cs typeface="Quicksand"/>
-                <a:sym typeface="Quicksand"/>
-              </a:defRPr>
-            </a:lvl9pPr>
-          </a:lstStyle>
-          <a:p>
-            <a:pPr marL="0" lvl="0" indent="0" algn="r" rtl="0">
-              <a:spcBef>
-                <a:spcPts val="0"/>
-              </a:spcBef>
-              <a:spcAft>
-                <a:spcPts val="0"/>
-              </a:spcAft>
-              <a:buNone/>
-            </a:pPr>
-            <a:fld id="{00000000-1234-1234-1234-123412341234}" type="slidenum">
-              <a:rPr lang="en-GB"/>
-              <a:t>‹#›</a:t>
-            </a:fld>
-            <a:endParaRPr/>
-          </a:p>
-        </p:txBody>
-      </p:sp>
-      <p:cxnSp>
-        <p:nvCxnSpPr>
-          <p:cNvPr id="17" name="Google Shape;17;p11"/>
-          <p:cNvCxnSpPr/>
-          <p:nvPr/>
-        </p:nvCxnSpPr>
-        <p:spPr>
-          <a:xfrm>
-            <a:off x="945638" y="0"/>
-            <a:ext cx="0" cy="5143500"/>
-          </a:xfrm>
-          <a:prstGeom prst="straightConnector1">
-            <a:avLst/>
-          </a:prstGeom>
-          <a:noFill/>
-          <a:ln w="9525" cap="flat" cmpd="sng">
-            <a:solidFill>
-              <a:schemeClr val="accent5"/>
-            </a:solidFill>
-            <a:prstDash val="solid"/>
-            <a:round/>
-            <a:headEnd type="none" w="sm" len="sm"/>
-            <a:tailEnd type="none" w="sm" len="sm"/>
-          </a:ln>
-        </p:spPr>
-      </p:cxnSp>
-      <p:sp>
-        <p:nvSpPr>
-          <p:cNvPr id="18" name="Google Shape;18;p11"/>
-          <p:cNvSpPr/>
-          <p:nvPr/>
-        </p:nvSpPr>
-        <p:spPr>
-          <a:xfrm>
-            <a:off x="874396" y="605794"/>
-            <a:ext cx="142500" cy="142500"/>
-          </a:xfrm>
-          <a:prstGeom prst="ellipse">
-            <a:avLst/>
-          </a:prstGeom>
-          <a:solidFill>
-            <a:schemeClr val="accent1"/>
-          </a:solidFill>
-          <a:ln w="28575" cap="flat" cmpd="sng">
-            <a:solidFill>
-              <a:schemeClr val="dk1"/>
-            </a:solidFill>
-            <a:prstDash val="solid"/>
-            <a:round/>
-            <a:headEnd type="none" w="sm" len="sm"/>
-            <a:tailEnd type="none" w="sm" len="sm"/>
-          </a:ln>
-        </p:spPr>
-        <p:txBody>
-          <a:bodyPr spcFirstLastPara="1" wrap="square" lIns="91425" tIns="91425" rIns="91425" bIns="91425" anchor="ctr" anchorCtr="0">
-            <a:noAutofit/>
-          </a:bodyPr>
-          <a:lstStyle/>
-          <a:p>
-            <a:pPr marL="0" marR="0" lvl="0" indent="0" algn="l" rtl="0">
-              <a:lnSpc>
-                <a:spcPct val="100000"/>
-              </a:lnSpc>
-              <a:spcBef>
-                <a:spcPts val="0"/>
-              </a:spcBef>
-              <a:spcAft>
-                <a:spcPts val="0"/>
-              </a:spcAft>
-              <a:buClr>
-                <a:srgbClr val="000000"/>
-              </a:buClr>
-              <a:buSzPts val="1400"/>
-              <a:buFont typeface="Arial"/>
-              <a:buNone/>
-            </a:pPr>
-            <a:endParaRPr sz="1400" b="0" i="0" u="none" strike="noStrike" cap="none">
-              <a:solidFill>
-                <a:srgbClr val="000000"/>
-              </a:solidFill>
-              <a:latin typeface="Arial"/>
-              <a:ea typeface="Arial"/>
-              <a:cs typeface="Arial"/>
-              <a:sym typeface="Arial"/>
-            </a:endParaRPr>
-          </a:p>
-        </p:txBody>
-      </p:sp>
-      <p:sp>
-        <p:nvSpPr>
-          <p:cNvPr id="19" name="Google Shape;19;p11"/>
-          <p:cNvSpPr/>
-          <p:nvPr/>
-        </p:nvSpPr>
-        <p:spPr>
-          <a:xfrm>
-            <a:off x="844675" y="1400721"/>
-            <a:ext cx="201900" cy="201900"/>
-          </a:xfrm>
-          <a:prstGeom prst="ellipse">
-            <a:avLst/>
-          </a:prstGeom>
-          <a:solidFill>
-            <a:srgbClr val="2E3037"/>
-          </a:solidFill>
-          <a:ln w="9525" cap="flat" cmpd="sng">
-            <a:solidFill>
-              <a:schemeClr val="accent5"/>
-            </a:solidFill>
-            <a:prstDash val="solid"/>
-            <a:round/>
-            <a:headEnd type="none" w="sm" len="sm"/>
-            <a:tailEnd type="none" w="sm" len="sm"/>
-          </a:ln>
-        </p:spPr>
-        <p:txBody>
-          <a:bodyPr spcFirstLastPara="1" wrap="square" lIns="91425" tIns="91425" rIns="91425" bIns="91425" anchor="ctr" anchorCtr="0">
-            <a:noAutofit/>
-          </a:bodyPr>
-          <a:lstStyle/>
-          <a:p>
-            <a:pPr marL="0" marR="0" lvl="0" indent="0" algn="l" rtl="0">
-              <a:lnSpc>
-                <a:spcPct val="100000"/>
-              </a:lnSpc>
-              <a:spcBef>
-                <a:spcPts val="0"/>
-              </a:spcBef>
-              <a:spcAft>
-                <a:spcPts val="0"/>
-              </a:spcAft>
-              <a:buClr>
-                <a:srgbClr val="000000"/>
-              </a:buClr>
-              <a:buSzPts val="1400"/>
-              <a:buFont typeface="Arial"/>
-              <a:buNone/>
-            </a:pPr>
-            <a:endParaRPr sz="1400" b="0" i="0" u="none" strike="noStrike" cap="none">
-              <a:solidFill>
-                <a:srgbClr val="000000"/>
-              </a:solidFill>
-              <a:latin typeface="Arial"/>
-              <a:ea typeface="Arial"/>
-              <a:cs typeface="Arial"/>
-              <a:sym typeface="Arial"/>
-            </a:endParaRPr>
-          </a:p>
-        </p:txBody>
-      </p:sp>
-    </p:spTree>
-  </p:cSld>
-  <p:clrMapOvr>
-    <a:masterClrMapping/>
-  </p:clrMapOvr>
-</p:sldLayout>
-</file>
-
-<file path=ppt/slideLayouts/slideLayout3.xml><?xml version="1.0" encoding="utf-8"?>
-<p:sldLayout xmlns:a="http://schemas.openxmlformats.org/drawingml/2006/main" xmlns:r="http://schemas.openxmlformats.org/officeDocument/2006/relationships" xmlns:p="http://schemas.openxmlformats.org/presentationml/2006/main" matchingName="Subtitle">
-  <p:cSld name="TITLE_1">
-    <p:spTree>
-      <p:nvGrpSpPr>
-        <p:cNvPr id="1" name="Shape 20"/>
-        <p:cNvGrpSpPr/>
-        <p:nvPr/>
-      </p:nvGrpSpPr>
-      <p:grpSpPr>
-        <a:xfrm>
-          <a:off x="0" y="0"/>
-          <a:ext cx="0" cy="0"/>
-          <a:chOff x="0" y="0"/>
-          <a:chExt cx="0" cy="0"/>
-        </a:xfrm>
-      </p:grpSpPr>
-      <p:sp>
-        <p:nvSpPr>
-          <p:cNvPr id="21" name="Google Shape;21;p12"/>
-          <p:cNvSpPr txBox="1">
-            <a:spLocks noGrp="1"/>
-          </p:cNvSpPr>
-          <p:nvPr>
-            <p:ph type="ctrTitle"/>
-          </p:nvPr>
-        </p:nvSpPr>
-        <p:spPr>
-          <a:xfrm>
-            <a:off x="1530175" y="2307788"/>
-            <a:ext cx="6767100" cy="532200"/>
-          </a:xfrm>
-          <a:prstGeom prst="rect">
-            <a:avLst/>
-          </a:prstGeom>
-          <a:noFill/>
-          <a:ln>
-            <a:noFill/>
-          </a:ln>
-        </p:spPr>
-        <p:txBody>
-          <a:bodyPr spcFirstLastPara="1" wrap="square" lIns="91425" tIns="91425" rIns="91425" bIns="91425" anchor="ctr" anchorCtr="0">
-            <a:noAutofit/>
-          </a:bodyPr>
-          <a:lstStyle>
-            <a:lvl1pPr lvl="0" algn="l">
-              <a:lnSpc>
-                <a:spcPct val="100000"/>
-              </a:lnSpc>
-              <a:spcBef>
-                <a:spcPts val="0"/>
-              </a:spcBef>
-              <a:spcAft>
-                <a:spcPts val="0"/>
-              </a:spcAft>
-              <a:buSzPts val="3000"/>
-              <a:buNone/>
-              <a:defRPr sz="3000"/>
-            </a:lvl1pPr>
-            <a:lvl2pPr lvl="1" algn="l">
-              <a:lnSpc>
-                <a:spcPct val="100000"/>
-              </a:lnSpc>
-              <a:spcBef>
-                <a:spcPts val="0"/>
-              </a:spcBef>
-              <a:spcAft>
-                <a:spcPts val="0"/>
-              </a:spcAft>
-              <a:buSzPts val="3000"/>
-              <a:buNone/>
-              <a:defRPr sz="3000"/>
-            </a:lvl2pPr>
-            <a:lvl3pPr lvl="2" algn="l">
-              <a:lnSpc>
-                <a:spcPct val="100000"/>
-              </a:lnSpc>
-              <a:spcBef>
-                <a:spcPts val="0"/>
-              </a:spcBef>
-              <a:spcAft>
-                <a:spcPts val="0"/>
-              </a:spcAft>
-              <a:buSzPts val="3000"/>
-              <a:buNone/>
-              <a:defRPr sz="3000"/>
-            </a:lvl3pPr>
-            <a:lvl4pPr lvl="3" algn="l">
-              <a:lnSpc>
-                <a:spcPct val="100000"/>
-              </a:lnSpc>
-              <a:spcBef>
-                <a:spcPts val="0"/>
-              </a:spcBef>
-              <a:spcAft>
-                <a:spcPts val="0"/>
-              </a:spcAft>
-              <a:buSzPts val="3000"/>
-              <a:buNone/>
-              <a:defRPr sz="3000"/>
-            </a:lvl4pPr>
-            <a:lvl5pPr lvl="4" algn="l">
-              <a:lnSpc>
-                <a:spcPct val="100000"/>
-              </a:lnSpc>
-              <a:spcBef>
-                <a:spcPts val="0"/>
-              </a:spcBef>
-              <a:spcAft>
-                <a:spcPts val="0"/>
-              </a:spcAft>
-              <a:buSzPts val="3000"/>
-              <a:buNone/>
-              <a:defRPr sz="3000"/>
-            </a:lvl5pPr>
-            <a:lvl6pPr lvl="5" algn="l">
-              <a:lnSpc>
-                <a:spcPct val="100000"/>
-              </a:lnSpc>
-              <a:spcBef>
-                <a:spcPts val="0"/>
-              </a:spcBef>
-              <a:spcAft>
-                <a:spcPts val="0"/>
-              </a:spcAft>
-              <a:buSzPts val="3000"/>
-              <a:buNone/>
-              <a:defRPr sz="3000"/>
-            </a:lvl6pPr>
-            <a:lvl7pPr lvl="6" algn="l">
-              <a:lnSpc>
-                <a:spcPct val="100000"/>
-              </a:lnSpc>
-              <a:spcBef>
-                <a:spcPts val="0"/>
-              </a:spcBef>
-              <a:spcAft>
-                <a:spcPts val="0"/>
-              </a:spcAft>
-              <a:buSzPts val="3000"/>
-              <a:buNone/>
-              <a:defRPr sz="3000"/>
-            </a:lvl7pPr>
-            <a:lvl8pPr lvl="7" algn="l">
-              <a:lnSpc>
-                <a:spcPct val="100000"/>
-              </a:lnSpc>
-              <a:spcBef>
-                <a:spcPts val="0"/>
-              </a:spcBef>
-              <a:spcAft>
-                <a:spcPts val="0"/>
-              </a:spcAft>
-              <a:buSzPts val="3000"/>
-              <a:buNone/>
-              <a:defRPr sz="3000"/>
-            </a:lvl8pPr>
-            <a:lvl9pPr lvl="8" algn="l">
-              <a:lnSpc>
-                <a:spcPct val="100000"/>
-              </a:lnSpc>
-              <a:spcBef>
-                <a:spcPts val="0"/>
-              </a:spcBef>
-              <a:spcAft>
-                <a:spcPts val="0"/>
-              </a:spcAft>
-              <a:buSzPts val="3000"/>
-              <a:buNone/>
-              <a:defRPr sz="3000"/>
-            </a:lvl9pPr>
-          </a:lstStyle>
-          <a:p>
-            <a:endParaRPr/>
-          </a:p>
-        </p:txBody>
-      </p:sp>
-      <p:sp>
-        <p:nvSpPr>
-          <p:cNvPr id="22" name="Google Shape;22;p12"/>
-          <p:cNvSpPr txBox="1">
-            <a:spLocks noGrp="1"/>
-          </p:cNvSpPr>
-          <p:nvPr>
-            <p:ph type="subTitle" idx="1"/>
-          </p:nvPr>
-        </p:nvSpPr>
-        <p:spPr>
-          <a:xfrm>
-            <a:off x="1567326" y="2782913"/>
-            <a:ext cx="6927900" cy="353100"/>
-          </a:xfrm>
-          <a:prstGeom prst="rect">
-            <a:avLst/>
-          </a:prstGeom>
-          <a:noFill/>
-          <a:ln>
-            <a:noFill/>
-          </a:ln>
-        </p:spPr>
-        <p:txBody>
-          <a:bodyPr spcFirstLastPara="1" wrap="square" lIns="91425" tIns="91425" rIns="91425" bIns="91425" anchor="t" anchorCtr="0">
-            <a:noAutofit/>
-          </a:bodyPr>
-          <a:lstStyle>
-            <a:lvl1pPr lvl="0" algn="l">
-              <a:lnSpc>
-                <a:spcPct val="100000"/>
-              </a:lnSpc>
-              <a:spcBef>
-                <a:spcPts val="0"/>
-              </a:spcBef>
-              <a:spcAft>
-                <a:spcPts val="0"/>
-              </a:spcAft>
-              <a:buSzPts val="1800"/>
-              <a:buNone/>
-              <a:defRPr sz="1800"/>
-            </a:lvl1pPr>
-            <a:lvl2pPr lvl="1" algn="l">
-              <a:lnSpc>
-                <a:spcPct val="100000"/>
-              </a:lnSpc>
-              <a:spcBef>
-                <a:spcPts val="0"/>
-              </a:spcBef>
-              <a:spcAft>
-                <a:spcPts val="0"/>
-              </a:spcAft>
-              <a:buSzPts val="1800"/>
-              <a:buNone/>
-              <a:defRPr sz="1800"/>
-            </a:lvl2pPr>
-            <a:lvl3pPr lvl="2" algn="l">
-              <a:lnSpc>
-                <a:spcPct val="100000"/>
-              </a:lnSpc>
-              <a:spcBef>
-                <a:spcPts val="0"/>
-              </a:spcBef>
-              <a:spcAft>
-                <a:spcPts val="0"/>
-              </a:spcAft>
-              <a:buSzPts val="1800"/>
-              <a:buNone/>
-              <a:defRPr sz="1800"/>
-            </a:lvl3pPr>
-            <a:lvl4pPr lvl="3" algn="l">
-              <a:lnSpc>
-                <a:spcPct val="100000"/>
-              </a:lnSpc>
-              <a:spcBef>
-                <a:spcPts val="0"/>
-              </a:spcBef>
-              <a:spcAft>
-                <a:spcPts val="0"/>
-              </a:spcAft>
-              <a:buSzPts val="2400"/>
-              <a:buNone/>
-              <a:defRPr/>
-            </a:lvl4pPr>
-            <a:lvl5pPr lvl="4" algn="l">
-              <a:lnSpc>
-                <a:spcPct val="100000"/>
-              </a:lnSpc>
-              <a:spcBef>
-                <a:spcPts val="0"/>
-              </a:spcBef>
-              <a:spcAft>
-                <a:spcPts val="0"/>
-              </a:spcAft>
-              <a:buSzPts val="2400"/>
-              <a:buNone/>
-              <a:defRPr/>
-            </a:lvl5pPr>
-            <a:lvl6pPr lvl="5" algn="l">
-              <a:lnSpc>
-                <a:spcPct val="100000"/>
-              </a:lnSpc>
-              <a:spcBef>
-                <a:spcPts val="0"/>
-              </a:spcBef>
-              <a:spcAft>
-                <a:spcPts val="0"/>
-              </a:spcAft>
-              <a:buSzPts val="2400"/>
-              <a:buNone/>
-              <a:defRPr/>
-            </a:lvl6pPr>
-            <a:lvl7pPr lvl="6" algn="l">
-              <a:lnSpc>
-                <a:spcPct val="100000"/>
-              </a:lnSpc>
-              <a:spcBef>
-                <a:spcPts val="0"/>
-              </a:spcBef>
-              <a:spcAft>
-                <a:spcPts val="0"/>
-              </a:spcAft>
-              <a:buSzPts val="2400"/>
-              <a:buNone/>
-              <a:defRPr/>
-            </a:lvl7pPr>
-            <a:lvl8pPr lvl="7" algn="l">
-              <a:lnSpc>
-                <a:spcPct val="100000"/>
-              </a:lnSpc>
-              <a:spcBef>
-                <a:spcPts val="0"/>
-              </a:spcBef>
-              <a:spcAft>
-                <a:spcPts val="0"/>
-              </a:spcAft>
-              <a:buSzPts val="2400"/>
-              <a:buNone/>
-              <a:defRPr/>
-            </a:lvl8pPr>
-            <a:lvl9pPr lvl="8" algn="l">
-              <a:lnSpc>
-                <a:spcPct val="100000"/>
-              </a:lnSpc>
-              <a:spcBef>
-                <a:spcPts val="0"/>
-              </a:spcBef>
-              <a:spcAft>
-                <a:spcPts val="0"/>
-              </a:spcAft>
-              <a:buSzPts val="2400"/>
-              <a:buNone/>
-              <a:defRPr/>
-            </a:lvl9pPr>
-          </a:lstStyle>
-          <a:p>
-            <a:endParaRPr/>
-          </a:p>
-        </p:txBody>
-      </p:sp>
-      <p:sp>
-        <p:nvSpPr>
-          <p:cNvPr id="23" name="Google Shape;23;p12"/>
-          <p:cNvSpPr txBox="1">
-            <a:spLocks noGrp="1"/>
-          </p:cNvSpPr>
-          <p:nvPr>
-            <p:ph type="sldNum" idx="12"/>
-          </p:nvPr>
-        </p:nvSpPr>
-        <p:spPr>
-          <a:xfrm>
-            <a:off x="8523157" y="4752131"/>
-            <a:ext cx="548700" cy="315300"/>
-          </a:xfrm>
-          <a:prstGeom prst="rect">
-            <a:avLst/>
-          </a:prstGeom>
-          <a:noFill/>
-          <a:ln>
-            <a:noFill/>
-          </a:ln>
-        </p:spPr>
-        <p:txBody>
-          <a:bodyPr spcFirstLastPara="1" wrap="square" lIns="91425" tIns="91425" rIns="91425" bIns="91425" anchor="t" anchorCtr="0">
-            <a:noAutofit/>
-          </a:bodyPr>
-          <a:lstStyle>
-            <a:lvl1pPr marL="0" marR="0" lvl="0" indent="0" algn="r">
-              <a:lnSpc>
-                <a:spcPct val="100000"/>
-              </a:lnSpc>
-              <a:spcBef>
-                <a:spcPts val="0"/>
-              </a:spcBef>
-              <a:spcAft>
-                <a:spcPts val="0"/>
-              </a:spcAft>
-              <a:buClr>
-                <a:srgbClr val="000000"/>
-              </a:buClr>
-              <a:buSzPts val="1200"/>
-              <a:buFont typeface="Arial"/>
-              <a:buNone/>
-              <a:defRPr sz="1200" b="0" i="0" u="none" strike="noStrike" cap="none">
-                <a:solidFill>
-                  <a:schemeClr val="accent1"/>
-                </a:solidFill>
-                <a:latin typeface="Quicksand"/>
-                <a:ea typeface="Quicksand"/>
-                <a:cs typeface="Quicksand"/>
-                <a:sym typeface="Quicksand"/>
-              </a:defRPr>
-            </a:lvl1pPr>
-            <a:lvl2pPr marL="0" marR="0" lvl="1" indent="0" algn="r">
-              <a:lnSpc>
-                <a:spcPct val="100000"/>
-              </a:lnSpc>
-              <a:spcBef>
-                <a:spcPts val="0"/>
-              </a:spcBef>
-              <a:spcAft>
-                <a:spcPts val="0"/>
-              </a:spcAft>
-              <a:buClr>
-                <a:srgbClr val="000000"/>
-              </a:buClr>
-              <a:buSzPts val="1200"/>
-              <a:buFont typeface="Arial"/>
-              <a:buNone/>
-              <a:defRPr sz="1200" b="0" i="0" u="none" strike="noStrike" cap="none">
-                <a:solidFill>
-                  <a:schemeClr val="accent1"/>
-                </a:solidFill>
-                <a:latin typeface="Quicksand"/>
-                <a:ea typeface="Quicksand"/>
-                <a:cs typeface="Quicksand"/>
-                <a:sym typeface="Quicksand"/>
-              </a:defRPr>
-            </a:lvl2pPr>
-            <a:lvl3pPr marL="0" marR="0" lvl="2" indent="0" algn="r">
-              <a:lnSpc>
-                <a:spcPct val="100000"/>
-              </a:lnSpc>
-              <a:spcBef>
-                <a:spcPts val="0"/>
-              </a:spcBef>
-              <a:spcAft>
-                <a:spcPts val="0"/>
-              </a:spcAft>
-              <a:buClr>
-                <a:srgbClr val="000000"/>
-              </a:buClr>
-              <a:buSzPts val="1200"/>
-              <a:buFont typeface="Arial"/>
-              <a:buNone/>
-              <a:defRPr sz="1200" b="0" i="0" u="none" strike="noStrike" cap="none">
-                <a:solidFill>
-                  <a:schemeClr val="accent1"/>
-                </a:solidFill>
-                <a:latin typeface="Quicksand"/>
-                <a:ea typeface="Quicksand"/>
-                <a:cs typeface="Quicksand"/>
-                <a:sym typeface="Quicksand"/>
-              </a:defRPr>
-            </a:lvl3pPr>
-            <a:lvl4pPr marL="0" marR="0" lvl="3" indent="0" algn="r">
-              <a:lnSpc>
-                <a:spcPct val="100000"/>
-              </a:lnSpc>
-              <a:spcBef>
-                <a:spcPts val="0"/>
-              </a:spcBef>
-              <a:spcAft>
-                <a:spcPts val="0"/>
-              </a:spcAft>
-              <a:buClr>
-                <a:srgbClr val="000000"/>
-              </a:buClr>
-              <a:buSzPts val="1200"/>
-              <a:buFont typeface="Arial"/>
-              <a:buNone/>
-              <a:defRPr sz="1200" b="0" i="0" u="none" strike="noStrike" cap="none">
-                <a:solidFill>
-                  <a:schemeClr val="accent1"/>
-                </a:solidFill>
-                <a:latin typeface="Quicksand"/>
-                <a:ea typeface="Quicksand"/>
-                <a:cs typeface="Quicksand"/>
-                <a:sym typeface="Quicksand"/>
-              </a:defRPr>
-            </a:lvl4pPr>
-            <a:lvl5pPr marL="0" marR="0" lvl="4" indent="0" algn="r">
-              <a:lnSpc>
-                <a:spcPct val="100000"/>
-              </a:lnSpc>
-              <a:spcBef>
-                <a:spcPts val="0"/>
-              </a:spcBef>
-              <a:spcAft>
-                <a:spcPts val="0"/>
-              </a:spcAft>
-              <a:buClr>
-                <a:srgbClr val="000000"/>
-              </a:buClr>
-              <a:buSzPts val="1200"/>
-              <a:buFont typeface="Arial"/>
-              <a:buNone/>
-              <a:defRPr sz="1200" b="0" i="0" u="none" strike="noStrike" cap="none">
-                <a:solidFill>
-                  <a:schemeClr val="accent1"/>
-                </a:solidFill>
-                <a:latin typeface="Quicksand"/>
-                <a:ea typeface="Quicksand"/>
-                <a:cs typeface="Quicksand"/>
-                <a:sym typeface="Quicksand"/>
-              </a:defRPr>
-            </a:lvl5pPr>
-            <a:lvl6pPr marL="0" marR="0" lvl="5" indent="0" algn="r">
-              <a:lnSpc>
-                <a:spcPct val="100000"/>
-              </a:lnSpc>
-              <a:spcBef>
-                <a:spcPts val="0"/>
-              </a:spcBef>
-              <a:spcAft>
-                <a:spcPts val="0"/>
-              </a:spcAft>
-              <a:buClr>
-                <a:srgbClr val="000000"/>
-              </a:buClr>
-              <a:buSzPts val="1200"/>
-              <a:buFont typeface="Arial"/>
-              <a:buNone/>
-              <a:defRPr sz="1200" b="0" i="0" u="none" strike="noStrike" cap="none">
-                <a:solidFill>
-                  <a:schemeClr val="accent1"/>
-                </a:solidFill>
-                <a:latin typeface="Quicksand"/>
-                <a:ea typeface="Quicksand"/>
-                <a:cs typeface="Quicksand"/>
-                <a:sym typeface="Quicksand"/>
-              </a:defRPr>
-            </a:lvl6pPr>
-            <a:lvl7pPr marL="0" marR="0" lvl="6" indent="0" algn="r">
-              <a:lnSpc>
-                <a:spcPct val="100000"/>
-              </a:lnSpc>
-              <a:spcBef>
-                <a:spcPts val="0"/>
-              </a:spcBef>
-              <a:spcAft>
-                <a:spcPts val="0"/>
-              </a:spcAft>
-              <a:buClr>
-                <a:srgbClr val="000000"/>
-              </a:buClr>
-              <a:buSzPts val="1200"/>
-              <a:buFont typeface="Arial"/>
-              <a:buNone/>
-              <a:defRPr sz="1200" b="0" i="0" u="none" strike="noStrike" cap="none">
-                <a:solidFill>
-                  <a:schemeClr val="accent1"/>
-                </a:solidFill>
-                <a:latin typeface="Quicksand"/>
-                <a:ea typeface="Quicksand"/>
-                <a:cs typeface="Quicksand"/>
-                <a:sym typeface="Quicksand"/>
-              </a:defRPr>
-            </a:lvl7pPr>
-            <a:lvl8pPr marL="0" marR="0" lvl="7" indent="0" algn="r">
-              <a:lnSpc>
-                <a:spcPct val="100000"/>
-              </a:lnSpc>
-              <a:spcBef>
-                <a:spcPts val="0"/>
-              </a:spcBef>
-              <a:spcAft>
-                <a:spcPts val="0"/>
-              </a:spcAft>
-              <a:buClr>
-                <a:srgbClr val="000000"/>
-              </a:buClr>
-              <a:buSzPts val="1200"/>
-              <a:buFont typeface="Arial"/>
-              <a:buNone/>
-              <a:defRPr sz="1200" b="0" i="0" u="none" strike="noStrike" cap="none">
-                <a:solidFill>
-                  <a:schemeClr val="accent1"/>
-                </a:solidFill>
-                <a:latin typeface="Quicksand"/>
-                <a:ea typeface="Quicksand"/>
-                <a:cs typeface="Quicksand"/>
-                <a:sym typeface="Quicksand"/>
-              </a:defRPr>
-            </a:lvl8pPr>
-            <a:lvl9pPr marL="0" marR="0" lvl="8" indent="0" algn="r">
-              <a:lnSpc>
-                <a:spcPct val="100000"/>
-              </a:lnSpc>
-              <a:spcBef>
-                <a:spcPts val="0"/>
-              </a:spcBef>
-              <a:spcAft>
-                <a:spcPts val="0"/>
-              </a:spcAft>
-              <a:buClr>
-                <a:srgbClr val="000000"/>
-              </a:buClr>
-              <a:buSzPts val="1200"/>
-              <a:buFont typeface="Arial"/>
-              <a:buNone/>
-              <a:defRPr sz="1200" b="0" i="0" u="none" strike="noStrike" cap="none">
-                <a:solidFill>
-                  <a:schemeClr val="accent1"/>
-                </a:solidFill>
-                <a:latin typeface="Quicksand"/>
-                <a:ea typeface="Quicksand"/>
-                <a:cs typeface="Quicksand"/>
-                <a:sym typeface="Quicksand"/>
-              </a:defRPr>
-            </a:lvl9pPr>
-          </a:lstStyle>
-          <a:p>
-            <a:pPr marL="0" lvl="0" indent="0" algn="r" rtl="0">
-              <a:spcBef>
-                <a:spcPts val="0"/>
-              </a:spcBef>
-              <a:spcAft>
-                <a:spcPts val="0"/>
-              </a:spcAft>
-              <a:buNone/>
-            </a:pPr>
-            <a:fld id="{00000000-1234-1234-1234-123412341234}" type="slidenum">
-              <a:rPr lang="en-GB"/>
-              <a:t>‹#›</a:t>
-            </a:fld>
-            <a:endParaRPr/>
-          </a:p>
-        </p:txBody>
-      </p:sp>
-      <p:cxnSp>
-        <p:nvCxnSpPr>
-          <p:cNvPr id="24" name="Google Shape;24;p12"/>
-          <p:cNvCxnSpPr/>
-          <p:nvPr/>
-        </p:nvCxnSpPr>
-        <p:spPr>
-          <a:xfrm>
-            <a:off x="939645" y="0"/>
-            <a:ext cx="0" cy="5143500"/>
-          </a:xfrm>
-          <a:prstGeom prst="straightConnector1">
-            <a:avLst/>
-          </a:prstGeom>
-          <a:noFill/>
-          <a:ln w="9525" cap="flat" cmpd="sng">
-            <a:solidFill>
-              <a:schemeClr val="accent5"/>
-            </a:solidFill>
-            <a:prstDash val="solid"/>
-            <a:round/>
-            <a:headEnd type="none" w="sm" len="sm"/>
-            <a:tailEnd type="none" w="sm" len="sm"/>
-          </a:ln>
-        </p:spPr>
-      </p:cxnSp>
-      <p:sp>
-        <p:nvSpPr>
-          <p:cNvPr id="25" name="Google Shape;25;p12"/>
-          <p:cNvSpPr/>
-          <p:nvPr/>
-        </p:nvSpPr>
-        <p:spPr>
-          <a:xfrm flipH="1">
-            <a:off x="632556" y="2267403"/>
-            <a:ext cx="614400" cy="614400"/>
-          </a:xfrm>
-          <a:prstGeom prst="ellipse">
-            <a:avLst/>
-          </a:prstGeom>
-          <a:solidFill>
-            <a:schemeClr val="accent1"/>
-          </a:solidFill>
-          <a:ln w="28575" cap="flat" cmpd="sng">
-            <a:solidFill>
-              <a:schemeClr val="dk1"/>
-            </a:solidFill>
-            <a:prstDash val="solid"/>
-            <a:round/>
-            <a:headEnd type="none" w="sm" len="sm"/>
-            <a:tailEnd type="none" w="sm" len="sm"/>
-          </a:ln>
-        </p:spPr>
-        <p:txBody>
-          <a:bodyPr spcFirstLastPara="1" wrap="square" lIns="91425" tIns="91425" rIns="91425" bIns="91425" anchor="ctr" anchorCtr="0">
-            <a:noAutofit/>
-          </a:bodyPr>
-          <a:lstStyle/>
-          <a:p>
-            <a:pPr marL="0" marR="0" lvl="0" indent="0" algn="l" rtl="0">
-              <a:lnSpc>
-                <a:spcPct val="100000"/>
-              </a:lnSpc>
-              <a:spcBef>
-                <a:spcPts val="0"/>
-              </a:spcBef>
-              <a:spcAft>
-                <a:spcPts val="0"/>
-              </a:spcAft>
-              <a:buClr>
-                <a:srgbClr val="000000"/>
-              </a:buClr>
-              <a:buSzPts val="1400"/>
-              <a:buFont typeface="Arial"/>
-              <a:buNone/>
-            </a:pPr>
-            <a:endParaRPr sz="1400" b="0" i="0" u="none" strike="noStrike" cap="none">
-              <a:solidFill>
-                <a:srgbClr val="000000"/>
-              </a:solidFill>
-              <a:latin typeface="Arial"/>
-              <a:ea typeface="Arial"/>
-              <a:cs typeface="Arial"/>
-              <a:sym typeface="Arial"/>
-            </a:endParaRPr>
           </a:p>
         </p:txBody>
       </p:sp>
@@ -3631,7 +2675,7 @@
       </p:grpSpPr>
       <p:sp>
         <p:nvSpPr>
-          <p:cNvPr id="6" name="Google Shape;6;p9"/>
+          <p:cNvPr id="6" name="Google Shape;6;p1"/>
           <p:cNvSpPr txBox="1">
             <a:spLocks noGrp="1"/>
           </p:cNvSpPr>
@@ -3657,10 +2701,7 @@
             <a:noAutofit/>
           </a:bodyPr>
           <a:lstStyle>
-            <a:lvl1pPr marR="0" lvl="0" algn="l" rtl="0">
-              <a:lnSpc>
-                <a:spcPct val="100000"/>
-              </a:lnSpc>
+            <a:lvl1pPr lvl="0">
               <a:spcBef>
                 <a:spcPts val="0"/>
               </a:spcBef>
@@ -3673,7 +2714,7 @@
               <a:buSzPts val="1800"/>
               <a:buFont typeface="Quicksand"/>
               <a:buNone/>
-              <a:defRPr sz="1800" b="0" i="0" u="none" strike="noStrike" cap="none">
+              <a:defRPr sz="1800">
                 <a:solidFill>
                   <a:schemeClr val="accent1"/>
                 </a:solidFill>
@@ -3683,10 +2724,7 @@
                 <a:sym typeface="Quicksand"/>
               </a:defRPr>
             </a:lvl1pPr>
-            <a:lvl2pPr marR="0" lvl="1" algn="l" rtl="0">
-              <a:lnSpc>
-                <a:spcPct val="100000"/>
-              </a:lnSpc>
+            <a:lvl2pPr lvl="1">
               <a:spcBef>
                 <a:spcPts val="0"/>
               </a:spcBef>
@@ -3699,7 +2737,7 @@
               <a:buSzPts val="1800"/>
               <a:buFont typeface="Quicksand"/>
               <a:buNone/>
-              <a:defRPr sz="1800" b="0" i="0" u="none" strike="noStrike" cap="none">
+              <a:defRPr sz="1800">
                 <a:solidFill>
                   <a:schemeClr val="accent1"/>
                 </a:solidFill>
@@ -3709,10 +2747,7 @@
                 <a:sym typeface="Quicksand"/>
               </a:defRPr>
             </a:lvl2pPr>
-            <a:lvl3pPr marR="0" lvl="2" algn="l" rtl="0">
-              <a:lnSpc>
-                <a:spcPct val="100000"/>
-              </a:lnSpc>
+            <a:lvl3pPr lvl="2">
               <a:spcBef>
                 <a:spcPts val="0"/>
               </a:spcBef>
@@ -3725,7 +2760,7 @@
               <a:buSzPts val="1800"/>
               <a:buFont typeface="Quicksand"/>
               <a:buNone/>
-              <a:defRPr sz="1800" b="0" i="0" u="none" strike="noStrike" cap="none">
+              <a:defRPr sz="1800">
                 <a:solidFill>
                   <a:schemeClr val="accent1"/>
                 </a:solidFill>
@@ -3735,10 +2770,7 @@
                 <a:sym typeface="Quicksand"/>
               </a:defRPr>
             </a:lvl3pPr>
-            <a:lvl4pPr marR="0" lvl="3" algn="l" rtl="0">
-              <a:lnSpc>
-                <a:spcPct val="100000"/>
-              </a:lnSpc>
+            <a:lvl4pPr lvl="3">
               <a:spcBef>
                 <a:spcPts val="0"/>
               </a:spcBef>
@@ -3751,7 +2783,7 @@
               <a:buSzPts val="1800"/>
               <a:buFont typeface="Quicksand"/>
               <a:buNone/>
-              <a:defRPr sz="1800" b="0" i="0" u="none" strike="noStrike" cap="none">
+              <a:defRPr sz="1800">
                 <a:solidFill>
                   <a:schemeClr val="accent1"/>
                 </a:solidFill>
@@ -3761,10 +2793,7 @@
                 <a:sym typeface="Quicksand"/>
               </a:defRPr>
             </a:lvl4pPr>
-            <a:lvl5pPr marR="0" lvl="4" algn="l" rtl="0">
-              <a:lnSpc>
-                <a:spcPct val="100000"/>
-              </a:lnSpc>
+            <a:lvl5pPr lvl="4">
               <a:spcBef>
                 <a:spcPts val="0"/>
               </a:spcBef>
@@ -3777,7 +2806,7 @@
               <a:buSzPts val="1800"/>
               <a:buFont typeface="Quicksand"/>
               <a:buNone/>
-              <a:defRPr sz="1800" b="0" i="0" u="none" strike="noStrike" cap="none">
+              <a:defRPr sz="1800">
                 <a:solidFill>
                   <a:schemeClr val="accent1"/>
                 </a:solidFill>
@@ -3787,10 +2816,7 @@
                 <a:sym typeface="Quicksand"/>
               </a:defRPr>
             </a:lvl5pPr>
-            <a:lvl6pPr marR="0" lvl="5" algn="l" rtl="0">
-              <a:lnSpc>
-                <a:spcPct val="100000"/>
-              </a:lnSpc>
+            <a:lvl6pPr lvl="5">
               <a:spcBef>
                 <a:spcPts val="0"/>
               </a:spcBef>
@@ -3803,7 +2829,7 @@
               <a:buSzPts val="1800"/>
               <a:buFont typeface="Quicksand"/>
               <a:buNone/>
-              <a:defRPr sz="1800" b="0" i="0" u="none" strike="noStrike" cap="none">
+              <a:defRPr sz="1800">
                 <a:solidFill>
                   <a:schemeClr val="accent1"/>
                 </a:solidFill>
@@ -3813,10 +2839,7 @@
                 <a:sym typeface="Quicksand"/>
               </a:defRPr>
             </a:lvl6pPr>
-            <a:lvl7pPr marR="0" lvl="6" algn="l" rtl="0">
-              <a:lnSpc>
-                <a:spcPct val="100000"/>
-              </a:lnSpc>
+            <a:lvl7pPr lvl="6">
               <a:spcBef>
                 <a:spcPts val="0"/>
               </a:spcBef>
@@ -3829,7 +2852,7 @@
               <a:buSzPts val="1800"/>
               <a:buFont typeface="Quicksand"/>
               <a:buNone/>
-              <a:defRPr sz="1800" b="0" i="0" u="none" strike="noStrike" cap="none">
+              <a:defRPr sz="1800">
                 <a:solidFill>
                   <a:schemeClr val="accent1"/>
                 </a:solidFill>
@@ -3839,10 +2862,7 @@
                 <a:sym typeface="Quicksand"/>
               </a:defRPr>
             </a:lvl7pPr>
-            <a:lvl8pPr marR="0" lvl="7" algn="l" rtl="0">
-              <a:lnSpc>
-                <a:spcPct val="100000"/>
-              </a:lnSpc>
+            <a:lvl8pPr lvl="7">
               <a:spcBef>
                 <a:spcPts val="0"/>
               </a:spcBef>
@@ -3855,7 +2875,7 @@
               <a:buSzPts val="1800"/>
               <a:buFont typeface="Quicksand"/>
               <a:buNone/>
-              <a:defRPr sz="1800" b="0" i="0" u="none" strike="noStrike" cap="none">
+              <a:defRPr sz="1800">
                 <a:solidFill>
                   <a:schemeClr val="accent1"/>
                 </a:solidFill>
@@ -3865,10 +2885,7 @@
                 <a:sym typeface="Quicksand"/>
               </a:defRPr>
             </a:lvl8pPr>
-            <a:lvl9pPr marR="0" lvl="8" algn="l" rtl="0">
-              <a:lnSpc>
-                <a:spcPct val="100000"/>
-              </a:lnSpc>
+            <a:lvl9pPr lvl="8">
               <a:spcBef>
                 <a:spcPts val="0"/>
               </a:spcBef>
@@ -3881,7 +2898,7 @@
               <a:buSzPts val="1800"/>
               <a:buFont typeface="Quicksand"/>
               <a:buNone/>
-              <a:defRPr sz="1800" b="0" i="0" u="none" strike="noStrike" cap="none">
+              <a:defRPr sz="1800">
                 <a:solidFill>
                   <a:schemeClr val="accent1"/>
                 </a:solidFill>
@@ -3899,7 +2916,7 @@
       </p:sp>
       <p:sp>
         <p:nvSpPr>
-          <p:cNvPr id="7" name="Google Shape;7;p9"/>
+          <p:cNvPr id="7" name="Google Shape;7;p1"/>
           <p:cNvSpPr txBox="1">
             <a:spLocks noGrp="1"/>
           </p:cNvSpPr>
@@ -3925,10 +2942,7 @@
             <a:noAutofit/>
           </a:bodyPr>
           <a:lstStyle>
-            <a:lvl1pPr marL="457200" marR="0" lvl="0" indent="-381000" algn="l" rtl="0">
-              <a:lnSpc>
-                <a:spcPct val="100000"/>
-              </a:lnSpc>
+            <a:lvl1pPr marL="457200" lvl="0" indent="-381000">
               <a:spcBef>
                 <a:spcPts val="600"/>
               </a:spcBef>
@@ -3941,7 +2955,7 @@
               <a:buSzPts val="2400"/>
               <a:buFont typeface="Quicksand"/>
               <a:buChar char="◦"/>
-              <a:defRPr sz="2400" b="0" i="0" u="none" strike="noStrike" cap="none">
+              <a:defRPr sz="2400">
                 <a:solidFill>
                   <a:schemeClr val="lt1"/>
                 </a:solidFill>
@@ -3951,10 +2965,7 @@
                 <a:sym typeface="Quicksand"/>
               </a:defRPr>
             </a:lvl1pPr>
-            <a:lvl2pPr marL="914400" marR="0" lvl="1" indent="-381000" algn="l" rtl="0">
-              <a:lnSpc>
-                <a:spcPct val="100000"/>
-              </a:lnSpc>
+            <a:lvl2pPr marL="914400" lvl="1" indent="-381000">
               <a:spcBef>
                 <a:spcPts val="0"/>
               </a:spcBef>
@@ -3967,7 +2978,7 @@
               <a:buSzPts val="2400"/>
               <a:buFont typeface="Quicksand"/>
               <a:buChar char="▫"/>
-              <a:defRPr sz="2400" b="0" i="0" u="none" strike="noStrike" cap="none">
+              <a:defRPr sz="2400">
                 <a:solidFill>
                   <a:schemeClr val="lt1"/>
                 </a:solidFill>
@@ -3977,10 +2988,7 @@
                 <a:sym typeface="Quicksand"/>
               </a:defRPr>
             </a:lvl2pPr>
-            <a:lvl3pPr marL="1371600" marR="0" lvl="2" indent="-381000" algn="l" rtl="0">
-              <a:lnSpc>
-                <a:spcPct val="100000"/>
-              </a:lnSpc>
+            <a:lvl3pPr marL="1371600" lvl="2" indent="-381000">
               <a:spcBef>
                 <a:spcPts val="0"/>
               </a:spcBef>
@@ -3993,7 +3001,7 @@
               <a:buSzPts val="2400"/>
               <a:buFont typeface="Quicksand"/>
               <a:buChar char="■"/>
-              <a:defRPr sz="2400" b="0" i="0" u="none" strike="noStrike" cap="none">
+              <a:defRPr sz="2400">
                 <a:solidFill>
                   <a:schemeClr val="lt1"/>
                 </a:solidFill>
@@ -4003,10 +3011,7 @@
                 <a:sym typeface="Quicksand"/>
               </a:defRPr>
             </a:lvl3pPr>
-            <a:lvl4pPr marL="1828800" marR="0" lvl="3" indent="-381000" algn="l" rtl="0">
-              <a:lnSpc>
-                <a:spcPct val="100000"/>
-              </a:lnSpc>
+            <a:lvl4pPr marL="1828800" lvl="3" indent="-381000">
               <a:spcBef>
                 <a:spcPts val="0"/>
               </a:spcBef>
@@ -4019,7 +3024,7 @@
               <a:buSzPts val="2400"/>
               <a:buFont typeface="Quicksand"/>
               <a:buChar char="●"/>
-              <a:defRPr sz="2400" b="0" i="0" u="none" strike="noStrike" cap="none">
+              <a:defRPr sz="2400">
                 <a:solidFill>
                   <a:schemeClr val="lt1"/>
                 </a:solidFill>
@@ -4029,10 +3034,7 @@
                 <a:sym typeface="Quicksand"/>
               </a:defRPr>
             </a:lvl4pPr>
-            <a:lvl5pPr marL="2286000" marR="0" lvl="4" indent="-381000" algn="l" rtl="0">
-              <a:lnSpc>
-                <a:spcPct val="100000"/>
-              </a:lnSpc>
+            <a:lvl5pPr marL="2286000" lvl="4" indent="-381000">
               <a:spcBef>
                 <a:spcPts val="0"/>
               </a:spcBef>
@@ -4045,7 +3047,7 @@
               <a:buSzPts val="2400"/>
               <a:buFont typeface="Quicksand"/>
               <a:buChar char="○"/>
-              <a:defRPr sz="2400" b="0" i="0" u="none" strike="noStrike" cap="none">
+              <a:defRPr sz="2400">
                 <a:solidFill>
                   <a:schemeClr val="lt1"/>
                 </a:solidFill>
@@ -4055,10 +3057,7 @@
                 <a:sym typeface="Quicksand"/>
               </a:defRPr>
             </a:lvl5pPr>
-            <a:lvl6pPr marL="2743200" marR="0" lvl="5" indent="-381000" algn="l" rtl="0">
-              <a:lnSpc>
-                <a:spcPct val="100000"/>
-              </a:lnSpc>
+            <a:lvl6pPr marL="2743200" lvl="5" indent="-381000">
               <a:spcBef>
                 <a:spcPts val="0"/>
               </a:spcBef>
@@ -4071,7 +3070,7 @@
               <a:buSzPts val="2400"/>
               <a:buFont typeface="Quicksand"/>
               <a:buChar char="■"/>
-              <a:defRPr sz="2400" b="0" i="0" u="none" strike="noStrike" cap="none">
+              <a:defRPr sz="2400">
                 <a:solidFill>
                   <a:schemeClr val="lt1"/>
                 </a:solidFill>
@@ -4081,10 +3080,7 @@
                 <a:sym typeface="Quicksand"/>
               </a:defRPr>
             </a:lvl6pPr>
-            <a:lvl7pPr marL="3200400" marR="0" lvl="6" indent="-381000" algn="l" rtl="0">
-              <a:lnSpc>
-                <a:spcPct val="100000"/>
-              </a:lnSpc>
+            <a:lvl7pPr marL="3200400" lvl="6" indent="-381000">
               <a:spcBef>
                 <a:spcPts val="0"/>
               </a:spcBef>
@@ -4097,7 +3093,7 @@
               <a:buSzPts val="2400"/>
               <a:buFont typeface="Quicksand"/>
               <a:buChar char="●"/>
-              <a:defRPr sz="2400" b="0" i="0" u="none" strike="noStrike" cap="none">
+              <a:defRPr sz="2400">
                 <a:solidFill>
                   <a:schemeClr val="lt1"/>
                 </a:solidFill>
@@ -4107,10 +3103,7 @@
                 <a:sym typeface="Quicksand"/>
               </a:defRPr>
             </a:lvl7pPr>
-            <a:lvl8pPr marL="3657600" marR="0" lvl="7" indent="-381000" algn="l" rtl="0">
-              <a:lnSpc>
-                <a:spcPct val="100000"/>
-              </a:lnSpc>
+            <a:lvl8pPr marL="3657600" lvl="7" indent="-381000">
               <a:spcBef>
                 <a:spcPts val="0"/>
               </a:spcBef>
@@ -4123,7 +3116,7 @@
               <a:buSzPts val="2400"/>
               <a:buFont typeface="Quicksand"/>
               <a:buChar char="○"/>
-              <a:defRPr sz="2400" b="0" i="0" u="none" strike="noStrike" cap="none">
+              <a:defRPr sz="2400">
                 <a:solidFill>
                   <a:schemeClr val="lt1"/>
                 </a:solidFill>
@@ -4133,10 +3126,7 @@
                 <a:sym typeface="Quicksand"/>
               </a:defRPr>
             </a:lvl8pPr>
-            <a:lvl9pPr marL="4114800" marR="0" lvl="8" indent="-381000" algn="l" rtl="0">
-              <a:lnSpc>
-                <a:spcPct val="100000"/>
-              </a:lnSpc>
+            <a:lvl9pPr marL="4114800" lvl="8" indent="-381000">
               <a:spcBef>
                 <a:spcPts val="0"/>
               </a:spcBef>
@@ -4149,7 +3139,7 @@
               <a:buSzPts val="2400"/>
               <a:buFont typeface="Quicksand"/>
               <a:buChar char="■"/>
-              <a:defRPr sz="2400" b="0" i="0" u="none" strike="noStrike" cap="none">
+              <a:defRPr sz="2400">
                 <a:solidFill>
                   <a:schemeClr val="lt1"/>
                 </a:solidFill>
@@ -4167,7 +3157,7 @@
       </p:sp>
       <p:sp>
         <p:nvSpPr>
-          <p:cNvPr id="8" name="Google Shape;8;p9"/>
+          <p:cNvPr id="8" name="Google Shape;8;p1"/>
           <p:cNvSpPr txBox="1">
             <a:spLocks noGrp="1"/>
           </p:cNvSpPr>
@@ -4193,23 +3183,9 @@
             <a:noAutofit/>
           </a:bodyPr>
           <a:lstStyle>
-            <a:lvl1pPr marL="0" marR="0" lvl="0" indent="0" algn="r" rtl="0">
-              <a:lnSpc>
-                <a:spcPct val="100000"/>
-              </a:lnSpc>
-              <a:spcBef>
-                <a:spcPts val="0"/>
-              </a:spcBef>
-              <a:spcAft>
-                <a:spcPts val="0"/>
-              </a:spcAft>
-              <a:buClr>
-                <a:srgbClr val="000000"/>
-              </a:buClr>
-              <a:buSzPts val="1200"/>
-              <a:buFont typeface="Arial"/>
-              <a:buNone/>
-              <a:defRPr sz="1200" b="0" i="0" u="none" strike="noStrike" cap="none">
+            <a:lvl1pPr lvl="0" algn="r">
+              <a:buNone/>
+              <a:defRPr sz="1200">
                 <a:solidFill>
                   <a:schemeClr val="accent1"/>
                 </a:solidFill>
@@ -4219,23 +3195,9 @@
                 <a:sym typeface="Quicksand"/>
               </a:defRPr>
             </a:lvl1pPr>
-            <a:lvl2pPr marL="0" marR="0" lvl="1" indent="0" algn="r" rtl="0">
-              <a:lnSpc>
-                <a:spcPct val="100000"/>
-              </a:lnSpc>
-              <a:spcBef>
-                <a:spcPts val="0"/>
-              </a:spcBef>
-              <a:spcAft>
-                <a:spcPts val="0"/>
-              </a:spcAft>
-              <a:buClr>
-                <a:srgbClr val="000000"/>
-              </a:buClr>
-              <a:buSzPts val="1200"/>
-              <a:buFont typeface="Arial"/>
-              <a:buNone/>
-              <a:defRPr sz="1200" b="0" i="0" u="none" strike="noStrike" cap="none">
+            <a:lvl2pPr lvl="1" algn="r">
+              <a:buNone/>
+              <a:defRPr sz="1200">
                 <a:solidFill>
                   <a:schemeClr val="accent1"/>
                 </a:solidFill>
@@ -4245,23 +3207,9 @@
                 <a:sym typeface="Quicksand"/>
               </a:defRPr>
             </a:lvl2pPr>
-            <a:lvl3pPr marL="0" marR="0" lvl="2" indent="0" algn="r" rtl="0">
-              <a:lnSpc>
-                <a:spcPct val="100000"/>
-              </a:lnSpc>
-              <a:spcBef>
-                <a:spcPts val="0"/>
-              </a:spcBef>
-              <a:spcAft>
-                <a:spcPts val="0"/>
-              </a:spcAft>
-              <a:buClr>
-                <a:srgbClr val="000000"/>
-              </a:buClr>
-              <a:buSzPts val="1200"/>
-              <a:buFont typeface="Arial"/>
-              <a:buNone/>
-              <a:defRPr sz="1200" b="0" i="0" u="none" strike="noStrike" cap="none">
+            <a:lvl3pPr lvl="2" algn="r">
+              <a:buNone/>
+              <a:defRPr sz="1200">
                 <a:solidFill>
                   <a:schemeClr val="accent1"/>
                 </a:solidFill>
@@ -4271,23 +3219,9 @@
                 <a:sym typeface="Quicksand"/>
               </a:defRPr>
             </a:lvl3pPr>
-            <a:lvl4pPr marL="0" marR="0" lvl="3" indent="0" algn="r" rtl="0">
-              <a:lnSpc>
-                <a:spcPct val="100000"/>
-              </a:lnSpc>
-              <a:spcBef>
-                <a:spcPts val="0"/>
-              </a:spcBef>
-              <a:spcAft>
-                <a:spcPts val="0"/>
-              </a:spcAft>
-              <a:buClr>
-                <a:srgbClr val="000000"/>
-              </a:buClr>
-              <a:buSzPts val="1200"/>
-              <a:buFont typeface="Arial"/>
-              <a:buNone/>
-              <a:defRPr sz="1200" b="0" i="0" u="none" strike="noStrike" cap="none">
+            <a:lvl4pPr lvl="3" algn="r">
+              <a:buNone/>
+              <a:defRPr sz="1200">
                 <a:solidFill>
                   <a:schemeClr val="accent1"/>
                 </a:solidFill>
@@ -4297,23 +3231,9 @@
                 <a:sym typeface="Quicksand"/>
               </a:defRPr>
             </a:lvl4pPr>
-            <a:lvl5pPr marL="0" marR="0" lvl="4" indent="0" algn="r" rtl="0">
-              <a:lnSpc>
-                <a:spcPct val="100000"/>
-              </a:lnSpc>
-              <a:spcBef>
-                <a:spcPts val="0"/>
-              </a:spcBef>
-              <a:spcAft>
-                <a:spcPts val="0"/>
-              </a:spcAft>
-              <a:buClr>
-                <a:srgbClr val="000000"/>
-              </a:buClr>
-              <a:buSzPts val="1200"/>
-              <a:buFont typeface="Arial"/>
-              <a:buNone/>
-              <a:defRPr sz="1200" b="0" i="0" u="none" strike="noStrike" cap="none">
+            <a:lvl5pPr lvl="4" algn="r">
+              <a:buNone/>
+              <a:defRPr sz="1200">
                 <a:solidFill>
                   <a:schemeClr val="accent1"/>
                 </a:solidFill>
@@ -4323,23 +3243,9 @@
                 <a:sym typeface="Quicksand"/>
               </a:defRPr>
             </a:lvl5pPr>
-            <a:lvl6pPr marL="0" marR="0" lvl="5" indent="0" algn="r" rtl="0">
-              <a:lnSpc>
-                <a:spcPct val="100000"/>
-              </a:lnSpc>
-              <a:spcBef>
-                <a:spcPts val="0"/>
-              </a:spcBef>
-              <a:spcAft>
-                <a:spcPts val="0"/>
-              </a:spcAft>
-              <a:buClr>
-                <a:srgbClr val="000000"/>
-              </a:buClr>
-              <a:buSzPts val="1200"/>
-              <a:buFont typeface="Arial"/>
-              <a:buNone/>
-              <a:defRPr sz="1200" b="0" i="0" u="none" strike="noStrike" cap="none">
+            <a:lvl6pPr lvl="5" algn="r">
+              <a:buNone/>
+              <a:defRPr sz="1200">
                 <a:solidFill>
                   <a:schemeClr val="accent1"/>
                 </a:solidFill>
@@ -4349,23 +3255,9 @@
                 <a:sym typeface="Quicksand"/>
               </a:defRPr>
             </a:lvl6pPr>
-            <a:lvl7pPr marL="0" marR="0" lvl="6" indent="0" algn="r" rtl="0">
-              <a:lnSpc>
-                <a:spcPct val="100000"/>
-              </a:lnSpc>
-              <a:spcBef>
-                <a:spcPts val="0"/>
-              </a:spcBef>
-              <a:spcAft>
-                <a:spcPts val="0"/>
-              </a:spcAft>
-              <a:buClr>
-                <a:srgbClr val="000000"/>
-              </a:buClr>
-              <a:buSzPts val="1200"/>
-              <a:buFont typeface="Arial"/>
-              <a:buNone/>
-              <a:defRPr sz="1200" b="0" i="0" u="none" strike="noStrike" cap="none">
+            <a:lvl7pPr lvl="6" algn="r">
+              <a:buNone/>
+              <a:defRPr sz="1200">
                 <a:solidFill>
                   <a:schemeClr val="accent1"/>
                 </a:solidFill>
@@ -4375,23 +3267,9 @@
                 <a:sym typeface="Quicksand"/>
               </a:defRPr>
             </a:lvl7pPr>
-            <a:lvl8pPr marL="0" marR="0" lvl="7" indent="0" algn="r" rtl="0">
-              <a:lnSpc>
-                <a:spcPct val="100000"/>
-              </a:lnSpc>
-              <a:spcBef>
-                <a:spcPts val="0"/>
-              </a:spcBef>
-              <a:spcAft>
-                <a:spcPts val="0"/>
-              </a:spcAft>
-              <a:buClr>
-                <a:srgbClr val="000000"/>
-              </a:buClr>
-              <a:buSzPts val="1200"/>
-              <a:buFont typeface="Arial"/>
-              <a:buNone/>
-              <a:defRPr sz="1200" b="0" i="0" u="none" strike="noStrike" cap="none">
+            <a:lvl8pPr lvl="7" algn="r">
+              <a:buNone/>
+              <a:defRPr sz="1200">
                 <a:solidFill>
                   <a:schemeClr val="accent1"/>
                 </a:solidFill>
@@ -4401,23 +3279,9 @@
                 <a:sym typeface="Quicksand"/>
               </a:defRPr>
             </a:lvl8pPr>
-            <a:lvl9pPr marL="0" marR="0" lvl="8" indent="0" algn="r" rtl="0">
-              <a:lnSpc>
-                <a:spcPct val="100000"/>
-              </a:lnSpc>
-              <a:spcBef>
-                <a:spcPts val="0"/>
-              </a:spcBef>
-              <a:spcAft>
-                <a:spcPts val="0"/>
-              </a:spcAft>
-              <a:buClr>
-                <a:srgbClr val="000000"/>
-              </a:buClr>
-              <a:buSzPts val="1200"/>
-              <a:buFont typeface="Arial"/>
-              <a:buNone/>
-              <a:defRPr sz="1200" b="0" i="0" u="none" strike="noStrike" cap="none">
+            <a:lvl9pPr lvl="8" algn="r">
+              <a:buNone/>
+              <a:defRPr sz="1200">
                 <a:solidFill>
                   <a:schemeClr val="accent1"/>
                 </a:solidFill>
@@ -4439,7 +3303,7 @@
               <a:buNone/>
             </a:pPr>
             <a:fld id="{00000000-1234-1234-1234-123412341234}" type="slidenum">
-              <a:rPr lang="en-GB"/>
+              <a:rPr lang="en"/>
               <a:t>‹#›</a:t>
             </a:fld>
             <a:endParaRPr/>
@@ -4451,8 +3315,8 @@
   <p:clrMap bg1="lt1" tx1="dk1" bg2="dk2" tx2="lt2" accent1="accent1" accent2="accent2" accent3="accent3" accent4="accent4" accent5="accent5" accent6="accent6" hlink="hlink" folHlink="folHlink"/>
   <p:sldLayoutIdLst>
     <p:sldLayoutId id="2147483649" r:id="rId1"/>
-    <p:sldLayoutId id="2147483650" r:id="rId2"/>
-    <p:sldLayoutId id="2147483651" r:id="rId3"/>
+    <p:sldLayoutId id="2147483651" r:id="rId2"/>
+    <p:sldLayoutId id="2147483657" r:id="rId3"/>
   </p:sldLayoutIdLst>
   <p:transition>
     <p:fade thruBlk="1"/>
@@ -5155,7 +4019,7 @@
   <p:cSld>
     <p:spTree>
       <p:nvGrpSpPr>
-        <p:cNvPr id="1" name="Shape 29"/>
+        <p:cNvPr id="1" name="Shape 84"/>
         <p:cNvGrpSpPr/>
         <p:nvPr/>
       </p:nvGrpSpPr>
@@ -5169,7 +4033,7 @@
       </p:grpSpPr>
       <p:sp>
         <p:nvSpPr>
-          <p:cNvPr id="30" name="Google Shape;30;p1"/>
+          <p:cNvPr id="85" name="Google Shape;85;p14"/>
           <p:cNvSpPr txBox="1">
             <a:spLocks noGrp="1"/>
           </p:cNvSpPr>
@@ -5180,15 +4044,11 @@
         <p:spPr>
           <a:xfrm>
             <a:off x="1236299" y="3197495"/>
-            <a:ext cx="2879100" cy="555900"/>
+            <a:ext cx="2879214" cy="555830"/>
           </a:xfrm>
           <a:prstGeom prst="rect">
             <a:avLst/>
           </a:prstGeom>
-          <a:noFill/>
-          <a:ln>
-            <a:noFill/>
-          </a:ln>
         </p:spPr>
         <p:txBody>
           <a:bodyPr spcFirstLastPara="1" wrap="square" lIns="91425" tIns="91425" rIns="91425" bIns="91425" anchor="b" anchorCtr="0">
@@ -5196,70 +4056,34 @@
           </a:bodyPr>
           <a:lstStyle/>
           <a:p>
-            <a:pPr marL="0" marR="0" lvl="0" indent="0" algn="l" rtl="0">
-              <a:lnSpc>
-                <a:spcPct val="100000"/>
-              </a:lnSpc>
-              <a:spcBef>
-                <a:spcPts val="0"/>
-              </a:spcBef>
-              <a:spcAft>
-                <a:spcPts val="0"/>
-              </a:spcAft>
-              <a:buClr>
-                <a:schemeClr val="accent1"/>
-              </a:buClr>
-              <a:buSzPts val="1800"/>
-              <a:buFont typeface="Quicksand"/>
+            <a:pPr marL="0" lvl="0" indent="0" algn="l" rtl="0">
+              <a:spcBef>
+                <a:spcPts val="0"/>
+              </a:spcBef>
+              <a:spcAft>
+                <a:spcPts val="0"/>
+              </a:spcAft>
               <a:buNone/>
             </a:pPr>
             <a:r>
-              <a:rPr lang="en-GB" sz="2000" b="1" i="0" u="none" strike="noStrike" cap="none">
-                <a:solidFill>
-                  <a:schemeClr val="dk1"/>
-                </a:solidFill>
-                <a:latin typeface="Quicksand"/>
-                <a:ea typeface="Quicksand"/>
-                <a:cs typeface="Quicksand"/>
-                <a:sym typeface="Quicksand"/>
-              </a:rPr>
-              <a:t>Week </a:t>
-            </a:r>
-            <a:r>
-              <a:rPr lang="en-GB" sz="2000" b="1">
+              <a:rPr lang="en-IN" sz="2000" b="1" dirty="0">
                 <a:solidFill>
                   <a:schemeClr val="dk1"/>
                 </a:solidFill>
               </a:rPr>
-              <a:t>3</a:t>
+              <a:t>Week 2 Report</a:t>
             </a:r>
-            <a:r>
-              <a:rPr lang="en-GB" sz="2000" b="1" i="0" u="none" strike="noStrike" cap="none">
-                <a:solidFill>
-                  <a:schemeClr val="dk1"/>
-                </a:solidFill>
-                <a:latin typeface="Quicksand"/>
-                <a:ea typeface="Quicksand"/>
-                <a:cs typeface="Quicksand"/>
-                <a:sym typeface="Quicksand"/>
-              </a:rPr>
-              <a:t> Report</a:t>
-            </a:r>
-            <a:endParaRPr sz="2000" b="1" i="0" u="none" strike="noStrike" cap="none">
+            <a:endParaRPr sz="2000" b="1" dirty="0">
               <a:solidFill>
                 <a:schemeClr val="dk1"/>
               </a:solidFill>
-              <a:latin typeface="Quicksand"/>
-              <a:ea typeface="Quicksand"/>
-              <a:cs typeface="Quicksand"/>
-              <a:sym typeface="Quicksand"/>
             </a:endParaRPr>
           </a:p>
         </p:txBody>
       </p:sp>
       <p:sp>
         <p:nvSpPr>
-          <p:cNvPr id="31" name="Google Shape;31;p1"/>
+          <p:cNvPr id="87" name="Google Shape;87;p14"/>
           <p:cNvSpPr txBox="1">
             <a:spLocks noGrp="1"/>
           </p:cNvSpPr>
@@ -5275,10 +4099,6 @@
           <a:prstGeom prst="rect">
             <a:avLst/>
           </a:prstGeom>
-          <a:noFill/>
-          <a:ln>
-            <a:noFill/>
-          </a:ln>
         </p:spPr>
         <p:txBody>
           <a:bodyPr spcFirstLastPara="1" wrap="square" lIns="91425" tIns="91425" rIns="91425" bIns="91425" anchor="t" anchorCtr="0">
@@ -5287,23 +4107,19 @@
           <a:lstStyle/>
           <a:p>
             <a:pPr marL="0" lvl="0" indent="0" algn="l" rtl="0">
-              <a:lnSpc>
-                <a:spcPct val="100000"/>
-              </a:lnSpc>
               <a:spcBef>
                 <a:spcPts val="600"/>
               </a:spcBef>
               <a:spcAft>
                 <a:spcPts val="0"/>
               </a:spcAft>
-              <a:buSzPts val="2400"/>
               <a:buNone/>
             </a:pPr>
             <a:r>
-              <a:rPr lang="en-GB" sz="2700" b="1"/>
+              <a:rPr lang="en-US" sz="2700" b="1" dirty="0"/>
               <a:t>Exploring Optimal Machine Learning Models for Predicting Crop Yield at Township Level</a:t>
             </a:r>
-            <a:endParaRPr sz="2700">
+            <a:endParaRPr sz="2700" dirty="0">
               <a:solidFill>
                 <a:schemeClr val="lt2"/>
               </a:solidFill>
@@ -5313,7 +4129,7 @@
       </p:sp>
       <p:sp>
         <p:nvSpPr>
-          <p:cNvPr id="32" name="Google Shape;32;p1"/>
+          <p:cNvPr id="89" name="Google Shape;89;p14"/>
           <p:cNvSpPr txBox="1">
             <a:spLocks noGrp="1"/>
           </p:cNvSpPr>
@@ -5329,10 +4145,6 @@
           <a:prstGeom prst="rect">
             <a:avLst/>
           </a:prstGeom>
-          <a:noFill/>
-          <a:ln>
-            <a:noFill/>
-          </a:ln>
         </p:spPr>
         <p:txBody>
           <a:bodyPr spcFirstLastPara="1" wrap="square" lIns="91425" tIns="91425" rIns="91425" bIns="91425" anchor="t" anchorCtr="0">
@@ -5341,20 +4153,16 @@
           <a:lstStyle/>
           <a:p>
             <a:pPr marL="0" lvl="0" indent="0" algn="r" rtl="0">
-              <a:lnSpc>
-                <a:spcPct val="100000"/>
-              </a:lnSpc>
-              <a:spcBef>
-                <a:spcPts val="0"/>
-              </a:spcBef>
-              <a:spcAft>
-                <a:spcPts val="0"/>
-              </a:spcAft>
-              <a:buSzPts val="1200"/>
+              <a:spcBef>
+                <a:spcPts val="0"/>
+              </a:spcBef>
+              <a:spcAft>
+                <a:spcPts val="0"/>
+              </a:spcAft>
               <a:buNone/>
             </a:pPr>
             <a:fld id="{00000000-1234-1234-1234-123412341234}" type="slidenum">
-              <a:rPr lang="en-GB"/>
+              <a:rPr lang="en"/>
               <a:t>1</a:t>
             </a:fld>
             <a:endParaRPr/>
@@ -5363,16 +4171,29 @@
       </p:sp>
       <p:pic>
         <p:nvPicPr>
-          <p:cNvPr id="33" name="Google Shape;33;p1" descr="Logo&#10;&#10;Description automatically generated"/>
-          <p:cNvPicPr preferRelativeResize="0"/>
+          <p:cNvPr id="7" name="Picture 6" descr="Logo&#10;&#10;Description automatically generated">
+            <a:extLst>
+              <a:ext uri="{FF2B5EF4-FFF2-40B4-BE49-F238E27FC236}">
+                <a16:creationId xmlns:a16="http://schemas.microsoft.com/office/drawing/2014/main" id="{44FDCF87-C1DD-5C73-B8B4-7C6F345D2EBC}"/>
+              </a:ext>
+            </a:extLst>
+          </p:cNvPr>
+          <p:cNvPicPr>
+            <a:picLocks noChangeAspect="1"/>
+          </p:cNvPicPr>
           <p:nvPr/>
         </p:nvPicPr>
-        <p:blipFill rotWithShape="1">
+        <p:blipFill>
           <a:blip r:embed="rId3">
-            <a:alphaModFix/>
+            <a:extLst>
+              <a:ext uri="{837473B0-CC2E-450A-ABE3-18F120FF3D39}">
+                <a1611:picAttrSrcUrl xmlns:a1611="http://schemas.microsoft.com/office/drawing/2016/11/main" r:id="rId4"/>
+              </a:ext>
+            </a:extLst>
           </a:blip>
-          <a:srcRect/>
-          <a:stretch/>
+          <a:stretch>
+            <a:fillRect/>
+          </a:stretch>
         </p:blipFill>
         <p:spPr>
           <a:xfrm>
@@ -5389,6 +4210,20 @@
             <a:noFill/>
           </a:ln>
         </p:spPr>
+        <p:style>
+          <a:lnRef idx="2">
+            <a:schemeClr val="dk1"/>
+          </a:lnRef>
+          <a:fillRef idx="1">
+            <a:schemeClr val="lt1"/>
+          </a:fillRef>
+          <a:effectRef idx="0">
+            <a:schemeClr val="dk1"/>
+          </a:effectRef>
+          <a:fontRef idx="minor">
+            <a:schemeClr val="dk1"/>
+          </a:fontRef>
+        </p:style>
       </p:pic>
     </p:spTree>
   </p:cSld>
@@ -5404,14 +4239,16 @@
     <p:bg>
       <p:bgPr>
         <a:solidFill>
-          <a:srgbClr val="2A908B"/>
+          <a:schemeClr val="accent1">
+            <a:lumMod val="75000"/>
+          </a:schemeClr>
         </a:solidFill>
         <a:effectLst/>
       </p:bgPr>
     </p:bg>
     <p:spTree>
       <p:nvGrpSpPr>
-        <p:cNvPr id="1" name="Shape 37"/>
+        <p:cNvPr id="1" name="Shape 84"/>
         <p:cNvGrpSpPr/>
         <p:nvPr/>
       </p:nvGrpSpPr>
@@ -5425,7 +4262,7 @@
       </p:grpSpPr>
       <p:sp>
         <p:nvSpPr>
-          <p:cNvPr id="38" name="Google Shape;38;p2"/>
+          <p:cNvPr id="85" name="Google Shape;85;p14"/>
           <p:cNvSpPr txBox="1">
             <a:spLocks noGrp="1"/>
           </p:cNvSpPr>
@@ -5441,10 +4278,6 @@
           <a:prstGeom prst="rect">
             <a:avLst/>
           </a:prstGeom>
-          <a:noFill/>
-          <a:ln>
-            <a:noFill/>
-          </a:ln>
         </p:spPr>
         <p:txBody>
           <a:bodyPr spcFirstLastPara="1" wrap="square" lIns="91425" tIns="91425" rIns="91425" bIns="91425" anchor="b" anchorCtr="0">
@@ -5452,50 +4285,34 @@
           </a:bodyPr>
           <a:lstStyle/>
           <a:p>
-            <a:pPr marL="0" marR="0" lvl="0" indent="0" algn="l" rtl="0">
-              <a:lnSpc>
-                <a:spcPct val="100000"/>
-              </a:lnSpc>
-              <a:spcBef>
-                <a:spcPts val="0"/>
-              </a:spcBef>
-              <a:spcAft>
-                <a:spcPts val="0"/>
-              </a:spcAft>
-              <a:buClr>
-                <a:schemeClr val="accent1"/>
-              </a:buClr>
-              <a:buSzPts val="1800"/>
-              <a:buFont typeface="Quicksand"/>
+            <a:pPr marL="0" lvl="0" indent="0" algn="l" rtl="0">
+              <a:spcBef>
+                <a:spcPts val="0"/>
+              </a:spcBef>
+              <a:spcAft>
+                <a:spcPts val="0"/>
+              </a:spcAft>
               <a:buNone/>
             </a:pPr>
             <a:r>
-              <a:rPr lang="en-GB" sz="2000" b="1" i="0" u="none" strike="noStrike" cap="none">
+              <a:rPr lang="en" sz="2000" b="1" dirty="0">
                 <a:solidFill>
                   <a:schemeClr val="dk1"/>
                 </a:solidFill>
-                <a:latin typeface="Quicksand"/>
-                <a:ea typeface="Quicksand"/>
-                <a:cs typeface="Quicksand"/>
-                <a:sym typeface="Quicksand"/>
               </a:rPr>
               <a:t>TEAM MEMBERS: </a:t>
             </a:r>
-            <a:endParaRPr sz="2000" b="1" i="0" u="none" strike="noStrike" cap="none">
+            <a:endParaRPr sz="2000" b="1" dirty="0">
               <a:solidFill>
                 <a:schemeClr val="dk1"/>
               </a:solidFill>
-              <a:latin typeface="Quicksand"/>
-              <a:ea typeface="Quicksand"/>
-              <a:cs typeface="Quicksand"/>
-              <a:sym typeface="Quicksand"/>
             </a:endParaRPr>
           </a:p>
         </p:txBody>
       </p:sp>
       <p:sp>
         <p:nvSpPr>
-          <p:cNvPr id="39" name="Google Shape;39;p2"/>
+          <p:cNvPr id="87" name="Google Shape;87;p14"/>
           <p:cNvSpPr txBox="1">
             <a:spLocks noGrp="1"/>
           </p:cNvSpPr>
@@ -5511,10 +4328,6 @@
           <a:prstGeom prst="rect">
             <a:avLst/>
           </a:prstGeom>
-          <a:noFill/>
-          <a:ln>
-            <a:noFill/>
-          </a:ln>
         </p:spPr>
         <p:txBody>
           <a:bodyPr spcFirstLastPara="1" wrap="square" lIns="91425" tIns="91425" rIns="91425" bIns="91425" anchor="t" anchorCtr="0">
@@ -5523,115 +4336,91 @@
           <a:lstStyle/>
           <a:p>
             <a:pPr marL="0" lvl="0" indent="0" algn="l" rtl="0">
-              <a:lnSpc>
-                <a:spcPct val="100000"/>
-              </a:lnSpc>
               <a:spcBef>
                 <a:spcPts val="600"/>
               </a:spcBef>
               <a:spcAft>
                 <a:spcPts val="0"/>
               </a:spcAft>
-              <a:buSzPts val="2400"/>
               <a:buNone/>
             </a:pPr>
             <a:r>
-              <a:rPr lang="en-GB" sz="2200">
+              <a:rPr lang="en" sz="2200" dirty="0">
                 <a:solidFill>
                   <a:schemeClr val="lt2"/>
                 </a:solidFill>
               </a:rPr>
               <a:t>Mayukha Bheemavarapu</a:t>
             </a:r>
-            <a:endParaRPr/>
           </a:p>
           <a:p>
             <a:pPr marL="0" lvl="0" indent="0" algn="l" rtl="0">
-              <a:lnSpc>
-                <a:spcPct val="100000"/>
-              </a:lnSpc>
               <a:spcBef>
                 <a:spcPts val="600"/>
               </a:spcBef>
               <a:spcAft>
                 <a:spcPts val="0"/>
               </a:spcAft>
-              <a:buSzPts val="2400"/>
               <a:buNone/>
             </a:pPr>
             <a:r>
-              <a:rPr lang="en-GB" sz="2200">
+              <a:rPr lang="en" sz="2200" dirty="0">
                 <a:solidFill>
                   <a:schemeClr val="lt2"/>
                 </a:solidFill>
               </a:rPr>
               <a:t>Mehul Bhargava</a:t>
             </a:r>
-            <a:endParaRPr/>
           </a:p>
           <a:p>
             <a:pPr marL="0" lvl="0" indent="0" algn="l" rtl="0">
-              <a:lnSpc>
-                <a:spcPct val="100000"/>
-              </a:lnSpc>
               <a:spcBef>
                 <a:spcPts val="600"/>
               </a:spcBef>
               <a:spcAft>
                 <a:spcPts val="0"/>
               </a:spcAft>
-              <a:buSzPts val="2400"/>
               <a:buNone/>
             </a:pPr>
             <a:r>
-              <a:rPr lang="en-GB" sz="2200">
+              <a:rPr lang="en" sz="2200" dirty="0">
                 <a:solidFill>
                   <a:schemeClr val="lt2"/>
                 </a:solidFill>
               </a:rPr>
               <a:t>Navdeep Singh Saini</a:t>
             </a:r>
-            <a:endParaRPr/>
           </a:p>
           <a:p>
             <a:pPr marL="0" lvl="0" indent="0" algn="l" rtl="0">
-              <a:lnSpc>
-                <a:spcPct val="100000"/>
-              </a:lnSpc>
               <a:spcBef>
                 <a:spcPts val="600"/>
               </a:spcBef>
               <a:spcAft>
                 <a:spcPts val="0"/>
               </a:spcAft>
-              <a:buSzPts val="2400"/>
               <a:buNone/>
             </a:pPr>
             <a:r>
-              <a:rPr lang="en-GB" sz="2200">
+              <a:rPr lang="en" sz="2200" dirty="0">
                 <a:solidFill>
                   <a:schemeClr val="lt2"/>
                 </a:solidFill>
               </a:rPr>
               <a:t>Val Veeramani</a:t>
             </a:r>
-            <a:endParaRPr/>
           </a:p>
           <a:p>
             <a:pPr marL="0" lvl="0" indent="0" algn="l" rtl="0">
-              <a:lnSpc>
-                <a:spcPct val="100000"/>
-              </a:lnSpc>
               <a:spcBef>
                 <a:spcPts val="600"/>
               </a:spcBef>
               <a:spcAft>
                 <a:spcPts val="0"/>
               </a:spcAft>
-              <a:buSzPts val="2400"/>
               <a:buNone/>
             </a:pPr>
-            <a:endParaRPr sz="2200">
+            <a:endParaRPr sz="2200" dirty="0">
               <a:solidFill>
                 <a:schemeClr val="lt2"/>
               </a:solidFill>
@@ -5641,7 +4430,7 @@
       </p:sp>
       <p:sp>
         <p:nvSpPr>
-          <p:cNvPr id="40" name="Google Shape;40;p2"/>
+          <p:cNvPr id="89" name="Google Shape;89;p14"/>
           <p:cNvSpPr txBox="1">
             <a:spLocks noGrp="1"/>
           </p:cNvSpPr>
@@ -5657,10 +4446,6 @@
           <a:prstGeom prst="rect">
             <a:avLst/>
           </a:prstGeom>
-          <a:noFill/>
-          <a:ln>
-            <a:noFill/>
-          </a:ln>
         </p:spPr>
         <p:txBody>
           <a:bodyPr spcFirstLastPara="1" wrap="square" lIns="91425" tIns="91425" rIns="91425" bIns="91425" anchor="t" anchorCtr="0">
@@ -5669,20 +4454,16 @@
           <a:lstStyle/>
           <a:p>
             <a:pPr marL="0" lvl="0" indent="0" algn="r" rtl="0">
-              <a:lnSpc>
-                <a:spcPct val="100000"/>
-              </a:lnSpc>
-              <a:spcBef>
-                <a:spcPts val="0"/>
-              </a:spcBef>
-              <a:spcAft>
-                <a:spcPts val="0"/>
-              </a:spcAft>
-              <a:buSzPts val="1200"/>
+              <a:spcBef>
+                <a:spcPts val="0"/>
+              </a:spcBef>
+              <a:spcAft>
+                <a:spcPts val="0"/>
+              </a:spcAft>
               <a:buNone/>
             </a:pPr>
             <a:fld id="{00000000-1234-1234-1234-123412341234}" type="slidenum">
-              <a:rPr lang="en-GB"/>
+              <a:rPr lang="en"/>
               <a:t>2</a:t>
             </a:fld>
             <a:endParaRPr/>
@@ -5690,6 +4471,11 @@
         </p:txBody>
       </p:sp>
     </p:spTree>
+    <p:extLst>
+      <p:ext uri="{BB962C8B-B14F-4D97-AF65-F5344CB8AC3E}">
+        <p14:creationId xmlns:p14="http://schemas.microsoft.com/office/powerpoint/2010/main" val="1462038909"/>
+      </p:ext>
+    </p:extLst>
   </p:cSld>
   <p:clrMapOvr>
     <a:masterClrMapping/>
@@ -5754,7 +4540,7 @@
                   <a:srgbClr val="39C0BA"/>
                 </a:solidFill>
               </a:rPr>
-              <a:t>Project Introduction</a:t>
+              <a:t>Activities and Progress</a:t>
             </a:r>
             <a:endParaRPr sz="2800" b="1" dirty="0">
               <a:solidFill>
@@ -5778,10 +4564,10 @@
         </p:nvGrpSpPr>
         <p:grpSpPr>
           <a:xfrm>
-            <a:off x="2723843" y="935948"/>
-            <a:ext cx="4222911" cy="793398"/>
-            <a:chOff x="1954245" y="29441"/>
-            <a:chExt cx="4222911" cy="793398"/>
+            <a:off x="2749358" y="941852"/>
+            <a:ext cx="4222913" cy="774627"/>
+            <a:chOff x="1954243" y="29441"/>
+            <a:chExt cx="4222913" cy="774627"/>
           </a:xfrm>
         </p:grpSpPr>
         <p:sp>
@@ -5860,7 +4646,7 @@
           </p:nvSpPr>
           <p:spPr>
             <a:xfrm>
-              <a:off x="1954245" y="341810"/>
+              <a:off x="1954243" y="262159"/>
               <a:ext cx="4185097" cy="481029"/>
             </a:xfrm>
             <a:prstGeom prst="rect">
@@ -5887,10 +4673,81 @@
             </a:fontRef>
           </p:style>
           <p:txBody>
-            <a:bodyPr spcFirstLastPara="0" vert="horz" wrap="square" lIns="41910" tIns="20955" rIns="41910" bIns="20955" numCol="1" spcCol="1270" anchor="ctr" anchorCtr="0">
+            <a:bodyPr spcFirstLastPara="0" vert="horz" wrap="square" lIns="41910" tIns="20955" rIns="41910" bIns="20955" numCol="2" spcCol="1270" anchor="ctr" anchorCtr="0">
               <a:noAutofit/>
             </a:bodyPr>
             <a:lstStyle/>
+            <a:p>
+              <a:pPr marL="171450" lvl="1" indent="-171450" algn="l" defTabSz="488950">
+                <a:lnSpc>
+                  <a:spcPct val="90000"/>
+                </a:lnSpc>
+                <a:spcBef>
+                  <a:spcPct val="0"/>
+                </a:spcBef>
+                <a:spcAft>
+                  <a:spcPct val="15000"/>
+                </a:spcAft>
+                <a:buFont typeface="Arial" panose="020B0604020202020204" pitchFamily="34" charset="0"/>
+                <a:buChar char="•"/>
+              </a:pPr>
+              <a:r>
+                <a:rPr lang="en-GB" sz="1100" kern="1200" dirty="0"/>
+                <a:t>Dealing with anomalies</a:t>
+              </a:r>
+            </a:p>
+            <a:p>
+              <a:pPr marL="171450" lvl="1" indent="-171450" algn="l" defTabSz="488950">
+                <a:lnSpc>
+                  <a:spcPct val="90000"/>
+                </a:lnSpc>
+                <a:spcBef>
+                  <a:spcPct val="0"/>
+                </a:spcBef>
+                <a:spcAft>
+                  <a:spcPct val="15000"/>
+                </a:spcAft>
+                <a:buFont typeface="Arial" panose="020B0604020202020204" pitchFamily="34" charset="0"/>
+                <a:buChar char="•"/>
+              </a:pPr>
+              <a:r>
+                <a:rPr lang="en-GB" sz="1100" kern="1200" dirty="0"/>
+                <a:t>Standardizing column names</a:t>
+              </a:r>
+            </a:p>
+            <a:p>
+              <a:pPr marL="171450" lvl="1" indent="-171450" algn="l" defTabSz="488950">
+                <a:lnSpc>
+                  <a:spcPct val="90000"/>
+                </a:lnSpc>
+                <a:spcBef>
+                  <a:spcPct val="0"/>
+                </a:spcBef>
+                <a:spcAft>
+                  <a:spcPct val="15000"/>
+                </a:spcAft>
+                <a:buFont typeface="Arial" panose="020B0604020202020204" pitchFamily="34" charset="0"/>
+                <a:buChar char="•"/>
+              </a:pPr>
+              <a:r>
+                <a:rPr lang="en-GB" sz="1100" kern="1200" dirty="0"/>
+                <a:t>Merging Datasets and doing Transformations</a:t>
+              </a:r>
+            </a:p>
+            <a:p>
+              <a:pPr lvl="2" defTabSz="488950">
+                <a:lnSpc>
+                  <a:spcPct val="90000"/>
+                </a:lnSpc>
+                <a:spcBef>
+                  <a:spcPct val="0"/>
+                </a:spcBef>
+                <a:spcAft>
+                  <a:spcPct val="15000"/>
+                </a:spcAft>
+              </a:pPr>
+              <a:endParaRPr lang="en-GB" sz="1100" kern="1200" dirty="0"/>
+            </a:p>
             <a:p>
               <a:pPr marL="171450" lvl="2" indent="-171450" defTabSz="488950">
                 <a:lnSpc>
@@ -5907,7 +4764,7 @@
               </a:pPr>
               <a:r>
                 <a:rPr lang="en-GB" sz="1100" kern="1200" dirty="0"/>
-                <a:t>What are the factors most responsible for predicting the crop yield at the township level? </a:t>
+                <a:t>Finding correlations between variables</a:t>
               </a:r>
             </a:p>
             <a:p>
@@ -5926,11 +4783,11 @@
               </a:pPr>
               <a:r>
                 <a:rPr lang="en-GB" sz="1100" kern="1200" dirty="0"/>
-                <a:t>How does crop yield vary over time?</a:t>
+                <a:t>Formulating new questions</a:t>
               </a:r>
             </a:p>
             <a:p>
-              <a:pPr marL="171450" lvl="2" indent="-171450" defTabSz="488950">
+              <a:pPr lvl="2" defTabSz="488950">
                 <a:lnSpc>
                   <a:spcPct val="90000"/>
                 </a:lnSpc>
@@ -5940,24 +4797,6 @@
                 <a:spcAft>
                   <a:spcPct val="15000"/>
                 </a:spcAft>
-                <a:buFont typeface="Arial" panose="020B0604020202020204" pitchFamily="34" charset="0"/>
-                <a:buChar char="•"/>
-              </a:pPr>
-              <a:endParaRPr lang="en-GB" sz="1100" kern="1200" dirty="0"/>
-            </a:p>
-            <a:p>
-              <a:pPr marL="171450" lvl="2" indent="-171450" defTabSz="488950">
-                <a:lnSpc>
-                  <a:spcPct val="90000"/>
-                </a:lnSpc>
-                <a:spcBef>
-                  <a:spcPct val="0"/>
-                </a:spcBef>
-                <a:spcAft>
-                  <a:spcPct val="15000"/>
-                </a:spcAft>
-                <a:buFont typeface="Arial" panose="020B0604020202020204" pitchFamily="34" charset="0"/>
-                <a:buChar char="•"/>
               </a:pPr>
               <a:endParaRPr lang="en-GB" sz="1100" kern="1200" dirty="0"/>
             </a:p>
@@ -6090,7 +4929,7 @@
               </a:pPr>
               <a:r>
                 <a:rPr lang="en-GB" kern="1200" dirty="0"/>
-                <a:t>Research Questions</a:t>
+                <a:t>Data Wrangling and EDA</a:t>
               </a:r>
             </a:p>
           </p:txBody>
@@ -6110,10 +4949,10 @@
         </p:nvGrpSpPr>
         <p:grpSpPr>
           <a:xfrm>
-            <a:off x="2749358" y="1914675"/>
-            <a:ext cx="4222913" cy="831411"/>
-            <a:chOff x="1954243" y="27674"/>
-            <a:chExt cx="4222913" cy="831411"/>
+            <a:off x="2749360" y="1916442"/>
+            <a:ext cx="4222911" cy="774627"/>
+            <a:chOff x="1954245" y="29441"/>
+            <a:chExt cx="4222911" cy="774627"/>
           </a:xfrm>
         </p:grpSpPr>
         <p:sp>
@@ -6192,8 +5031,8 @@
           </p:nvSpPr>
           <p:spPr>
             <a:xfrm>
-              <a:off x="1954243" y="27674"/>
-              <a:ext cx="4185097" cy="831411"/>
+              <a:off x="1954245" y="107509"/>
+              <a:ext cx="4185097" cy="620842"/>
             </a:xfrm>
             <a:prstGeom prst="rect">
               <a:avLst/>
@@ -6219,7 +5058,7 @@
             </a:fontRef>
           </p:style>
           <p:txBody>
-            <a:bodyPr spcFirstLastPara="0" vert="horz" wrap="square" lIns="41910" tIns="20955" rIns="41910" bIns="20955" numCol="2" spcCol="1270" anchor="ctr" anchorCtr="0">
+            <a:bodyPr spcFirstLastPara="0" vert="horz" wrap="square" lIns="41910" tIns="20955" rIns="41910" bIns="20955" numCol="1" spcCol="1270" anchor="ctr" anchorCtr="0">
               <a:noAutofit/>
             </a:bodyPr>
             <a:lstStyle/>
@@ -6239,45 +5078,7 @@
               </a:pPr>
               <a:r>
                 <a:rPr lang="en-GB" sz="1100" kern="1200" dirty="0"/>
-                <a:t>Crop yield prediction models</a:t>
-              </a:r>
-            </a:p>
-            <a:p>
-              <a:pPr marL="171450" lvl="1" indent="-171450" algn="l" defTabSz="488950">
-                <a:lnSpc>
-                  <a:spcPct val="90000"/>
-                </a:lnSpc>
-                <a:spcBef>
-                  <a:spcPct val="0"/>
-                </a:spcBef>
-                <a:spcAft>
-                  <a:spcPct val="15000"/>
-                </a:spcAft>
-                <a:buFont typeface="Arial" panose="020B0604020202020204" pitchFamily="34" charset="0"/>
-                <a:buChar char="•"/>
-              </a:pPr>
-              <a:r>
-                <a:rPr lang="en-GB" sz="1100" kern="1200" dirty="0"/>
-                <a:t>Tabular data containing the predicted crop yield for the test year. </a:t>
-              </a:r>
-            </a:p>
-            <a:p>
-              <a:pPr marL="171450" lvl="1" indent="-171450" algn="l" defTabSz="488950">
-                <a:lnSpc>
-                  <a:spcPct val="90000"/>
-                </a:lnSpc>
-                <a:spcBef>
-                  <a:spcPct val="0"/>
-                </a:spcBef>
-                <a:spcAft>
-                  <a:spcPct val="15000"/>
-                </a:spcAft>
-                <a:buFont typeface="Arial" panose="020B0604020202020204" pitchFamily="34" charset="0"/>
-                <a:buChar char="•"/>
-              </a:pPr>
-              <a:r>
-                <a:rPr lang="en-GB" sz="1100" kern="1200" dirty="0"/>
-                <a:t>Model performance indicators generated using testing datasets.</a:t>
+                <a:t>Went through all of the research papers which are mainly based on Machine Learning and Statistical Modelling Techniques</a:t>
               </a:r>
             </a:p>
           </p:txBody>
@@ -6397,9 +5198,14 @@
             <a:p>
               <a:pPr lvl="0" algn="ctr"/>
               <a:r>
-                <a:rPr lang="en-GB" dirty="0"/>
-                <a:t>Expected Deliverables</a:t>
+                <a:rPr lang="en-GB" kern="1200" dirty="0">
+                  <a:solidFill>
+                    <a:srgbClr val="FFFFFF"/>
+                  </a:solidFill>
+                </a:rPr>
+                <a:t>Research Papers</a:t>
               </a:r>
+              <a:endParaRPr lang="en-GB" dirty="0"/>
             </a:p>
           </p:txBody>
         </p:sp>
@@ -6418,10 +5224,10 @@
         </p:nvGrpSpPr>
         <p:grpSpPr>
           <a:xfrm>
-            <a:off x="2730452" y="3873486"/>
-            <a:ext cx="4222911" cy="774627"/>
-            <a:chOff x="1954245" y="19781"/>
-            <a:chExt cx="4222911" cy="774627"/>
+            <a:off x="2713421" y="3865374"/>
+            <a:ext cx="4258850" cy="774627"/>
+            <a:chOff x="1918306" y="29441"/>
+            <a:chExt cx="4258850" cy="774627"/>
           </a:xfrm>
         </p:grpSpPr>
         <p:sp>
@@ -6438,7 +5244,7 @@
           </p:nvSpPr>
           <p:spPr>
             <a:xfrm rot="5400000">
-              <a:off x="3678387" y="-1704361"/>
+              <a:off x="3678387" y="-1694701"/>
               <a:ext cx="774627" cy="4222911"/>
             </a:xfrm>
             <a:prstGeom prst="round2SameRect">
@@ -6500,7 +5306,7 @@
           </p:nvSpPr>
           <p:spPr>
             <a:xfrm>
-              <a:off x="1992059" y="176239"/>
+              <a:off x="1918306" y="226709"/>
               <a:ext cx="4185097" cy="481029"/>
             </a:xfrm>
             <a:prstGeom prst="rect">
@@ -6546,12 +5352,12 @@
                 <a:buChar char="•"/>
               </a:pPr>
               <a:r>
-                <a:rPr lang="en-GB" sz="1100" kern="1200" dirty="0"/>
-                <a:t>Data Wrangling</a:t>
+                <a:rPr lang="en-GB" sz="1100" dirty="0"/>
+                <a:t>Only 4 datasets (3 predictors)</a:t>
               </a:r>
             </a:p>
             <a:p>
-              <a:pPr marL="171450" lvl="1" indent="-171450" defTabSz="488950">
+              <a:pPr marL="171450" lvl="1" indent="-171450" algn="l" defTabSz="488950">
                 <a:lnSpc>
                   <a:spcPct val="90000"/>
                 </a:lnSpc>
@@ -6566,45 +5372,7 @@
               </a:pPr>
               <a:r>
                 <a:rPr lang="en-GB" sz="1100" kern="1200" dirty="0"/>
-                <a:t>Feature Selection</a:t>
-              </a:r>
-            </a:p>
-            <a:p>
-              <a:pPr marL="171450" lvl="1" indent="-171450" defTabSz="488950">
-                <a:lnSpc>
-                  <a:spcPct val="90000"/>
-                </a:lnSpc>
-                <a:spcBef>
-                  <a:spcPct val="0"/>
-                </a:spcBef>
-                <a:spcAft>
-                  <a:spcPct val="15000"/>
-                </a:spcAft>
-                <a:buFont typeface="Arial" panose="020B0604020202020204" pitchFamily="34" charset="0"/>
-                <a:buChar char="•"/>
-              </a:pPr>
-              <a:r>
-                <a:rPr lang="en-GB" sz="1100" kern="1200" dirty="0"/>
-                <a:t>Modelling</a:t>
-              </a:r>
-            </a:p>
-            <a:p>
-              <a:pPr marL="171450" lvl="1" indent="-171450" defTabSz="488950">
-                <a:lnSpc>
-                  <a:spcPct val="90000"/>
-                </a:lnSpc>
-                <a:spcBef>
-                  <a:spcPct val="0"/>
-                </a:spcBef>
-                <a:spcAft>
-                  <a:spcPct val="15000"/>
-                </a:spcAft>
-                <a:buFont typeface="Arial" panose="020B0604020202020204" pitchFamily="34" charset="0"/>
-                <a:buChar char="•"/>
-              </a:pPr>
-              <a:r>
-                <a:rPr lang="en-GB" sz="1100" kern="1200" dirty="0"/>
-                <a:t>Resampling and Model Selection</a:t>
+                <a:t>Merging updated datasets</a:t>
               </a:r>
             </a:p>
           </p:txBody>
@@ -6725,7 +5493,7 @@
               <a:pPr lvl="0" algn="ctr"/>
               <a:r>
                 <a:rPr lang="en-GB" dirty="0"/>
-                <a:t>Workflow</a:t>
+                <a:t>Updated Dataset</a:t>
               </a:r>
             </a:p>
           </p:txBody>
@@ -6908,7 +5676,194 @@
               <a:pPr lvl="0" algn="ctr"/>
               <a:r>
                 <a:rPr lang="en-GB" dirty="0"/>
-                <a:t>Datasets </a:t>
+                <a:t>Client Meeting</a:t>
+              </a:r>
+            </a:p>
+          </p:txBody>
+        </p:sp>
+      </p:grpSp>
+      <p:grpSp>
+        <p:nvGrpSpPr>
+          <p:cNvPr id="30" name="Group 29">
+            <a:extLst>
+              <a:ext uri="{FF2B5EF4-FFF2-40B4-BE49-F238E27FC236}">
+                <a16:creationId xmlns:a16="http://schemas.microsoft.com/office/drawing/2014/main" id="{CB2D0A55-7526-4C4C-7494-9BF257E7FB4D}"/>
+              </a:ext>
+            </a:extLst>
+          </p:cNvPr>
+          <p:cNvGrpSpPr/>
+          <p:nvPr/>
+        </p:nvGrpSpPr>
+        <p:grpSpPr>
+          <a:xfrm>
+            <a:off x="2711544" y="2888090"/>
+            <a:ext cx="4241819" cy="774627"/>
+            <a:chOff x="2000660" y="1767330"/>
+            <a:chExt cx="4241819" cy="774627"/>
+          </a:xfrm>
+        </p:grpSpPr>
+        <p:sp>
+          <p:nvSpPr>
+            <p:cNvPr id="31" name="Round Same-side Corner of Rectangle 30">
+              <a:extLst>
+                <a:ext uri="{FF2B5EF4-FFF2-40B4-BE49-F238E27FC236}">
+                  <a16:creationId xmlns:a16="http://schemas.microsoft.com/office/drawing/2014/main" id="{8865291C-6209-9150-58EE-DF0685F8D8C7}"/>
+                </a:ext>
+              </a:extLst>
+            </p:cNvPr>
+            <p:cNvSpPr/>
+            <p:nvPr/>
+          </p:nvSpPr>
+          <p:spPr>
+            <a:xfrm rot="5400000">
+              <a:off x="3743710" y="43188"/>
+              <a:ext cx="774627" cy="4222911"/>
+            </a:xfrm>
+            <a:prstGeom prst="round2SameRect">
+              <a:avLst/>
+            </a:prstGeom>
+          </p:spPr>
+          <p:style>
+            <a:lnRef idx="2">
+              <a:schemeClr val="accent1">
+                <a:alpha val="90000"/>
+                <a:tint val="40000"/>
+                <a:hueOff val="0"/>
+                <a:satOff val="0"/>
+                <a:lumOff val="0"/>
+                <a:alphaOff val="0"/>
+              </a:schemeClr>
+            </a:lnRef>
+            <a:fillRef idx="1">
+              <a:schemeClr val="accent1">
+                <a:alpha val="90000"/>
+                <a:tint val="40000"/>
+                <a:hueOff val="0"/>
+                <a:satOff val="0"/>
+                <a:lumOff val="0"/>
+                <a:alphaOff val="0"/>
+              </a:schemeClr>
+            </a:fillRef>
+            <a:effectRef idx="0">
+              <a:schemeClr val="accent1">
+                <a:alpha val="90000"/>
+                <a:tint val="40000"/>
+                <a:hueOff val="0"/>
+                <a:satOff val="0"/>
+                <a:lumOff val="0"/>
+                <a:alphaOff val="0"/>
+              </a:schemeClr>
+            </a:effectRef>
+            <a:fontRef idx="minor">
+              <a:schemeClr val="dk1">
+                <a:hueOff val="0"/>
+                <a:satOff val="0"/>
+                <a:lumOff val="0"/>
+                <a:alphaOff val="0"/>
+              </a:schemeClr>
+            </a:fontRef>
+          </p:style>
+        </p:sp>
+        <p:sp>
+          <p:nvSpPr>
+            <p:cNvPr id="32" name="Round Same-side Corner of Rectangle 4">
+              <a:extLst>
+                <a:ext uri="{FF2B5EF4-FFF2-40B4-BE49-F238E27FC236}">
+                  <a16:creationId xmlns:a16="http://schemas.microsoft.com/office/drawing/2014/main" id="{8B50D167-450F-188A-F63B-FF02C6A955E0}"/>
+                </a:ext>
+              </a:extLst>
+            </p:cNvPr>
+            <p:cNvSpPr txBox="1"/>
+            <p:nvPr/>
+          </p:nvSpPr>
+          <p:spPr>
+            <a:xfrm>
+              <a:off x="2000660" y="1787269"/>
+              <a:ext cx="4185097" cy="698999"/>
+            </a:xfrm>
+            <a:prstGeom prst="rect">
+              <a:avLst/>
+            </a:prstGeom>
+          </p:spPr>
+          <p:style>
+            <a:lnRef idx="0">
+              <a:scrgbClr r="0" g="0" b="0"/>
+            </a:lnRef>
+            <a:fillRef idx="0">
+              <a:scrgbClr r="0" g="0" b="0"/>
+            </a:fillRef>
+            <a:effectRef idx="0">
+              <a:scrgbClr r="0" g="0" b="0"/>
+            </a:effectRef>
+            <a:fontRef idx="minor">
+              <a:schemeClr val="dk1">
+                <a:hueOff val="0"/>
+                <a:satOff val="0"/>
+                <a:lumOff val="0"/>
+                <a:alphaOff val="0"/>
+              </a:schemeClr>
+            </a:fontRef>
+          </p:style>
+          <p:txBody>
+            <a:bodyPr spcFirstLastPara="0" vert="horz" wrap="square" lIns="41910" tIns="20955" rIns="41910" bIns="20955" numCol="1" spcCol="1270" anchor="ctr" anchorCtr="0">
+              <a:noAutofit/>
+            </a:bodyPr>
+            <a:lstStyle/>
+            <a:p>
+              <a:pPr marL="171450" lvl="1" indent="-171450" algn="l" defTabSz="488950">
+                <a:lnSpc>
+                  <a:spcPct val="90000"/>
+                </a:lnSpc>
+                <a:spcBef>
+                  <a:spcPct val="0"/>
+                </a:spcBef>
+                <a:spcAft>
+                  <a:spcPct val="15000"/>
+                </a:spcAft>
+                <a:buFont typeface="Arial" panose="020B0604020202020204" pitchFamily="34" charset="0"/>
+                <a:buChar char="•"/>
+              </a:pPr>
+              <a:r>
+                <a:rPr lang="en-GB" sz="1100" kern="1200" dirty="0"/>
+                <a:t>Getting our questions answered</a:t>
+              </a:r>
+            </a:p>
+            <a:p>
+              <a:pPr marL="171450" lvl="1" indent="-171450" algn="l" defTabSz="488950">
+                <a:lnSpc>
+                  <a:spcPct val="90000"/>
+                </a:lnSpc>
+                <a:spcBef>
+                  <a:spcPct val="0"/>
+                </a:spcBef>
+                <a:spcAft>
+                  <a:spcPct val="15000"/>
+                </a:spcAft>
+                <a:buFont typeface="Arial" panose="020B0604020202020204" pitchFamily="34" charset="0"/>
+                <a:buChar char="•"/>
+              </a:pPr>
+              <a:r>
+                <a:rPr lang="en-GB" sz="1100" kern="1200" dirty="0"/>
+                <a:t>Newer simplified dataset provided by the partner</a:t>
+              </a:r>
+            </a:p>
+            <a:p>
+              <a:pPr marL="171450" lvl="1" indent="-171450" algn="l" defTabSz="488950">
+                <a:lnSpc>
+                  <a:spcPct val="90000"/>
+                </a:lnSpc>
+                <a:spcBef>
+                  <a:spcPct val="0"/>
+                </a:spcBef>
+                <a:spcAft>
+                  <a:spcPct val="15000"/>
+                </a:spcAft>
+                <a:buFont typeface="Arial" panose="020B0604020202020204" pitchFamily="34" charset="0"/>
+                <a:buChar char="•"/>
+              </a:pPr>
+              <a:r>
+                <a:rPr lang="en-GB" sz="1100" kern="1200" dirty="0"/>
+                <a:t>Put forward new plan for client meetings &amp; communication</a:t>
               </a:r>
             </a:p>
           </p:txBody>
@@ -6916,10 +5871,694 @@
       </p:grpSp>
       <p:sp>
         <p:nvSpPr>
-          <p:cNvPr id="31" name="Round Same-side Corner of Rectangle 30">
+          <p:cNvPr id="34" name="Google Shape;110;p17">
             <a:extLst>
               <a:ext uri="{FF2B5EF4-FFF2-40B4-BE49-F238E27FC236}">
-                <a16:creationId xmlns:a16="http://schemas.microsoft.com/office/drawing/2014/main" id="{8865291C-6209-9150-58EE-DF0685F8D8C7}"/>
+                <a16:creationId xmlns:a16="http://schemas.microsoft.com/office/drawing/2014/main" id="{841FDE4C-0AD3-BFEB-E637-CA9923ED83BF}"/>
+              </a:ext>
+            </a:extLst>
+          </p:cNvPr>
+          <p:cNvSpPr txBox="1">
+            <a:spLocks noGrp="1"/>
+          </p:cNvSpPr>
+          <p:nvPr>
+            <p:ph type="sldNum" idx="12"/>
+          </p:nvPr>
+        </p:nvSpPr>
+        <p:spPr>
+          <a:xfrm>
+            <a:off x="8523157" y="4752131"/>
+            <a:ext cx="548700" cy="315300"/>
+          </a:xfrm>
+          <a:prstGeom prst="rect">
+            <a:avLst/>
+          </a:prstGeom>
+        </p:spPr>
+        <p:txBody>
+          <a:bodyPr spcFirstLastPara="1" wrap="square" lIns="91425" tIns="91425" rIns="91425" bIns="91425" anchor="t" anchorCtr="0">
+            <a:noAutofit/>
+          </a:bodyPr>
+          <a:lstStyle/>
+          <a:p>
+            <a:pPr marL="0" lvl="0" indent="0" algn="r" rtl="0">
+              <a:spcBef>
+                <a:spcPts val="0"/>
+              </a:spcBef>
+              <a:spcAft>
+                <a:spcPts val="0"/>
+              </a:spcAft>
+              <a:buNone/>
+            </a:pPr>
+            <a:fld id="{00000000-1234-1234-1234-123412341234}" type="slidenum">
+              <a:rPr lang="en"/>
+              <a:t>3</a:t>
+            </a:fld>
+            <a:endParaRPr dirty="0"/>
+          </a:p>
+        </p:txBody>
+      </p:sp>
+    </p:spTree>
+    <p:extLst>
+      <p:ext uri="{BB962C8B-B14F-4D97-AF65-F5344CB8AC3E}">
+        <p14:creationId xmlns:p14="http://schemas.microsoft.com/office/powerpoint/2010/main" val="1398996585"/>
+      </p:ext>
+    </p:extLst>
+  </p:cSld>
+  <p:clrMapOvr>
+    <a:masterClrMapping/>
+  </p:clrMapOvr>
+</p:sld>
+</file>
+
+<file path=ppt/slides/slide4.xml><?xml version="1.0" encoding="utf-8"?>
+<p:sld xmlns:a="http://schemas.openxmlformats.org/drawingml/2006/main" xmlns:r="http://schemas.openxmlformats.org/officeDocument/2006/relationships" xmlns:p="http://schemas.openxmlformats.org/presentationml/2006/main">
+  <p:cSld>
+    <p:spTree>
+      <p:nvGrpSpPr>
+        <p:cNvPr id="1" name="Shape 107"/>
+        <p:cNvGrpSpPr/>
+        <p:nvPr/>
+      </p:nvGrpSpPr>
+      <p:grpSpPr>
+        <a:xfrm>
+          <a:off x="0" y="0"/>
+          <a:ext cx="0" cy="0"/>
+          <a:chOff x="0" y="0"/>
+          <a:chExt cx="0" cy="0"/>
+        </a:xfrm>
+      </p:grpSpPr>
+      <p:sp>
+        <p:nvSpPr>
+          <p:cNvPr id="108" name="Google Shape;108;p17"/>
+          <p:cNvSpPr txBox="1">
+            <a:spLocks noGrp="1"/>
+          </p:cNvSpPr>
+          <p:nvPr>
+            <p:ph type="title"/>
+          </p:nvPr>
+        </p:nvSpPr>
+        <p:spPr>
+          <a:xfrm>
+            <a:off x="1165475" y="549649"/>
+            <a:ext cx="6858000" cy="345000"/>
+          </a:xfrm>
+          <a:prstGeom prst="rect">
+            <a:avLst/>
+          </a:prstGeom>
+        </p:spPr>
+        <p:txBody>
+          <a:bodyPr spcFirstLastPara="1" wrap="square" lIns="91425" tIns="91425" rIns="91425" bIns="91425" anchor="b" anchorCtr="0">
+            <a:noAutofit/>
+          </a:bodyPr>
+          <a:lstStyle/>
+          <a:p>
+            <a:pPr marL="0" lvl="0" indent="0" algn="l" rtl="0">
+              <a:spcBef>
+                <a:spcPts val="0"/>
+              </a:spcBef>
+              <a:spcAft>
+                <a:spcPts val="0"/>
+              </a:spcAft>
+              <a:buNone/>
+            </a:pPr>
+            <a:r>
+              <a:rPr lang="en" sz="2800" b="1" dirty="0">
+                <a:solidFill>
+                  <a:srgbClr val="39C0BA"/>
+                </a:solidFill>
+              </a:rPr>
+              <a:t>Roadblocks</a:t>
+            </a:r>
+            <a:endParaRPr sz="2800" b="1" dirty="0">
+              <a:solidFill>
+                <a:srgbClr val="39C0BA"/>
+              </a:solidFill>
+            </a:endParaRPr>
+          </a:p>
+        </p:txBody>
+      </p:sp>
+      <p:grpSp>
+        <p:nvGrpSpPr>
+          <p:cNvPr id="6" name="Group 5">
+            <a:extLst>
+              <a:ext uri="{FF2B5EF4-FFF2-40B4-BE49-F238E27FC236}">
+                <a16:creationId xmlns:a16="http://schemas.microsoft.com/office/drawing/2014/main" id="{053E8B9B-2131-D81D-8EC7-3706BD98DAB5}"/>
+              </a:ext>
+            </a:extLst>
+          </p:cNvPr>
+          <p:cNvGrpSpPr/>
+          <p:nvPr/>
+        </p:nvGrpSpPr>
+        <p:grpSpPr>
+          <a:xfrm>
+            <a:off x="2723843" y="1374295"/>
+            <a:ext cx="4248428" cy="774627"/>
+            <a:chOff x="1928728" y="29441"/>
+            <a:chExt cx="4248428" cy="774627"/>
+          </a:xfrm>
+        </p:grpSpPr>
+        <p:sp>
+          <p:nvSpPr>
+            <p:cNvPr id="10" name="Round Same-side Corner of Rectangle 9">
+              <a:extLst>
+                <a:ext uri="{FF2B5EF4-FFF2-40B4-BE49-F238E27FC236}">
+                  <a16:creationId xmlns:a16="http://schemas.microsoft.com/office/drawing/2014/main" id="{5F66F16D-368B-99B1-DB06-D120AD26F555}"/>
+                </a:ext>
+              </a:extLst>
+            </p:cNvPr>
+            <p:cNvSpPr/>
+            <p:nvPr/>
+          </p:nvSpPr>
+          <p:spPr>
+            <a:xfrm rot="5400000">
+              <a:off x="3678387" y="-1694701"/>
+              <a:ext cx="774627" cy="4222911"/>
+            </a:xfrm>
+            <a:prstGeom prst="round2SameRect">
+              <a:avLst/>
+            </a:prstGeom>
+          </p:spPr>
+          <p:style>
+            <a:lnRef idx="2">
+              <a:schemeClr val="accent1">
+                <a:alpha val="90000"/>
+                <a:tint val="40000"/>
+                <a:hueOff val="0"/>
+                <a:satOff val="0"/>
+                <a:lumOff val="0"/>
+                <a:alphaOff val="0"/>
+              </a:schemeClr>
+            </a:lnRef>
+            <a:fillRef idx="1">
+              <a:schemeClr val="accent1">
+                <a:alpha val="90000"/>
+                <a:tint val="40000"/>
+                <a:hueOff val="0"/>
+                <a:satOff val="0"/>
+                <a:lumOff val="0"/>
+                <a:alphaOff val="0"/>
+              </a:schemeClr>
+            </a:fillRef>
+            <a:effectRef idx="0">
+              <a:schemeClr val="accent1">
+                <a:alpha val="90000"/>
+                <a:tint val="40000"/>
+                <a:hueOff val="0"/>
+                <a:satOff val="0"/>
+                <a:lumOff val="0"/>
+                <a:alphaOff val="0"/>
+              </a:schemeClr>
+            </a:effectRef>
+            <a:fontRef idx="minor">
+              <a:schemeClr val="dk1">
+                <a:hueOff val="0"/>
+                <a:satOff val="0"/>
+                <a:lumOff val="0"/>
+                <a:alphaOff val="0"/>
+              </a:schemeClr>
+            </a:fontRef>
+          </p:style>
+        </p:sp>
+        <p:sp>
+          <p:nvSpPr>
+            <p:cNvPr id="11" name="Round Same-side Corner of Rectangle 4">
+              <a:extLst>
+                <a:ext uri="{FF2B5EF4-FFF2-40B4-BE49-F238E27FC236}">
+                  <a16:creationId xmlns:a16="http://schemas.microsoft.com/office/drawing/2014/main" id="{6F0EB2A1-84FB-287B-5FD6-5C07C30BA522}"/>
+                </a:ext>
+              </a:extLst>
+            </p:cNvPr>
+            <p:cNvSpPr txBox="1"/>
+            <p:nvPr/>
+          </p:nvSpPr>
+          <p:spPr>
+            <a:xfrm>
+              <a:off x="1928728" y="120383"/>
+              <a:ext cx="4185097" cy="481029"/>
+            </a:xfrm>
+            <a:prstGeom prst="rect">
+              <a:avLst/>
+            </a:prstGeom>
+          </p:spPr>
+          <p:style>
+            <a:lnRef idx="0">
+              <a:scrgbClr r="0" g="0" b="0"/>
+            </a:lnRef>
+            <a:fillRef idx="0">
+              <a:scrgbClr r="0" g="0" b="0"/>
+            </a:fillRef>
+            <a:effectRef idx="0">
+              <a:scrgbClr r="0" g="0" b="0"/>
+            </a:effectRef>
+            <a:fontRef idx="minor">
+              <a:schemeClr val="dk1">
+                <a:hueOff val="0"/>
+                <a:satOff val="0"/>
+                <a:lumOff val="0"/>
+                <a:alphaOff val="0"/>
+              </a:schemeClr>
+            </a:fontRef>
+          </p:style>
+          <p:txBody>
+            <a:bodyPr spcFirstLastPara="0" vert="horz" wrap="square" lIns="41910" tIns="20955" rIns="41910" bIns="20955" numCol="1" spcCol="1270" anchor="ctr" anchorCtr="0">
+              <a:noAutofit/>
+            </a:bodyPr>
+            <a:lstStyle/>
+            <a:p>
+              <a:pPr marL="171450" lvl="1" indent="-171450" algn="l" defTabSz="488950">
+                <a:lnSpc>
+                  <a:spcPct val="90000"/>
+                </a:lnSpc>
+                <a:spcBef>
+                  <a:spcPct val="0"/>
+                </a:spcBef>
+                <a:spcAft>
+                  <a:spcPct val="15000"/>
+                </a:spcAft>
+                <a:buFont typeface="Arial" panose="020B0604020202020204" pitchFamily="34" charset="0"/>
+                <a:buChar char="•"/>
+              </a:pPr>
+              <a:r>
+                <a:rPr lang="en-GB" sz="1100" kern="1200" dirty="0"/>
+                <a:t>One of the 4 datasets presents a tough challenge to merge due to the way it is laid out</a:t>
+              </a:r>
+            </a:p>
+          </p:txBody>
+        </p:sp>
+      </p:grpSp>
+      <p:grpSp>
+        <p:nvGrpSpPr>
+          <p:cNvPr id="7" name="Group 6">
+            <a:extLst>
+              <a:ext uri="{FF2B5EF4-FFF2-40B4-BE49-F238E27FC236}">
+                <a16:creationId xmlns:a16="http://schemas.microsoft.com/office/drawing/2014/main" id="{62349051-6BEC-A0F9-88AC-0D7371FF94BE}"/>
+              </a:ext>
+            </a:extLst>
+          </p:cNvPr>
+          <p:cNvGrpSpPr/>
+          <p:nvPr/>
+        </p:nvGrpSpPr>
+        <p:grpSpPr>
+          <a:xfrm>
+            <a:off x="1165475" y="1327092"/>
+            <a:ext cx="1526702" cy="853821"/>
+            <a:chOff x="988" y="1800"/>
+            <a:chExt cx="1953257" cy="829906"/>
+          </a:xfrm>
+        </p:grpSpPr>
+        <p:sp>
+          <p:nvSpPr>
+            <p:cNvPr id="8" name="Rounded Rectangle 7">
+              <a:extLst>
+                <a:ext uri="{FF2B5EF4-FFF2-40B4-BE49-F238E27FC236}">
+                  <a16:creationId xmlns:a16="http://schemas.microsoft.com/office/drawing/2014/main" id="{6C61E3B4-E113-F7CB-FF4C-8401589DD92F}"/>
+                </a:ext>
+              </a:extLst>
+            </p:cNvPr>
+            <p:cNvSpPr/>
+            <p:nvPr/>
+          </p:nvSpPr>
+          <p:spPr>
+            <a:xfrm>
+              <a:off x="988" y="1800"/>
+              <a:ext cx="1953257" cy="829906"/>
+            </a:xfrm>
+            <a:prstGeom prst="roundRect">
+              <a:avLst/>
+            </a:prstGeom>
+          </p:spPr>
+          <p:style>
+            <a:lnRef idx="2">
+              <a:schemeClr val="lt1">
+                <a:hueOff val="0"/>
+                <a:satOff val="0"/>
+                <a:lumOff val="0"/>
+                <a:alphaOff val="0"/>
+              </a:schemeClr>
+            </a:lnRef>
+            <a:fillRef idx="1">
+              <a:schemeClr val="accent1">
+                <a:hueOff val="0"/>
+                <a:satOff val="0"/>
+                <a:lumOff val="0"/>
+                <a:alphaOff val="0"/>
+              </a:schemeClr>
+            </a:fillRef>
+            <a:effectRef idx="0">
+              <a:schemeClr val="accent1">
+                <a:hueOff val="0"/>
+                <a:satOff val="0"/>
+                <a:lumOff val="0"/>
+                <a:alphaOff val="0"/>
+              </a:schemeClr>
+            </a:effectRef>
+            <a:fontRef idx="minor">
+              <a:schemeClr val="lt1"/>
+            </a:fontRef>
+          </p:style>
+        </p:sp>
+        <p:sp>
+          <p:nvSpPr>
+            <p:cNvPr id="9" name="Rounded Rectangle 6">
+              <a:extLst>
+                <a:ext uri="{FF2B5EF4-FFF2-40B4-BE49-F238E27FC236}">
+                  <a16:creationId xmlns:a16="http://schemas.microsoft.com/office/drawing/2014/main" id="{3881BECA-5422-40CE-E0DF-4BDBE91D39A8}"/>
+                </a:ext>
+              </a:extLst>
+            </p:cNvPr>
+            <p:cNvSpPr txBox="1"/>
+            <p:nvPr/>
+          </p:nvSpPr>
+          <p:spPr>
+            <a:xfrm>
+              <a:off x="41501" y="42313"/>
+              <a:ext cx="1872231" cy="748880"/>
+            </a:xfrm>
+            <a:prstGeom prst="rect">
+              <a:avLst/>
+            </a:prstGeom>
+          </p:spPr>
+          <p:style>
+            <a:lnRef idx="0">
+              <a:scrgbClr r="0" g="0" b="0"/>
+            </a:lnRef>
+            <a:fillRef idx="0">
+              <a:scrgbClr r="0" g="0" b="0"/>
+            </a:fillRef>
+            <a:effectRef idx="0">
+              <a:scrgbClr r="0" g="0" b="0"/>
+            </a:effectRef>
+            <a:fontRef idx="minor">
+              <a:schemeClr val="lt1"/>
+            </a:fontRef>
+          </p:style>
+          <p:txBody>
+            <a:bodyPr spcFirstLastPara="0" vert="horz" wrap="square" lIns="76200" tIns="38100" rIns="76200" bIns="38100" numCol="1" spcCol="1270" anchor="ctr" anchorCtr="0">
+              <a:noAutofit/>
+            </a:bodyPr>
+            <a:lstStyle/>
+            <a:p>
+              <a:pPr marL="0" lvl="0" indent="0" algn="ctr" defTabSz="889000">
+                <a:lnSpc>
+                  <a:spcPct val="90000"/>
+                </a:lnSpc>
+                <a:spcBef>
+                  <a:spcPct val="0"/>
+                </a:spcBef>
+                <a:spcAft>
+                  <a:spcPct val="35000"/>
+                </a:spcAft>
+                <a:buNone/>
+              </a:pPr>
+              <a:r>
+                <a:rPr lang="en-GB" kern="1200" dirty="0"/>
+                <a:t>Merging datasets</a:t>
+              </a:r>
+            </a:p>
+          </p:txBody>
+        </p:sp>
+      </p:grpSp>
+      <p:grpSp>
+        <p:nvGrpSpPr>
+          <p:cNvPr id="12" name="Group 11">
+            <a:extLst>
+              <a:ext uri="{FF2B5EF4-FFF2-40B4-BE49-F238E27FC236}">
+                <a16:creationId xmlns:a16="http://schemas.microsoft.com/office/drawing/2014/main" id="{32A5B06D-4277-225B-0FEA-8D3498AA41FB}"/>
+              </a:ext>
+            </a:extLst>
+          </p:cNvPr>
+          <p:cNvGrpSpPr/>
+          <p:nvPr/>
+        </p:nvGrpSpPr>
+        <p:grpSpPr>
+          <a:xfrm>
+            <a:off x="2749360" y="2348885"/>
+            <a:ext cx="4222911" cy="774627"/>
+            <a:chOff x="1954245" y="29441"/>
+            <a:chExt cx="4222911" cy="774627"/>
+          </a:xfrm>
+        </p:grpSpPr>
+        <p:sp>
+          <p:nvSpPr>
+            <p:cNvPr id="13" name="Round Same-side Corner of Rectangle 12">
+              <a:extLst>
+                <a:ext uri="{FF2B5EF4-FFF2-40B4-BE49-F238E27FC236}">
+                  <a16:creationId xmlns:a16="http://schemas.microsoft.com/office/drawing/2014/main" id="{BA1EC5F6-6B6F-28D2-C2A2-BE37AC734CA5}"/>
+                </a:ext>
+              </a:extLst>
+            </p:cNvPr>
+            <p:cNvSpPr/>
+            <p:nvPr/>
+          </p:nvSpPr>
+          <p:spPr>
+            <a:xfrm rot="5400000">
+              <a:off x="3678387" y="-1694701"/>
+              <a:ext cx="774627" cy="4222911"/>
+            </a:xfrm>
+            <a:prstGeom prst="round2SameRect">
+              <a:avLst/>
+            </a:prstGeom>
+          </p:spPr>
+          <p:style>
+            <a:lnRef idx="2">
+              <a:schemeClr val="accent1">
+                <a:alpha val="90000"/>
+                <a:tint val="40000"/>
+                <a:hueOff val="0"/>
+                <a:satOff val="0"/>
+                <a:lumOff val="0"/>
+                <a:alphaOff val="0"/>
+              </a:schemeClr>
+            </a:lnRef>
+            <a:fillRef idx="1">
+              <a:schemeClr val="accent1">
+                <a:alpha val="90000"/>
+                <a:tint val="40000"/>
+                <a:hueOff val="0"/>
+                <a:satOff val="0"/>
+                <a:lumOff val="0"/>
+                <a:alphaOff val="0"/>
+              </a:schemeClr>
+            </a:fillRef>
+            <a:effectRef idx="0">
+              <a:schemeClr val="accent1">
+                <a:alpha val="90000"/>
+                <a:tint val="40000"/>
+                <a:hueOff val="0"/>
+                <a:satOff val="0"/>
+                <a:lumOff val="0"/>
+                <a:alphaOff val="0"/>
+              </a:schemeClr>
+            </a:effectRef>
+            <a:fontRef idx="minor">
+              <a:schemeClr val="dk1">
+                <a:hueOff val="0"/>
+                <a:satOff val="0"/>
+                <a:lumOff val="0"/>
+                <a:alphaOff val="0"/>
+              </a:schemeClr>
+            </a:fontRef>
+          </p:style>
+        </p:sp>
+        <p:sp>
+          <p:nvSpPr>
+            <p:cNvPr id="14" name="Round Same-side Corner of Rectangle 4">
+              <a:extLst>
+                <a:ext uri="{FF2B5EF4-FFF2-40B4-BE49-F238E27FC236}">
+                  <a16:creationId xmlns:a16="http://schemas.microsoft.com/office/drawing/2014/main" id="{879B9913-D287-FE49-267B-13A671570345}"/>
+                </a:ext>
+              </a:extLst>
+            </p:cNvPr>
+            <p:cNvSpPr txBox="1"/>
+            <p:nvPr/>
+          </p:nvSpPr>
+          <p:spPr>
+            <a:xfrm>
+              <a:off x="1954245" y="107509"/>
+              <a:ext cx="4185097" cy="620842"/>
+            </a:xfrm>
+            <a:prstGeom prst="rect">
+              <a:avLst/>
+            </a:prstGeom>
+          </p:spPr>
+          <p:style>
+            <a:lnRef idx="0">
+              <a:scrgbClr r="0" g="0" b="0"/>
+            </a:lnRef>
+            <a:fillRef idx="0">
+              <a:scrgbClr r="0" g="0" b="0"/>
+            </a:fillRef>
+            <a:effectRef idx="0">
+              <a:scrgbClr r="0" g="0" b="0"/>
+            </a:effectRef>
+            <a:fontRef idx="minor">
+              <a:schemeClr val="dk1">
+                <a:hueOff val="0"/>
+                <a:satOff val="0"/>
+                <a:lumOff val="0"/>
+                <a:alphaOff val="0"/>
+              </a:schemeClr>
+            </a:fontRef>
+          </p:style>
+          <p:txBody>
+            <a:bodyPr spcFirstLastPara="0" vert="horz" wrap="square" lIns="41910" tIns="20955" rIns="41910" bIns="20955" numCol="1" spcCol="1270" anchor="ctr" anchorCtr="0">
+              <a:noAutofit/>
+            </a:bodyPr>
+            <a:lstStyle/>
+            <a:p>
+              <a:pPr marL="171450" lvl="1" indent="-171450" algn="l" defTabSz="488950">
+                <a:lnSpc>
+                  <a:spcPct val="90000"/>
+                </a:lnSpc>
+                <a:spcBef>
+                  <a:spcPct val="0"/>
+                </a:spcBef>
+                <a:spcAft>
+                  <a:spcPct val="15000"/>
+                </a:spcAft>
+                <a:buFont typeface="Arial" panose="020B0604020202020204" pitchFamily="34" charset="0"/>
+                <a:buChar char="•"/>
+              </a:pPr>
+              <a:r>
+                <a:rPr lang="en-GB" sz="1100" kern="1200" dirty="0"/>
+                <a:t>We haven’t encountered this yet during initial data wrangling, but it might be a possibility while performing ML modelling</a:t>
+              </a:r>
+            </a:p>
+          </p:txBody>
+        </p:sp>
+      </p:grpSp>
+      <p:grpSp>
+        <p:nvGrpSpPr>
+          <p:cNvPr id="15" name="Group 14">
+            <a:extLst>
+              <a:ext uri="{FF2B5EF4-FFF2-40B4-BE49-F238E27FC236}">
+                <a16:creationId xmlns:a16="http://schemas.microsoft.com/office/drawing/2014/main" id="{BD20C0AB-8F9B-731C-B273-92CD412FA292}"/>
+              </a:ext>
+            </a:extLst>
+          </p:cNvPr>
+          <p:cNvGrpSpPr/>
+          <p:nvPr/>
+        </p:nvGrpSpPr>
+        <p:grpSpPr>
+          <a:xfrm>
+            <a:off x="1165475" y="2305438"/>
+            <a:ext cx="1526702" cy="853821"/>
+            <a:chOff x="988" y="1800"/>
+            <a:chExt cx="1953257" cy="829906"/>
+          </a:xfrm>
+        </p:grpSpPr>
+        <p:sp>
+          <p:nvSpPr>
+            <p:cNvPr id="16" name="Rounded Rectangle 15">
+              <a:extLst>
+                <a:ext uri="{FF2B5EF4-FFF2-40B4-BE49-F238E27FC236}">
+                  <a16:creationId xmlns:a16="http://schemas.microsoft.com/office/drawing/2014/main" id="{383199E2-9741-8F3B-3C6A-B5B406799FAA}"/>
+                </a:ext>
+              </a:extLst>
+            </p:cNvPr>
+            <p:cNvSpPr/>
+            <p:nvPr/>
+          </p:nvSpPr>
+          <p:spPr>
+            <a:xfrm>
+              <a:off x="988" y="1800"/>
+              <a:ext cx="1953257" cy="829906"/>
+            </a:xfrm>
+            <a:prstGeom prst="roundRect">
+              <a:avLst/>
+            </a:prstGeom>
+          </p:spPr>
+          <p:style>
+            <a:lnRef idx="2">
+              <a:schemeClr val="lt1">
+                <a:hueOff val="0"/>
+                <a:satOff val="0"/>
+                <a:lumOff val="0"/>
+                <a:alphaOff val="0"/>
+              </a:schemeClr>
+            </a:lnRef>
+            <a:fillRef idx="1">
+              <a:schemeClr val="accent1">
+                <a:hueOff val="0"/>
+                <a:satOff val="0"/>
+                <a:lumOff val="0"/>
+                <a:alphaOff val="0"/>
+              </a:schemeClr>
+            </a:fillRef>
+            <a:effectRef idx="0">
+              <a:schemeClr val="accent1">
+                <a:hueOff val="0"/>
+                <a:satOff val="0"/>
+                <a:lumOff val="0"/>
+                <a:alphaOff val="0"/>
+              </a:schemeClr>
+            </a:effectRef>
+            <a:fontRef idx="minor">
+              <a:schemeClr val="lt1"/>
+            </a:fontRef>
+          </p:style>
+        </p:sp>
+        <p:sp>
+          <p:nvSpPr>
+            <p:cNvPr id="17" name="Rounded Rectangle 6">
+              <a:extLst>
+                <a:ext uri="{FF2B5EF4-FFF2-40B4-BE49-F238E27FC236}">
+                  <a16:creationId xmlns:a16="http://schemas.microsoft.com/office/drawing/2014/main" id="{1EDD5520-5705-5D90-5D84-3BEF65EC406A}"/>
+                </a:ext>
+              </a:extLst>
+            </p:cNvPr>
+            <p:cNvSpPr txBox="1"/>
+            <p:nvPr/>
+          </p:nvSpPr>
+          <p:spPr>
+            <a:xfrm>
+              <a:off x="41501" y="42313"/>
+              <a:ext cx="1872231" cy="748880"/>
+            </a:xfrm>
+            <a:prstGeom prst="rect">
+              <a:avLst/>
+            </a:prstGeom>
+          </p:spPr>
+          <p:style>
+            <a:lnRef idx="0">
+              <a:scrgbClr r="0" g="0" b="0"/>
+            </a:lnRef>
+            <a:fillRef idx="0">
+              <a:scrgbClr r="0" g="0" b="0"/>
+            </a:fillRef>
+            <a:effectRef idx="0">
+              <a:scrgbClr r="0" g="0" b="0"/>
+            </a:effectRef>
+            <a:fontRef idx="minor">
+              <a:schemeClr val="lt1"/>
+            </a:fontRef>
+          </p:style>
+          <p:txBody>
+            <a:bodyPr spcFirstLastPara="0" vert="horz" wrap="square" lIns="76200" tIns="38100" rIns="76200" bIns="38100" numCol="1" spcCol="1270" anchor="ctr" anchorCtr="0">
+              <a:noAutofit/>
+            </a:bodyPr>
+            <a:lstStyle/>
+            <a:p>
+              <a:pPr lvl="0" algn="ctr"/>
+              <a:r>
+                <a:rPr lang="en-GB" kern="1200" dirty="0">
+                  <a:solidFill>
+                    <a:srgbClr val="FFFFFF"/>
+                  </a:solidFill>
+                </a:rPr>
+                <a:t>Data Processing</a:t>
+              </a:r>
+              <a:endParaRPr lang="en-GB" dirty="0"/>
+            </a:p>
+          </p:txBody>
+        </p:sp>
+      </p:grpSp>
+      <p:sp>
+        <p:nvSpPr>
+          <p:cNvPr id="25" name="Round Same-side Corner of Rectangle 24">
+            <a:extLst>
+              <a:ext uri="{FF2B5EF4-FFF2-40B4-BE49-F238E27FC236}">
+                <a16:creationId xmlns:a16="http://schemas.microsoft.com/office/drawing/2014/main" id="{7E38F417-F03D-D158-1692-CCF5C8159671}"/>
               </a:ext>
             </a:extLst>
           </p:cNvPr>
@@ -6928,7 +6567,7 @@
         </p:nvSpPr>
         <p:spPr>
           <a:xfrm rot="5400000">
-            <a:off x="4454594" y="1163948"/>
+            <a:off x="4473502" y="1601293"/>
             <a:ext cx="774627" cy="4222911"/>
           </a:xfrm>
           <a:prstGeom prst="round2SameRect">
@@ -6976,12 +6615,282 @@
           </a:fontRef>
         </p:style>
       </p:sp>
+      <p:grpSp>
+        <p:nvGrpSpPr>
+          <p:cNvPr id="27" name="Group 26">
+            <a:extLst>
+              <a:ext uri="{FF2B5EF4-FFF2-40B4-BE49-F238E27FC236}">
+                <a16:creationId xmlns:a16="http://schemas.microsoft.com/office/drawing/2014/main" id="{07C0DBE9-A106-8AEF-4DAA-86D0F1F085A6}"/>
+              </a:ext>
+            </a:extLst>
+          </p:cNvPr>
+          <p:cNvGrpSpPr/>
+          <p:nvPr/>
+        </p:nvGrpSpPr>
+        <p:grpSpPr>
+          <a:xfrm>
+            <a:off x="1166941" y="3283784"/>
+            <a:ext cx="1526702" cy="853821"/>
+            <a:chOff x="988" y="1800"/>
+            <a:chExt cx="1953257" cy="829906"/>
+          </a:xfrm>
+        </p:grpSpPr>
+        <p:sp>
+          <p:nvSpPr>
+            <p:cNvPr id="28" name="Rounded Rectangle 27">
+              <a:extLst>
+                <a:ext uri="{FF2B5EF4-FFF2-40B4-BE49-F238E27FC236}">
+                  <a16:creationId xmlns:a16="http://schemas.microsoft.com/office/drawing/2014/main" id="{9A99C8AC-E27C-C02C-05E8-1AEA6443C7D8}"/>
+                </a:ext>
+              </a:extLst>
+            </p:cNvPr>
+            <p:cNvSpPr/>
+            <p:nvPr/>
+          </p:nvSpPr>
+          <p:spPr>
+            <a:xfrm>
+              <a:off x="988" y="1800"/>
+              <a:ext cx="1953257" cy="829906"/>
+            </a:xfrm>
+            <a:prstGeom prst="roundRect">
+              <a:avLst/>
+            </a:prstGeom>
+          </p:spPr>
+          <p:style>
+            <a:lnRef idx="2">
+              <a:schemeClr val="lt1">
+                <a:hueOff val="0"/>
+                <a:satOff val="0"/>
+                <a:lumOff val="0"/>
+                <a:alphaOff val="0"/>
+              </a:schemeClr>
+            </a:lnRef>
+            <a:fillRef idx="1">
+              <a:schemeClr val="accent1">
+                <a:hueOff val="0"/>
+                <a:satOff val="0"/>
+                <a:lumOff val="0"/>
+                <a:alphaOff val="0"/>
+              </a:schemeClr>
+            </a:fillRef>
+            <a:effectRef idx="0">
+              <a:schemeClr val="accent1">
+                <a:hueOff val="0"/>
+                <a:satOff val="0"/>
+                <a:lumOff val="0"/>
+                <a:alphaOff val="0"/>
+              </a:schemeClr>
+            </a:effectRef>
+            <a:fontRef idx="minor">
+              <a:schemeClr val="lt1"/>
+            </a:fontRef>
+          </p:style>
+        </p:sp>
+        <p:sp>
+          <p:nvSpPr>
+            <p:cNvPr id="29" name="Rounded Rectangle 6">
+              <a:extLst>
+                <a:ext uri="{FF2B5EF4-FFF2-40B4-BE49-F238E27FC236}">
+                  <a16:creationId xmlns:a16="http://schemas.microsoft.com/office/drawing/2014/main" id="{6BDFB83F-5C6A-6F45-9002-27654BBFF1E1}"/>
+                </a:ext>
+              </a:extLst>
+            </p:cNvPr>
+            <p:cNvSpPr txBox="1"/>
+            <p:nvPr/>
+          </p:nvSpPr>
+          <p:spPr>
+            <a:xfrm>
+              <a:off x="41501" y="42313"/>
+              <a:ext cx="1872231" cy="748880"/>
+            </a:xfrm>
+            <a:prstGeom prst="rect">
+              <a:avLst/>
+            </a:prstGeom>
+          </p:spPr>
+          <p:style>
+            <a:lnRef idx="0">
+              <a:scrgbClr r="0" g="0" b="0"/>
+            </a:lnRef>
+            <a:fillRef idx="0">
+              <a:scrgbClr r="0" g="0" b="0"/>
+            </a:fillRef>
+            <a:effectRef idx="0">
+              <a:scrgbClr r="0" g="0" b="0"/>
+            </a:effectRef>
+            <a:fontRef idx="minor">
+              <a:schemeClr val="lt1"/>
+            </a:fontRef>
+          </p:style>
+          <p:txBody>
+            <a:bodyPr spcFirstLastPara="0" vert="horz" wrap="square" lIns="76200" tIns="38100" rIns="76200" bIns="38100" numCol="1" spcCol="1270" anchor="ctr" anchorCtr="0">
+              <a:noAutofit/>
+            </a:bodyPr>
+            <a:lstStyle/>
+            <a:p>
+              <a:pPr lvl="0" algn="ctr"/>
+              <a:r>
+                <a:rPr lang="en-GB" dirty="0"/>
+                <a:t>Communication</a:t>
+              </a:r>
+            </a:p>
+          </p:txBody>
+        </p:sp>
+      </p:grpSp>
+      <p:grpSp>
+        <p:nvGrpSpPr>
+          <p:cNvPr id="30" name="Group 29">
+            <a:extLst>
+              <a:ext uri="{FF2B5EF4-FFF2-40B4-BE49-F238E27FC236}">
+                <a16:creationId xmlns:a16="http://schemas.microsoft.com/office/drawing/2014/main" id="{CB2D0A55-7526-4C4C-7494-9BF257E7FB4D}"/>
+              </a:ext>
+            </a:extLst>
+          </p:cNvPr>
+          <p:cNvGrpSpPr/>
+          <p:nvPr/>
+        </p:nvGrpSpPr>
+        <p:grpSpPr>
+          <a:xfrm>
+            <a:off x="2711544" y="3320533"/>
+            <a:ext cx="4241819" cy="774627"/>
+            <a:chOff x="2000660" y="1767330"/>
+            <a:chExt cx="4241819" cy="774627"/>
+          </a:xfrm>
+        </p:grpSpPr>
+        <p:sp>
+          <p:nvSpPr>
+            <p:cNvPr id="31" name="Round Same-side Corner of Rectangle 30">
+              <a:extLst>
+                <a:ext uri="{FF2B5EF4-FFF2-40B4-BE49-F238E27FC236}">
+                  <a16:creationId xmlns:a16="http://schemas.microsoft.com/office/drawing/2014/main" id="{8865291C-6209-9150-58EE-DF0685F8D8C7}"/>
+                </a:ext>
+              </a:extLst>
+            </p:cNvPr>
+            <p:cNvSpPr/>
+            <p:nvPr/>
+          </p:nvSpPr>
+          <p:spPr>
+            <a:xfrm rot="5400000">
+              <a:off x="3743710" y="43188"/>
+              <a:ext cx="774627" cy="4222911"/>
+            </a:xfrm>
+            <a:prstGeom prst="round2SameRect">
+              <a:avLst/>
+            </a:prstGeom>
+          </p:spPr>
+          <p:style>
+            <a:lnRef idx="2">
+              <a:schemeClr val="accent1">
+                <a:alpha val="90000"/>
+                <a:tint val="40000"/>
+                <a:hueOff val="0"/>
+                <a:satOff val="0"/>
+                <a:lumOff val="0"/>
+                <a:alphaOff val="0"/>
+              </a:schemeClr>
+            </a:lnRef>
+            <a:fillRef idx="1">
+              <a:schemeClr val="accent1">
+                <a:alpha val="90000"/>
+                <a:tint val="40000"/>
+                <a:hueOff val="0"/>
+                <a:satOff val="0"/>
+                <a:lumOff val="0"/>
+                <a:alphaOff val="0"/>
+              </a:schemeClr>
+            </a:fillRef>
+            <a:effectRef idx="0">
+              <a:schemeClr val="accent1">
+                <a:alpha val="90000"/>
+                <a:tint val="40000"/>
+                <a:hueOff val="0"/>
+                <a:satOff val="0"/>
+                <a:lumOff val="0"/>
+                <a:alphaOff val="0"/>
+              </a:schemeClr>
+            </a:effectRef>
+            <a:fontRef idx="minor">
+              <a:schemeClr val="dk1">
+                <a:hueOff val="0"/>
+                <a:satOff val="0"/>
+                <a:lumOff val="0"/>
+                <a:alphaOff val="0"/>
+              </a:schemeClr>
+            </a:fontRef>
+          </p:style>
+        </p:sp>
+        <p:sp>
+          <p:nvSpPr>
+            <p:cNvPr id="32" name="Round Same-side Corner of Rectangle 4">
+              <a:extLst>
+                <a:ext uri="{FF2B5EF4-FFF2-40B4-BE49-F238E27FC236}">
+                  <a16:creationId xmlns:a16="http://schemas.microsoft.com/office/drawing/2014/main" id="{8B50D167-450F-188A-F63B-FF02C6A955E0}"/>
+                </a:ext>
+              </a:extLst>
+            </p:cNvPr>
+            <p:cNvSpPr txBox="1"/>
+            <p:nvPr/>
+          </p:nvSpPr>
+          <p:spPr>
+            <a:xfrm>
+              <a:off x="2000660" y="1787269"/>
+              <a:ext cx="4185097" cy="698999"/>
+            </a:xfrm>
+            <a:prstGeom prst="rect">
+              <a:avLst/>
+            </a:prstGeom>
+          </p:spPr>
+          <p:style>
+            <a:lnRef idx="0">
+              <a:scrgbClr r="0" g="0" b="0"/>
+            </a:lnRef>
+            <a:fillRef idx="0">
+              <a:scrgbClr r="0" g="0" b="0"/>
+            </a:fillRef>
+            <a:effectRef idx="0">
+              <a:scrgbClr r="0" g="0" b="0"/>
+            </a:effectRef>
+            <a:fontRef idx="minor">
+              <a:schemeClr val="dk1">
+                <a:hueOff val="0"/>
+                <a:satOff val="0"/>
+                <a:lumOff val="0"/>
+                <a:alphaOff val="0"/>
+              </a:schemeClr>
+            </a:fontRef>
+          </p:style>
+          <p:txBody>
+            <a:bodyPr spcFirstLastPara="0" vert="horz" wrap="square" lIns="41910" tIns="20955" rIns="41910" bIns="20955" numCol="1" spcCol="1270" anchor="ctr" anchorCtr="0">
+              <a:noAutofit/>
+            </a:bodyPr>
+            <a:lstStyle/>
+            <a:p>
+              <a:pPr marL="171450" lvl="1" indent="-171450" algn="l" defTabSz="488950">
+                <a:lnSpc>
+                  <a:spcPct val="90000"/>
+                </a:lnSpc>
+                <a:spcBef>
+                  <a:spcPct val="0"/>
+                </a:spcBef>
+                <a:spcAft>
+                  <a:spcPct val="15000"/>
+                </a:spcAft>
+                <a:buFont typeface="Arial" panose="020B0604020202020204" pitchFamily="34" charset="0"/>
+                <a:buChar char="•"/>
+              </a:pPr>
+              <a:r>
+                <a:rPr lang="en-GB" sz="1100" kern="1200" dirty="0"/>
+                <a:t>Though we have established new communication paradigms with client, but it’s still not efficient. </a:t>
+              </a:r>
+            </a:p>
+          </p:txBody>
+        </p:sp>
+      </p:grpSp>
       <p:sp>
         <p:nvSpPr>
           <p:cNvPr id="34" name="Google Shape;110;p17">
             <a:extLst>
               <a:ext uri="{FF2B5EF4-FFF2-40B4-BE49-F238E27FC236}">
-                <a16:creationId xmlns:a16="http://schemas.microsoft.com/office/drawing/2014/main" id="{841FDE4C-0AD3-BFEB-E637-CA9923ED83BF}"/>
+                <a16:creationId xmlns:a16="http://schemas.microsoft.com/office/drawing/2014/main" id="{75766AB0-CEC3-8D22-134D-B28749842F26}"/>
               </a:ext>
             </a:extLst>
           </p:cNvPr>
@@ -7018,906 +6927,18 @@
             </a:pPr>
             <a:fld id="{00000000-1234-1234-1234-123412341234}" type="slidenum">
               <a:rPr lang="en"/>
-              <a:t>3</a:t>
+              <a:t>4</a:t>
             </a:fld>
             <a:endParaRPr dirty="0"/>
-          </a:p>
-        </p:txBody>
-      </p:sp>
-      <p:sp>
-        <p:nvSpPr>
-          <p:cNvPr id="35" name="Round Same-side Corner of Rectangle 4">
-            <a:extLst>
-              <a:ext uri="{FF2B5EF4-FFF2-40B4-BE49-F238E27FC236}">
-                <a16:creationId xmlns:a16="http://schemas.microsoft.com/office/drawing/2014/main" id="{90D339D5-24A5-C18A-AB01-850BA5570074}"/>
-              </a:ext>
-            </a:extLst>
-          </p:cNvPr>
-          <p:cNvSpPr txBox="1"/>
-          <p:nvPr/>
-        </p:nvSpPr>
-        <p:spPr>
-          <a:xfrm>
-            <a:off x="2749360" y="2873751"/>
-            <a:ext cx="4185097" cy="831411"/>
-          </a:xfrm>
-          <a:prstGeom prst="rect">
-            <a:avLst/>
-          </a:prstGeom>
-        </p:spPr>
-        <p:style>
-          <a:lnRef idx="0">
-            <a:scrgbClr r="0" g="0" b="0"/>
-          </a:lnRef>
-          <a:fillRef idx="0">
-            <a:scrgbClr r="0" g="0" b="0"/>
-          </a:fillRef>
-          <a:effectRef idx="0">
-            <a:scrgbClr r="0" g="0" b="0"/>
-          </a:effectRef>
-          <a:fontRef idx="minor">
-            <a:schemeClr val="dk1">
-              <a:hueOff val="0"/>
-              <a:satOff val="0"/>
-              <a:lumOff val="0"/>
-              <a:alphaOff val="0"/>
-            </a:schemeClr>
-          </a:fontRef>
-        </p:style>
-        <p:txBody>
-          <a:bodyPr spcFirstLastPara="0" vert="horz" wrap="square" lIns="41910" tIns="20955" rIns="41910" bIns="20955" numCol="1" spcCol="1270" anchor="ctr" anchorCtr="0">
-            <a:noAutofit/>
-          </a:bodyPr>
-          <a:lstStyle/>
-          <a:p>
-            <a:pPr marL="171450" lvl="1" indent="-171450" defTabSz="488950">
-              <a:lnSpc>
-                <a:spcPct val="90000"/>
-              </a:lnSpc>
-              <a:spcBef>
-                <a:spcPct val="0"/>
-              </a:spcBef>
-              <a:spcAft>
-                <a:spcPct val="15000"/>
-              </a:spcAft>
-              <a:buFont typeface="Arial" panose="020B0604020202020204" pitchFamily="34" charset="0"/>
-              <a:buChar char="•"/>
-            </a:pPr>
-            <a:r>
-              <a:rPr lang="en-GB" sz="1100" kern="1200" dirty="0"/>
-              <a:t>Crop Yield dataset</a:t>
-            </a:r>
-          </a:p>
-          <a:p>
-            <a:pPr marL="171450" lvl="1" indent="-171450" defTabSz="488950">
-              <a:lnSpc>
-                <a:spcPct val="90000"/>
-              </a:lnSpc>
-              <a:spcBef>
-                <a:spcPct val="0"/>
-              </a:spcBef>
-              <a:spcAft>
-                <a:spcPct val="15000"/>
-              </a:spcAft>
-              <a:buFont typeface="Arial" panose="020B0604020202020204" pitchFamily="34" charset="0"/>
-              <a:buChar char="•"/>
-            </a:pPr>
-            <a:r>
-              <a:rPr lang="en-GB" sz="1100" kern="1200" dirty="0"/>
-              <a:t>Climate dataset </a:t>
-            </a:r>
-          </a:p>
-          <a:p>
-            <a:pPr marL="171450" lvl="1" indent="-171450" defTabSz="488950">
-              <a:lnSpc>
-                <a:spcPct val="90000"/>
-              </a:lnSpc>
-              <a:spcBef>
-                <a:spcPct val="0"/>
-              </a:spcBef>
-              <a:spcAft>
-                <a:spcPct val="15000"/>
-              </a:spcAft>
-              <a:buFont typeface="Arial" panose="020B0604020202020204" pitchFamily="34" charset="0"/>
-              <a:buChar char="•"/>
-            </a:pPr>
-            <a:r>
-              <a:rPr lang="en-GB" sz="1100" kern="1200" dirty="0"/>
-              <a:t>Soil Moisture (Remote Sensing) dataset</a:t>
-            </a:r>
-          </a:p>
-          <a:p>
-            <a:pPr marL="171450" lvl="1" indent="-171450" defTabSz="488950">
-              <a:lnSpc>
-                <a:spcPct val="90000"/>
-              </a:lnSpc>
-              <a:spcBef>
-                <a:spcPct val="0"/>
-              </a:spcBef>
-              <a:spcAft>
-                <a:spcPct val="15000"/>
-              </a:spcAft>
-              <a:buFont typeface="Arial" panose="020B0604020202020204" pitchFamily="34" charset="0"/>
-              <a:buChar char="•"/>
-            </a:pPr>
-            <a:r>
-              <a:rPr lang="en-GB" sz="1100" kern="1200" dirty="0"/>
-              <a:t>NDVI dataset</a:t>
-            </a:r>
           </a:p>
         </p:txBody>
       </p:sp>
     </p:spTree>
     <p:extLst>
       <p:ext uri="{BB962C8B-B14F-4D97-AF65-F5344CB8AC3E}">
-        <p14:creationId xmlns:p14="http://schemas.microsoft.com/office/powerpoint/2010/main" val="1398996585"/>
+        <p14:creationId xmlns:p14="http://schemas.microsoft.com/office/powerpoint/2010/main" val="3758572319"/>
       </p:ext>
     </p:extLst>
-  </p:cSld>
-  <p:clrMapOvr>
-    <a:masterClrMapping/>
-  </p:clrMapOvr>
-</p:sld>
-</file>
-
-<file path=ppt/slides/slide4.xml><?xml version="1.0" encoding="utf-8"?>
-<p:sld xmlns:a="http://schemas.openxmlformats.org/drawingml/2006/main" xmlns:r="http://schemas.openxmlformats.org/officeDocument/2006/relationships" xmlns:p="http://schemas.openxmlformats.org/presentationml/2006/main">
-  <p:cSld>
-    <p:spTree>
-      <p:nvGrpSpPr>
-        <p:cNvPr id="1" name="Shape 75"/>
-        <p:cNvGrpSpPr/>
-        <p:nvPr/>
-      </p:nvGrpSpPr>
-      <p:grpSpPr>
-        <a:xfrm>
-          <a:off x="0" y="0"/>
-          <a:ext cx="0" cy="0"/>
-          <a:chOff x="0" y="0"/>
-          <a:chExt cx="0" cy="0"/>
-        </a:xfrm>
-      </p:grpSpPr>
-      <p:sp>
-        <p:nvSpPr>
-          <p:cNvPr id="76" name="Google Shape;76;p4"/>
-          <p:cNvSpPr txBox="1">
-            <a:spLocks noGrp="1"/>
-          </p:cNvSpPr>
-          <p:nvPr>
-            <p:ph type="title"/>
-          </p:nvPr>
-        </p:nvSpPr>
-        <p:spPr>
-          <a:xfrm>
-            <a:off x="1165475" y="549649"/>
-            <a:ext cx="6858000" cy="345000"/>
-          </a:xfrm>
-          <a:prstGeom prst="rect">
-            <a:avLst/>
-          </a:prstGeom>
-          <a:noFill/>
-          <a:ln>
-            <a:noFill/>
-          </a:ln>
-        </p:spPr>
-        <p:txBody>
-          <a:bodyPr spcFirstLastPara="1" wrap="square" lIns="91425" tIns="91425" rIns="91425" bIns="91425" anchor="b" anchorCtr="0">
-            <a:noAutofit/>
-          </a:bodyPr>
-          <a:lstStyle/>
-          <a:p>
-            <a:pPr marL="0" lvl="0" indent="0" algn="l" rtl="0">
-              <a:lnSpc>
-                <a:spcPct val="100000"/>
-              </a:lnSpc>
-              <a:spcBef>
-                <a:spcPts val="0"/>
-              </a:spcBef>
-              <a:spcAft>
-                <a:spcPts val="0"/>
-              </a:spcAft>
-              <a:buSzPts val="1800"/>
-              <a:buNone/>
-            </a:pPr>
-            <a:r>
-              <a:rPr lang="en-GB" sz="2800" b="1" dirty="0">
-                <a:solidFill>
-                  <a:srgbClr val="39C0BA"/>
-                </a:solidFill>
-              </a:rPr>
-              <a:t>Tasks Accomplished and Roadblocks</a:t>
-            </a:r>
-            <a:endParaRPr sz="2800" b="1" dirty="0">
-              <a:solidFill>
-                <a:srgbClr val="39C0BA"/>
-              </a:solidFill>
-            </a:endParaRPr>
-          </a:p>
-        </p:txBody>
-      </p:sp>
-      <p:sp>
-        <p:nvSpPr>
-          <p:cNvPr id="102" name="Google Shape;102;p4"/>
-          <p:cNvSpPr txBox="1">
-            <a:spLocks noGrp="1"/>
-          </p:cNvSpPr>
-          <p:nvPr>
-            <p:ph type="sldNum" idx="12"/>
-          </p:nvPr>
-        </p:nvSpPr>
-        <p:spPr>
-          <a:xfrm>
-            <a:off x="8523157" y="4752131"/>
-            <a:ext cx="548700" cy="315300"/>
-          </a:xfrm>
-          <a:prstGeom prst="rect">
-            <a:avLst/>
-          </a:prstGeom>
-          <a:noFill/>
-          <a:ln>
-            <a:noFill/>
-          </a:ln>
-        </p:spPr>
-        <p:txBody>
-          <a:bodyPr spcFirstLastPara="1" wrap="square" lIns="91425" tIns="91425" rIns="91425" bIns="91425" anchor="t" anchorCtr="0">
-            <a:noAutofit/>
-          </a:bodyPr>
-          <a:lstStyle/>
-          <a:p>
-            <a:pPr marL="0" lvl="0" indent="0" algn="r" rtl="0">
-              <a:lnSpc>
-                <a:spcPct val="100000"/>
-              </a:lnSpc>
-              <a:spcBef>
-                <a:spcPts val="0"/>
-              </a:spcBef>
-              <a:spcAft>
-                <a:spcPts val="0"/>
-              </a:spcAft>
-              <a:buSzPts val="1200"/>
-              <a:buNone/>
-            </a:pPr>
-            <a:fld id="{00000000-1234-1234-1234-123412341234}" type="slidenum">
-              <a:rPr lang="en-GB"/>
-              <a:t>4</a:t>
-            </a:fld>
-            <a:endParaRPr/>
-          </a:p>
-        </p:txBody>
-      </p:sp>
-      <p:grpSp>
-        <p:nvGrpSpPr>
-          <p:cNvPr id="4" name="Group 3">
-            <a:extLst>
-              <a:ext uri="{FF2B5EF4-FFF2-40B4-BE49-F238E27FC236}">
-                <a16:creationId xmlns:a16="http://schemas.microsoft.com/office/drawing/2014/main" id="{74C29831-3956-7F2F-DCE5-7256216AE0D8}"/>
-              </a:ext>
-            </a:extLst>
-          </p:cNvPr>
-          <p:cNvGrpSpPr/>
-          <p:nvPr/>
-        </p:nvGrpSpPr>
-        <p:grpSpPr>
-          <a:xfrm>
-            <a:off x="1165475" y="915801"/>
-            <a:ext cx="3373820" cy="3739767"/>
-            <a:chOff x="1521372" y="1079937"/>
-            <a:chExt cx="5746531" cy="2090444"/>
-          </a:xfrm>
-        </p:grpSpPr>
-        <p:sp>
-          <p:nvSpPr>
-            <p:cNvPr id="2" name="Rectangle 1">
-              <a:extLst>
-                <a:ext uri="{FF2B5EF4-FFF2-40B4-BE49-F238E27FC236}">
-                  <a16:creationId xmlns:a16="http://schemas.microsoft.com/office/drawing/2014/main" id="{CADADB44-E6F8-E0C2-364A-6C967A2CE529}"/>
-                </a:ext>
-              </a:extLst>
-            </p:cNvPr>
-            <p:cNvSpPr/>
-            <p:nvPr/>
-          </p:nvSpPr>
-          <p:spPr>
-            <a:xfrm>
-              <a:off x="1521372" y="1247337"/>
-              <a:ext cx="5746531" cy="1923044"/>
-            </a:xfrm>
-            <a:prstGeom prst="rect">
-              <a:avLst/>
-            </a:prstGeom>
-            <a:solidFill>
-              <a:srgbClr val="BAD5D5"/>
-            </a:solidFill>
-          </p:spPr>
-          <p:style>
-            <a:lnRef idx="2">
-              <a:schemeClr val="accent1">
-                <a:shade val="50000"/>
-              </a:schemeClr>
-            </a:lnRef>
-            <a:fillRef idx="1">
-              <a:schemeClr val="accent1"/>
-            </a:fillRef>
-            <a:effectRef idx="0">
-              <a:schemeClr val="accent1"/>
-            </a:effectRef>
-            <a:fontRef idx="minor">
-              <a:schemeClr val="lt1"/>
-            </a:fontRef>
-          </p:style>
-          <p:txBody>
-            <a:bodyPr rtlCol="0" anchor="ctr"/>
-            <a:lstStyle/>
-            <a:p>
-              <a:pPr marL="285750" indent="-285750">
-                <a:buFont typeface="Arial" panose="020B0604020202020204" pitchFamily="34" charset="0"/>
-                <a:buChar char="•"/>
-              </a:pPr>
-              <a:r>
-                <a:rPr lang="en-US" sz="1200" dirty="0">
-                  <a:solidFill>
-                    <a:schemeClr val="tx1"/>
-                  </a:solidFill>
-                </a:rPr>
-                <a:t>Merged all the data sets at on ‘Year’ and ‘TWP_ID’ </a:t>
-              </a:r>
-            </a:p>
-            <a:p>
-              <a:endParaRPr lang="en-US" sz="1200" dirty="0">
-                <a:solidFill>
-                  <a:schemeClr val="tx1"/>
-                </a:solidFill>
-              </a:endParaRPr>
-            </a:p>
-            <a:p>
-              <a:pPr marL="285750" indent="-285750">
-                <a:buFont typeface="Arial" panose="020B0604020202020204" pitchFamily="34" charset="0"/>
-                <a:buChar char="•"/>
-              </a:pPr>
-              <a:r>
-                <a:rPr lang="en-US" sz="1200" dirty="0">
-                  <a:solidFill>
-                    <a:schemeClr val="tx1"/>
-                  </a:solidFill>
-                </a:rPr>
-                <a:t>Observed the records getting dropped after each join and identified the reason behind it </a:t>
-              </a:r>
-            </a:p>
-            <a:p>
-              <a:endParaRPr lang="en-US" sz="1200" dirty="0">
-                <a:solidFill>
-                  <a:schemeClr val="tx1"/>
-                </a:solidFill>
-              </a:endParaRPr>
-            </a:p>
-            <a:p>
-              <a:pPr marL="285750" indent="-285750">
-                <a:buFont typeface="Arial" panose="020B0604020202020204" pitchFamily="34" charset="0"/>
-                <a:buChar char="•"/>
-              </a:pPr>
-              <a:r>
-                <a:rPr lang="en-US" sz="1200" dirty="0">
-                  <a:solidFill>
-                    <a:schemeClr val="tx1"/>
-                  </a:solidFill>
-                </a:rPr>
-                <a:t>Collated the outstanding questions related to data in a word document</a:t>
-              </a:r>
-            </a:p>
-            <a:p>
-              <a:endParaRPr lang="en-US" sz="1200" dirty="0">
-                <a:solidFill>
-                  <a:schemeClr val="tx1"/>
-                </a:solidFill>
-              </a:endParaRPr>
-            </a:p>
-            <a:p>
-              <a:pPr marL="285750" indent="-285750">
-                <a:buFont typeface="Arial" panose="020B0604020202020204" pitchFamily="34" charset="0"/>
-                <a:buChar char="•"/>
-              </a:pPr>
-              <a:r>
-                <a:rPr lang="en-US" sz="1200" dirty="0">
-                  <a:solidFill>
-                    <a:schemeClr val="tx1"/>
-                  </a:solidFill>
-                </a:rPr>
-                <a:t>Based on inputs from the clients, made further changes to our workflow</a:t>
-              </a:r>
-            </a:p>
-            <a:p>
-              <a:endParaRPr lang="en-US" sz="1200" dirty="0">
-                <a:solidFill>
-                  <a:schemeClr val="tx1"/>
-                </a:solidFill>
-              </a:endParaRPr>
-            </a:p>
-            <a:p>
-              <a:pPr marL="285750" indent="-285750">
-                <a:buFont typeface="Arial" panose="020B0604020202020204" pitchFamily="34" charset="0"/>
-                <a:buChar char="•"/>
-              </a:pPr>
-              <a:r>
-                <a:rPr lang="en-US" sz="1200" dirty="0">
-                  <a:solidFill>
-                    <a:schemeClr val="tx1"/>
-                  </a:solidFill>
-                </a:rPr>
-                <a:t>Came up with a logic to impute the Null values and executed the same (Pending client approval on this logic used**) </a:t>
-              </a:r>
-            </a:p>
-          </p:txBody>
-        </p:sp>
-        <p:sp>
-          <p:nvSpPr>
-            <p:cNvPr id="3" name="Rectangle 2">
-              <a:extLst>
-                <a:ext uri="{FF2B5EF4-FFF2-40B4-BE49-F238E27FC236}">
-                  <a16:creationId xmlns:a16="http://schemas.microsoft.com/office/drawing/2014/main" id="{06CE1B2B-5D68-45BD-12C0-D8D4C349F059}"/>
-                </a:ext>
-              </a:extLst>
-            </p:cNvPr>
-            <p:cNvSpPr/>
-            <p:nvPr/>
-          </p:nvSpPr>
-          <p:spPr>
-            <a:xfrm>
-              <a:off x="1521372" y="1079937"/>
-              <a:ext cx="5746531" cy="167400"/>
-            </a:xfrm>
-            <a:prstGeom prst="rect">
-              <a:avLst/>
-            </a:prstGeom>
-          </p:spPr>
-          <p:style>
-            <a:lnRef idx="2">
-              <a:schemeClr val="accent1">
-                <a:shade val="50000"/>
-              </a:schemeClr>
-            </a:lnRef>
-            <a:fillRef idx="1">
-              <a:schemeClr val="accent1"/>
-            </a:fillRef>
-            <a:effectRef idx="0">
-              <a:schemeClr val="accent1"/>
-            </a:effectRef>
-            <a:fontRef idx="minor">
-              <a:schemeClr val="lt1"/>
-            </a:fontRef>
-          </p:style>
-          <p:txBody>
-            <a:bodyPr rtlCol="0" anchor="ctr"/>
-            <a:lstStyle/>
-            <a:p>
-              <a:pPr algn="ctr"/>
-              <a:r>
-                <a:rPr lang="en-US" dirty="0"/>
-                <a:t>Data Wrangling</a:t>
-              </a:r>
-            </a:p>
-          </p:txBody>
-        </p:sp>
-      </p:grpSp>
-      <p:grpSp>
-        <p:nvGrpSpPr>
-          <p:cNvPr id="33" name="Group 32">
-            <a:extLst>
-              <a:ext uri="{FF2B5EF4-FFF2-40B4-BE49-F238E27FC236}">
-                <a16:creationId xmlns:a16="http://schemas.microsoft.com/office/drawing/2014/main" id="{686F87D4-9AFE-1C05-CB6C-E23179A43388}"/>
-              </a:ext>
-            </a:extLst>
-          </p:cNvPr>
-          <p:cNvGrpSpPr/>
-          <p:nvPr/>
-        </p:nvGrpSpPr>
-        <p:grpSpPr>
-          <a:xfrm>
-            <a:off x="5087008" y="909686"/>
-            <a:ext cx="3373820" cy="1606571"/>
-            <a:chOff x="1521372" y="1079938"/>
-            <a:chExt cx="5746531" cy="2323282"/>
-          </a:xfrm>
-        </p:grpSpPr>
-        <p:sp>
-          <p:nvSpPr>
-            <p:cNvPr id="34" name="Rectangle 33">
-              <a:extLst>
-                <a:ext uri="{FF2B5EF4-FFF2-40B4-BE49-F238E27FC236}">
-                  <a16:creationId xmlns:a16="http://schemas.microsoft.com/office/drawing/2014/main" id="{E5B1ED51-6A7B-EB16-F19D-9A146B079C8D}"/>
-                </a:ext>
-              </a:extLst>
-            </p:cNvPr>
-            <p:cNvSpPr/>
-            <p:nvPr/>
-          </p:nvSpPr>
-          <p:spPr>
-            <a:xfrm>
-              <a:off x="1521372" y="1503475"/>
-              <a:ext cx="5746531" cy="1899745"/>
-            </a:xfrm>
-            <a:prstGeom prst="rect">
-              <a:avLst/>
-            </a:prstGeom>
-            <a:solidFill>
-              <a:srgbClr val="BAD5D5"/>
-            </a:solidFill>
-          </p:spPr>
-          <p:style>
-            <a:lnRef idx="2">
-              <a:schemeClr val="accent1">
-                <a:shade val="50000"/>
-              </a:schemeClr>
-            </a:lnRef>
-            <a:fillRef idx="1">
-              <a:schemeClr val="accent1"/>
-            </a:fillRef>
-            <a:effectRef idx="0">
-              <a:schemeClr val="accent1"/>
-            </a:effectRef>
-            <a:fontRef idx="minor">
-              <a:schemeClr val="lt1"/>
-            </a:fontRef>
-          </p:style>
-          <p:txBody>
-            <a:bodyPr rtlCol="0" anchor="ctr"/>
-            <a:lstStyle/>
-            <a:p>
-              <a:pPr marL="285750" indent="-285750">
-                <a:buFont typeface="Arial" panose="020B0604020202020204" pitchFamily="34" charset="0"/>
-                <a:buChar char="•"/>
-              </a:pPr>
-              <a:r>
-                <a:rPr lang="en-US" sz="1200" dirty="0">
-                  <a:solidFill>
-                    <a:schemeClr val="tx1"/>
-                  </a:solidFill>
-                </a:rPr>
-                <a:t>Presented our progress to the clients and got our questions answered</a:t>
-              </a:r>
-            </a:p>
-            <a:p>
-              <a:endParaRPr lang="en-US" sz="1200" dirty="0">
-                <a:solidFill>
-                  <a:schemeClr val="tx1"/>
-                </a:solidFill>
-              </a:endParaRPr>
-            </a:p>
-            <a:p>
-              <a:pPr marL="285750" indent="-285750">
-                <a:buFont typeface="Arial" panose="020B0604020202020204" pitchFamily="34" charset="0"/>
-                <a:buChar char="•"/>
-              </a:pPr>
-              <a:r>
-                <a:rPr lang="en-US" sz="1200" dirty="0">
-                  <a:solidFill>
-                    <a:schemeClr val="tx1"/>
-                  </a:solidFill>
-                </a:rPr>
-                <a:t>Got confirmation to drop the missing TWP_IDs in non-yield datasets as they do not belong to Canola growing region</a:t>
-              </a:r>
-              <a:endParaRPr lang="en-US" dirty="0"/>
-            </a:p>
-          </p:txBody>
-        </p:sp>
-        <p:sp>
-          <p:nvSpPr>
-            <p:cNvPr id="35" name="Rectangle 34">
-              <a:extLst>
-                <a:ext uri="{FF2B5EF4-FFF2-40B4-BE49-F238E27FC236}">
-                  <a16:creationId xmlns:a16="http://schemas.microsoft.com/office/drawing/2014/main" id="{672FE999-EDCE-ECB5-B7F4-C9524305BD7D}"/>
-                </a:ext>
-              </a:extLst>
-            </p:cNvPr>
-            <p:cNvSpPr/>
-            <p:nvPr/>
-          </p:nvSpPr>
-          <p:spPr>
-            <a:xfrm>
-              <a:off x="1521372" y="1079938"/>
-              <a:ext cx="5746531" cy="423537"/>
-            </a:xfrm>
-            <a:prstGeom prst="rect">
-              <a:avLst/>
-            </a:prstGeom>
-          </p:spPr>
-          <p:style>
-            <a:lnRef idx="2">
-              <a:schemeClr val="accent1">
-                <a:shade val="50000"/>
-              </a:schemeClr>
-            </a:lnRef>
-            <a:fillRef idx="1">
-              <a:schemeClr val="accent1"/>
-            </a:fillRef>
-            <a:effectRef idx="0">
-              <a:schemeClr val="accent1"/>
-            </a:effectRef>
-            <a:fontRef idx="minor">
-              <a:schemeClr val="lt1"/>
-            </a:fontRef>
-          </p:style>
-          <p:txBody>
-            <a:bodyPr rtlCol="0" anchor="ctr"/>
-            <a:lstStyle/>
-            <a:p>
-              <a:pPr algn="ctr"/>
-              <a:r>
-                <a:rPr lang="en-US" dirty="0"/>
-                <a:t>Client Meetings</a:t>
-              </a:r>
-            </a:p>
-          </p:txBody>
-        </p:sp>
-      </p:grpSp>
-      <p:grpSp>
-        <p:nvGrpSpPr>
-          <p:cNvPr id="39" name="Group 38">
-            <a:extLst>
-              <a:ext uri="{FF2B5EF4-FFF2-40B4-BE49-F238E27FC236}">
-                <a16:creationId xmlns:a16="http://schemas.microsoft.com/office/drawing/2014/main" id="{3D3D2CC4-E224-03BE-08DB-B497CF03BD99}"/>
-              </a:ext>
-            </a:extLst>
-          </p:cNvPr>
-          <p:cNvGrpSpPr/>
-          <p:nvPr/>
-        </p:nvGrpSpPr>
-        <p:grpSpPr>
-          <a:xfrm>
-            <a:off x="5087008" y="3127094"/>
-            <a:ext cx="3373820" cy="1509928"/>
-            <a:chOff x="1521372" y="1079937"/>
-            <a:chExt cx="5746531" cy="2183525"/>
-          </a:xfrm>
-        </p:grpSpPr>
-        <p:sp>
-          <p:nvSpPr>
-            <p:cNvPr id="40" name="Rectangle 39">
-              <a:extLst>
-                <a:ext uri="{FF2B5EF4-FFF2-40B4-BE49-F238E27FC236}">
-                  <a16:creationId xmlns:a16="http://schemas.microsoft.com/office/drawing/2014/main" id="{1CAB4543-E985-AD33-09EA-87D4E662D79E}"/>
-                </a:ext>
-              </a:extLst>
-            </p:cNvPr>
-            <p:cNvSpPr/>
-            <p:nvPr/>
-          </p:nvSpPr>
-          <p:spPr>
-            <a:xfrm>
-              <a:off x="1521372" y="1363717"/>
-              <a:ext cx="5746531" cy="1899745"/>
-            </a:xfrm>
-            <a:prstGeom prst="rect">
-              <a:avLst/>
-            </a:prstGeom>
-            <a:solidFill>
-              <a:srgbClr val="BAD5D5"/>
-            </a:solidFill>
-          </p:spPr>
-          <p:style>
-            <a:lnRef idx="2">
-              <a:schemeClr val="accent1">
-                <a:shade val="50000"/>
-              </a:schemeClr>
-            </a:lnRef>
-            <a:fillRef idx="1">
-              <a:schemeClr val="accent1"/>
-            </a:fillRef>
-            <a:effectRef idx="0">
-              <a:schemeClr val="accent1"/>
-            </a:effectRef>
-            <a:fontRef idx="minor">
-              <a:schemeClr val="lt1"/>
-            </a:fontRef>
-          </p:style>
-          <p:txBody>
-            <a:bodyPr rtlCol="0" anchor="ctr"/>
-            <a:lstStyle/>
-            <a:p>
-              <a:pPr marL="285750" indent="-285750">
-                <a:buFont typeface="Arial" panose="020B0604020202020204" pitchFamily="34" charset="0"/>
-                <a:buChar char="•"/>
-              </a:pPr>
-              <a:r>
-                <a:rPr lang="en-US" sz="1200" dirty="0">
-                  <a:solidFill>
-                    <a:schemeClr val="tx1"/>
-                  </a:solidFill>
-                </a:rPr>
-                <a:t>Started exploring the following algorithms to identify important features: Random Forest, PCA, LASSO, Gradient Boost</a:t>
-              </a:r>
-            </a:p>
-          </p:txBody>
-        </p:sp>
-        <p:sp>
-          <p:nvSpPr>
-            <p:cNvPr id="41" name="Rectangle 40">
-              <a:extLst>
-                <a:ext uri="{FF2B5EF4-FFF2-40B4-BE49-F238E27FC236}">
-                  <a16:creationId xmlns:a16="http://schemas.microsoft.com/office/drawing/2014/main" id="{895BAC5E-4883-D31B-F507-66BEE5D257E3}"/>
-                </a:ext>
-              </a:extLst>
-            </p:cNvPr>
-            <p:cNvSpPr/>
-            <p:nvPr/>
-          </p:nvSpPr>
-          <p:spPr>
-            <a:xfrm>
-              <a:off x="1521372" y="1079937"/>
-              <a:ext cx="5746531" cy="423539"/>
-            </a:xfrm>
-            <a:prstGeom prst="rect">
-              <a:avLst/>
-            </a:prstGeom>
-          </p:spPr>
-          <p:style>
-            <a:lnRef idx="2">
-              <a:schemeClr val="accent1">
-                <a:shade val="50000"/>
-              </a:schemeClr>
-            </a:lnRef>
-            <a:fillRef idx="1">
-              <a:schemeClr val="accent1"/>
-            </a:fillRef>
-            <a:effectRef idx="0">
-              <a:schemeClr val="accent1"/>
-            </a:effectRef>
-            <a:fontRef idx="minor">
-              <a:schemeClr val="lt1"/>
-            </a:fontRef>
-          </p:style>
-          <p:txBody>
-            <a:bodyPr rtlCol="0" anchor="ctr"/>
-            <a:lstStyle/>
-            <a:p>
-              <a:pPr algn="ctr"/>
-              <a:r>
-                <a:rPr lang="en-US" dirty="0"/>
-                <a:t>Feature Selection</a:t>
-              </a:r>
-            </a:p>
-          </p:txBody>
-        </p:sp>
-      </p:grpSp>
-      <p:sp>
-        <p:nvSpPr>
-          <p:cNvPr id="6" name="Left-right Arrow 5">
-            <a:extLst>
-              <a:ext uri="{FF2B5EF4-FFF2-40B4-BE49-F238E27FC236}">
-                <a16:creationId xmlns:a16="http://schemas.microsoft.com/office/drawing/2014/main" id="{4EAABD19-0128-480B-44F5-13AD106E5E9C}"/>
-              </a:ext>
-            </a:extLst>
-          </p:cNvPr>
-          <p:cNvSpPr/>
-          <p:nvPr/>
-        </p:nvSpPr>
-        <p:spPr>
-          <a:xfrm>
-            <a:off x="4572366" y="1724540"/>
-            <a:ext cx="482301" cy="260131"/>
-          </a:xfrm>
-          <a:prstGeom prst="leftRightArrow">
-            <a:avLst/>
-          </a:prstGeom>
-        </p:spPr>
-        <p:style>
-          <a:lnRef idx="2">
-            <a:schemeClr val="accent1">
-              <a:shade val="50000"/>
-            </a:schemeClr>
-          </a:lnRef>
-          <a:fillRef idx="1">
-            <a:schemeClr val="accent1"/>
-          </a:fillRef>
-          <a:effectRef idx="0">
-            <a:schemeClr val="accent1"/>
-          </a:effectRef>
-          <a:fontRef idx="minor">
-            <a:schemeClr val="lt1"/>
-          </a:fontRef>
-        </p:style>
-        <p:txBody>
-          <a:bodyPr rtlCol="0" anchor="ctr"/>
-          <a:lstStyle/>
-          <a:p>
-            <a:pPr algn="ctr"/>
-            <a:endParaRPr lang="en-US" dirty="0"/>
-          </a:p>
-        </p:txBody>
-      </p:sp>
-      <p:sp>
-        <p:nvSpPr>
-          <p:cNvPr id="7" name="Down Arrow 6">
-            <a:extLst>
-              <a:ext uri="{FF2B5EF4-FFF2-40B4-BE49-F238E27FC236}">
-                <a16:creationId xmlns:a16="http://schemas.microsoft.com/office/drawing/2014/main" id="{BA59E757-6BD9-9F92-F3D5-8753C2F1777A}"/>
-              </a:ext>
-            </a:extLst>
-          </p:cNvPr>
-          <p:cNvSpPr/>
-          <p:nvPr/>
-        </p:nvSpPr>
-        <p:spPr>
-          <a:xfrm>
-            <a:off x="6619162" y="2579501"/>
-            <a:ext cx="309511" cy="494253"/>
-          </a:xfrm>
-          <a:prstGeom prst="downArrow">
-            <a:avLst/>
-          </a:prstGeom>
-        </p:spPr>
-        <p:style>
-          <a:lnRef idx="2">
-            <a:schemeClr val="accent1">
-              <a:shade val="50000"/>
-            </a:schemeClr>
-          </a:lnRef>
-          <a:fillRef idx="1">
-            <a:schemeClr val="accent1"/>
-          </a:fillRef>
-          <a:effectRef idx="0">
-            <a:schemeClr val="accent1"/>
-          </a:effectRef>
-          <a:fontRef idx="minor">
-            <a:schemeClr val="lt1"/>
-          </a:fontRef>
-        </p:style>
-        <p:txBody>
-          <a:bodyPr rtlCol="0" anchor="ctr"/>
-          <a:lstStyle/>
-          <a:p>
-            <a:pPr algn="ctr"/>
-            <a:endParaRPr lang="en-US"/>
-          </a:p>
-        </p:txBody>
-      </p:sp>
-      <p:sp>
-        <p:nvSpPr>
-          <p:cNvPr id="8" name="TextBox 7">
-            <a:extLst>
-              <a:ext uri="{FF2B5EF4-FFF2-40B4-BE49-F238E27FC236}">
-                <a16:creationId xmlns:a16="http://schemas.microsoft.com/office/drawing/2014/main" id="{ADA4E96B-0DA2-2E69-1D7D-CE07C13B6152}"/>
-              </a:ext>
-            </a:extLst>
-          </p:cNvPr>
-          <p:cNvSpPr txBox="1"/>
-          <p:nvPr/>
-        </p:nvSpPr>
-        <p:spPr>
-          <a:xfrm>
-            <a:off x="1165475" y="4790432"/>
-            <a:ext cx="4296104" cy="276999"/>
-          </a:xfrm>
-          <a:prstGeom prst="rect">
-            <a:avLst/>
-          </a:prstGeom>
-          <a:noFill/>
-        </p:spPr>
-        <p:txBody>
-          <a:bodyPr wrap="square" rtlCol="0">
-            <a:spAutoFit/>
-          </a:bodyPr>
-          <a:lstStyle/>
-          <a:p>
-            <a:r>
-              <a:rPr lang="en-US" sz="1200" i="1" dirty="0">
-                <a:solidFill>
-                  <a:schemeClr val="bg1"/>
-                </a:solidFill>
-              </a:rPr>
-              <a:t>** Roadblock- </a:t>
-            </a:r>
-            <a:r>
-              <a:rPr lang="en-US" sz="1100" i="1" dirty="0">
-                <a:solidFill>
-                  <a:schemeClr val="bg1"/>
-                </a:solidFill>
-              </a:rPr>
-              <a:t>Need client approval to finalize the dataset</a:t>
-            </a:r>
-          </a:p>
-        </p:txBody>
-      </p:sp>
-    </p:spTree>
   </p:cSld>
   <p:clrMapOvr>
     <a:masterClrMapping/>
@@ -7969,14 +6990,42 @@
           <a:lstStyle/>
           <a:p>
             <a:r>
-              <a:rPr lang="en" sz="2800" b="1" dirty="0">
+              <a:rPr lang="en" b="1" dirty="0">
                 <a:solidFill>
                   <a:srgbClr val="39C0BA"/>
                 </a:solidFill>
               </a:rPr>
               <a:t>Team Log for the week</a:t>
             </a:r>
-            <a:endParaRPr lang="en-US" sz="2800" dirty="0"/>
+            <a:endParaRPr lang="en-US" dirty="0"/>
+          </a:p>
+        </p:txBody>
+      </p:sp>
+      <p:sp>
+        <p:nvSpPr>
+          <p:cNvPr id="3" name="Text Placeholder 2">
+            <a:extLst>
+              <a:ext uri="{FF2B5EF4-FFF2-40B4-BE49-F238E27FC236}">
+                <a16:creationId xmlns:a16="http://schemas.microsoft.com/office/drawing/2014/main" id="{234FE816-FBE1-52A7-2967-E2A607DA0B7A}"/>
+              </a:ext>
+            </a:extLst>
+          </p:cNvPr>
+          <p:cNvSpPr>
+            <a:spLocks noGrp="1"/>
+          </p:cNvSpPr>
+          <p:nvPr>
+            <p:ph type="body" idx="1"/>
+          </p:nvPr>
+        </p:nvSpPr>
+        <p:spPr/>
+        <p:txBody>
+          <a:bodyPr/>
+          <a:lstStyle/>
+          <a:p>
+            <a:pPr marL="38100" indent="0">
+              <a:buNone/>
+            </a:pPr>
+            <a:endParaRPr lang="en-US" dirty="0"/>
           </a:p>
         </p:txBody>
       </p:sp>
@@ -8030,11 +7079,17 @@
           <p:cNvGraphicFramePr>
             <a:graphicFrameLocks noGrp="1"/>
           </p:cNvGraphicFramePr>
-          <p:nvPr/>
+          <p:nvPr>
+            <p:extLst>
+              <p:ext uri="{D42A27DB-BD31-4B8C-83A1-F6EECF244321}">
+                <p14:modId xmlns:p14="http://schemas.microsoft.com/office/powerpoint/2010/main" val="2055617658"/>
+              </p:ext>
+            </p:extLst>
+          </p:nvPr>
         </p:nvGraphicFramePr>
         <p:xfrm>
-          <a:off x="1148534" y="1125878"/>
-          <a:ext cx="6945406" cy="3314579"/>
+          <a:off x="1169894" y="894649"/>
+          <a:ext cx="6945406" cy="3917852"/>
         </p:xfrm>
         <a:graphic>
           <a:graphicData uri="http://schemas.openxmlformats.org/drawingml/2006/table">
@@ -8043,14 +7098,14 @@
                 <a:tableStyleId>{3C2FFA5D-87B4-456A-9821-1D502468CF0F}</a:tableStyleId>
               </a:tblPr>
               <a:tblGrid>
-                <a:gridCol w="5702174">
+                <a:gridCol w="4686300">
                   <a:extLst>
                     <a:ext uri="{9D8B030D-6E8A-4147-A177-3AD203B41FA5}">
                       <a16:colId xmlns:a16="http://schemas.microsoft.com/office/drawing/2014/main" val="2493429949"/>
                     </a:ext>
                   </a:extLst>
                 </a:gridCol>
-                <a:gridCol w="1243232">
+                <a:gridCol w="2259106">
                   <a:extLst>
                     <a:ext uri="{9D8B030D-6E8A-4147-A177-3AD203B41FA5}">
                       <a16:colId xmlns:a16="http://schemas.microsoft.com/office/drawing/2014/main" val="1457667999"/>
@@ -8064,7 +7119,6 @@
                     <a:bodyPr/>
                     <a:lstStyle/>
                     <a:p>
-                      <a:pPr algn="ctr"/>
                       <a:r>
                         <a:rPr lang="en-IN" dirty="0"/>
                         <a:t>Activities/Tasks</a:t>
@@ -8108,9 +7162,6 @@
                       <a:headEnd type="none" w="med" len="med"/>
                       <a:tailEnd type="none" w="med" len="med"/>
                     </a:lnB>
-                    <a:solidFill>
-                      <a:srgbClr val="39C0BA"/>
-                    </a:solidFill>
                   </a:tcPr>
                 </a:tc>
                 <a:tc>
@@ -8118,7 +7169,6 @@
                     <a:bodyPr/>
                     <a:lstStyle/>
                     <a:p>
-                      <a:pPr algn="ctr"/>
                       <a:r>
                         <a:rPr lang="en-IN" dirty="0"/>
                         <a:t>Hours</a:t>
@@ -8162,9 +7212,6 @@
                       <a:headEnd type="none" w="med" len="med"/>
                       <a:tailEnd type="none" w="med" len="med"/>
                     </a:lnB>
-                    <a:solidFill>
-                      <a:srgbClr val="39C0BA"/>
-                    </a:solidFill>
                   </a:tcPr>
                 </a:tc>
                 <a:extLst>
@@ -8181,11 +7228,11 @@
                     <a:p>
                       <a:r>
                         <a:rPr lang="en-IN" dirty="0"/>
-                        <a:t>Data Wrangling and Merging datasets via Python on the final version of the Datasets provided</a:t>
+                        <a:t>Data Wrangling and Merging datasets via Python on the first version of the Datasets provided</a:t>
                       </a:r>
                     </a:p>
                   </a:txBody>
-                  <a:tcPr marL="144000" anchor="ctr">
+                  <a:tcPr>
                     <a:lnL w="12700" cap="flat" cmpd="sng" algn="ctr">
                       <a:solidFill>
                         <a:schemeClr val="tx1"/>
@@ -8222,9 +7269,6 @@
                       <a:headEnd type="none" w="med" len="med"/>
                       <a:tailEnd type="none" w="med" len="med"/>
                     </a:lnB>
-                    <a:solidFill>
-                      <a:srgbClr val="BFD6D5"/>
-                    </a:solidFill>
                   </a:tcPr>
                 </a:tc>
                 <a:tc>
@@ -8232,15 +7276,13 @@
                     <a:bodyPr/>
                     <a:lstStyle/>
                     <a:p>
-                      <a:pPr algn="ctr"/>
                       <a:r>
-                        <a:rPr lang="en-US" dirty="0"/>
-                        <a:t>7</a:t>
+                        <a:rPr lang="en-IN" dirty="0"/>
+                        <a:t>6</a:t>
                       </a:r>
-                      <a:endParaRPr lang="en-IN" dirty="0"/>
                     </a:p>
                   </a:txBody>
-                  <a:tcPr anchor="ctr">
+                  <a:tcPr>
                     <a:lnL w="12700" cap="flat" cmpd="sng" algn="ctr">
                       <a:solidFill>
                         <a:schemeClr val="tx1"/>
@@ -8277,9 +7319,6 @@
                       <a:headEnd type="none" w="med" len="med"/>
                       <a:tailEnd type="none" w="med" len="med"/>
                     </a:lnB>
-                    <a:solidFill>
-                      <a:srgbClr val="BFD6D5"/>
-                    </a:solidFill>
                   </a:tcPr>
                 </a:tc>
                 <a:extLst>
@@ -8296,11 +7335,11 @@
                     <a:p>
                       <a:r>
                         <a:rPr lang="en-IN" dirty="0"/>
-                        <a:t>Performed Exploratory Data Analysis and finding correlation among the variables</a:t>
+                        <a:t>Performing Exploring Data Analysis and finding correlation between some of the predictors using plots</a:t>
                       </a:r>
                     </a:p>
                   </a:txBody>
-                  <a:tcPr marL="144000" anchor="ctr">
+                  <a:tcPr>
                     <a:lnL w="12700" cap="flat" cmpd="sng" algn="ctr">
                       <a:solidFill>
                         <a:schemeClr val="tx1"/>
@@ -8337,9 +7376,6 @@
                       <a:headEnd type="none" w="med" len="med"/>
                       <a:tailEnd type="none" w="med" len="med"/>
                     </a:lnB>
-                    <a:solidFill>
-                      <a:srgbClr val="BFD6D5"/>
-                    </a:solidFill>
                   </a:tcPr>
                 </a:tc>
                 <a:tc>
@@ -8347,15 +7383,13 @@
                     <a:bodyPr/>
                     <a:lstStyle/>
                     <a:p>
-                      <a:pPr algn="ctr"/>
                       <a:r>
-                        <a:rPr lang="en-US" dirty="0"/>
-                        <a:t>7</a:t>
+                        <a:rPr lang="en-IN" dirty="0"/>
+                        <a:t>6</a:t>
                       </a:r>
-                      <a:endParaRPr lang="en-IN" dirty="0"/>
                     </a:p>
                   </a:txBody>
-                  <a:tcPr anchor="ctr">
+                  <a:tcPr>
                     <a:lnL w="12700" cap="flat" cmpd="sng" algn="ctr">
                       <a:solidFill>
                         <a:schemeClr val="tx1"/>
@@ -8392,9 +7426,6 @@
                       <a:headEnd type="none" w="med" len="med"/>
                       <a:tailEnd type="none" w="med" len="med"/>
                     </a:lnB>
-                    <a:solidFill>
-                      <a:srgbClr val="BFD6D5"/>
-                    </a:solidFill>
                   </a:tcPr>
                 </a:tc>
                 <a:extLst>
@@ -8409,32 +7440,13 @@
                     <a:bodyPr/>
                     <a:lstStyle/>
                     <a:p>
-                      <a:pPr marL="0" marR="0" lvl="0" indent="0" algn="l" defTabSz="914400" rtl="0" eaLnBrk="1" fontAlgn="auto" latinLnBrk="0" hangingPunct="1">
-                        <a:lnSpc>
-                          <a:spcPct val="100000"/>
-                        </a:lnSpc>
-                        <a:spcBef>
-                          <a:spcPts val="0"/>
-                        </a:spcBef>
-                        <a:spcAft>
-                          <a:spcPts val="0"/>
-                        </a:spcAft>
-                        <a:buClr>
-                          <a:srgbClr val="000000"/>
-                        </a:buClr>
-                        <a:buSzTx/>
-                        <a:buFont typeface="Arial"/>
-                        <a:buNone/>
-                        <a:tabLst/>
-                        <a:defRPr/>
-                      </a:pPr>
                       <a:r>
                         <a:rPr lang="en-IN" dirty="0"/>
-                        <a:t>Client Call discussing all the queries regarding the data</a:t>
+                        <a:t>Coming up with more questions with the customer based on the Analysis done on the existing dataset</a:t>
                       </a:r>
                     </a:p>
                   </a:txBody>
-                  <a:tcPr marL="144000" anchor="ctr">
+                  <a:tcPr>
                     <a:lnL w="12700" cap="flat" cmpd="sng" algn="ctr">
                       <a:solidFill>
                         <a:schemeClr val="tx1"/>
@@ -8471,9 +7483,6 @@
                       <a:headEnd type="none" w="med" len="med"/>
                       <a:tailEnd type="none" w="med" len="med"/>
                     </a:lnB>
-                    <a:solidFill>
-                      <a:srgbClr val="BFD6D5"/>
-                    </a:solidFill>
                   </a:tcPr>
                 </a:tc>
                 <a:tc>
@@ -8481,15 +7490,13 @@
                     <a:bodyPr/>
                     <a:lstStyle/>
                     <a:p>
-                      <a:pPr algn="ctr"/>
                       <a:r>
-                        <a:rPr lang="en-US" dirty="0"/>
-                        <a:t>1</a:t>
+                        <a:rPr lang="en-IN" dirty="0"/>
+                        <a:t>4</a:t>
                       </a:r>
-                      <a:endParaRPr lang="en-IN" dirty="0"/>
                     </a:p>
                   </a:txBody>
-                  <a:tcPr anchor="ctr">
+                  <a:tcPr>
                     <a:lnL w="12700" cap="flat" cmpd="sng" algn="ctr">
                       <a:solidFill>
                         <a:schemeClr val="tx1"/>
@@ -8526,9 +7533,6 @@
                       <a:headEnd type="none" w="med" len="med"/>
                       <a:tailEnd type="none" w="med" len="med"/>
                     </a:lnB>
-                    <a:solidFill>
-                      <a:srgbClr val="BFD6D5"/>
-                    </a:solidFill>
                   </a:tcPr>
                 </a:tc>
                 <a:extLst>
@@ -8545,11 +7549,11 @@
                     <a:p>
                       <a:r>
                         <a:rPr lang="en-IN" dirty="0"/>
-                        <a:t>Data Wrangling for the Soil Moisture dataset to calculate 3 weeks running mean, came up with a logic to impute missing values and implemented it in Python</a:t>
+                        <a:t>Reading through all the relevant research papers relevant to the project</a:t>
                       </a:r>
                     </a:p>
                   </a:txBody>
-                  <a:tcPr marL="144000" anchor="ctr">
+                  <a:tcPr>
                     <a:lnL w="12700" cap="flat" cmpd="sng" algn="ctr">
                       <a:solidFill>
                         <a:schemeClr val="tx1"/>
@@ -8586,9 +7590,6 @@
                       <a:headEnd type="none" w="med" len="med"/>
                       <a:tailEnd type="none" w="med" len="med"/>
                     </a:lnB>
-                    <a:solidFill>
-                      <a:srgbClr val="BFD6D5"/>
-                    </a:solidFill>
                   </a:tcPr>
                 </a:tc>
                 <a:tc>
@@ -8596,15 +7597,13 @@
                     <a:bodyPr/>
                     <a:lstStyle/>
                     <a:p>
-                      <a:pPr algn="ctr"/>
                       <a:r>
-                        <a:rPr lang="en-US" dirty="0"/>
-                        <a:t>8</a:t>
+                        <a:rPr lang="en-IN" dirty="0"/>
+                        <a:t>5</a:t>
                       </a:r>
-                      <a:endParaRPr lang="en-IN" dirty="0"/>
                     </a:p>
                   </a:txBody>
-                  <a:tcPr anchor="ctr">
+                  <a:tcPr>
                     <a:lnL w="12700" cap="flat" cmpd="sng" algn="ctr">
                       <a:solidFill>
                         <a:schemeClr val="tx1"/>
@@ -8641,9 +7640,6 @@
                       <a:headEnd type="none" w="med" len="med"/>
                       <a:tailEnd type="none" w="med" len="med"/>
                     </a:lnB>
-                    <a:solidFill>
-                      <a:srgbClr val="BFD6D5"/>
-                    </a:solidFill>
                   </a:tcPr>
                 </a:tc>
                 <a:extLst>
@@ -8678,21 +7674,12 @@
                         <a:defRPr/>
                       </a:pPr>
                       <a:r>
-                        <a:rPr lang="en-US" dirty="0"/>
-                        <a:t>Explored Feature Selection methods – Random Forest, Principal Component Analysis, </a:t>
+                        <a:rPr lang="en-IN" dirty="0"/>
+                        <a:t>Client Call discussing all the queries regarding the data</a:t>
                       </a:r>
-                      <a:r>
-                        <a:rPr lang="en-US" dirty="0" err="1"/>
-                        <a:t>XGBoost</a:t>
-                      </a:r>
-                      <a:r>
-                        <a:rPr lang="en-US" dirty="0"/>
-                        <a:t>, LASSO</a:t>
-                      </a:r>
-                      <a:endParaRPr lang="en-IN" dirty="0"/>
                     </a:p>
                   </a:txBody>
-                  <a:tcPr marL="144000" anchor="ctr">
+                  <a:tcPr>
                     <a:lnL w="12700" cap="flat" cmpd="sng" algn="ctr">
                       <a:solidFill>
                         <a:schemeClr val="tx1"/>
@@ -8729,9 +7716,6 @@
                       <a:headEnd type="none" w="med" len="med"/>
                       <a:tailEnd type="none" w="med" len="med"/>
                     </a:lnB>
-                    <a:solidFill>
-                      <a:srgbClr val="BFD6D5"/>
-                    </a:solidFill>
                   </a:tcPr>
                 </a:tc>
                 <a:tc>
@@ -8739,15 +7723,13 @@
                     <a:bodyPr/>
                     <a:lstStyle/>
                     <a:p>
-                      <a:pPr algn="ctr"/>
                       <a:r>
-                        <a:rPr lang="en-US" dirty="0"/>
-                        <a:t>8</a:t>
+                        <a:rPr lang="en-IN" dirty="0"/>
+                        <a:t>2</a:t>
                       </a:r>
-                      <a:endParaRPr lang="en-IN" dirty="0"/>
                     </a:p>
                   </a:txBody>
-                  <a:tcPr anchor="ctr">
+                  <a:tcPr>
                     <a:lnL w="12700" cap="flat" cmpd="sng" algn="ctr">
                       <a:solidFill>
                         <a:schemeClr val="tx1"/>
@@ -8784,14 +7766,159 @@
                       <a:headEnd type="none" w="med" len="med"/>
                       <a:tailEnd type="none" w="med" len="med"/>
                     </a:lnB>
-                    <a:solidFill>
-                      <a:srgbClr val="BFD6D5"/>
-                    </a:solidFill>
                   </a:tcPr>
                 </a:tc>
                 <a:extLst>
                   <a:ext uri="{0D108BD9-81ED-4DB2-BD59-A6C34878D82A}">
                     <a16:rowId xmlns:a16="http://schemas.microsoft.com/office/drawing/2014/main" val="3075141906"/>
+                  </a:ext>
+                </a:extLst>
+              </a:tr>
+              <a:tr h="781342">
+                <a:tc>
+                  <a:txBody>
+                    <a:bodyPr/>
+                    <a:lstStyle/>
+                    <a:p>
+                      <a:pPr marL="0" marR="0" lvl="0" indent="0" algn="l" defTabSz="914400" rtl="0" eaLnBrk="1" fontAlgn="auto" latinLnBrk="0" hangingPunct="1">
+                        <a:lnSpc>
+                          <a:spcPct val="100000"/>
+                        </a:lnSpc>
+                        <a:spcBef>
+                          <a:spcPts val="0"/>
+                        </a:spcBef>
+                        <a:spcAft>
+                          <a:spcPts val="0"/>
+                        </a:spcAft>
+                        <a:buClr>
+                          <a:srgbClr val="000000"/>
+                        </a:buClr>
+                        <a:buSzTx/>
+                        <a:buFont typeface="Arial"/>
+                        <a:buNone/>
+                        <a:tabLst/>
+                        <a:defRPr/>
+                      </a:pPr>
+                      <a:r>
+                        <a:rPr lang="en-IN" dirty="0"/>
+                        <a:t>Data Wrangling and Merging datasets via Python on the updated version of the Datasets provided</a:t>
+                      </a:r>
+                    </a:p>
+                    <a:p>
+                      <a:pPr marL="0" marR="0" lvl="0" indent="0" algn="l" defTabSz="914400" rtl="0" eaLnBrk="1" fontAlgn="auto" latinLnBrk="0" hangingPunct="1">
+                        <a:lnSpc>
+                          <a:spcPct val="100000"/>
+                        </a:lnSpc>
+                        <a:spcBef>
+                          <a:spcPts val="0"/>
+                        </a:spcBef>
+                        <a:spcAft>
+                          <a:spcPts val="0"/>
+                        </a:spcAft>
+                        <a:buClr>
+                          <a:srgbClr val="000000"/>
+                        </a:buClr>
+                        <a:buSzTx/>
+                        <a:buFont typeface="Arial"/>
+                        <a:buNone/>
+                        <a:tabLst/>
+                        <a:defRPr/>
+                      </a:pPr>
+                      <a:endParaRPr lang="en-IN" dirty="0"/>
+                    </a:p>
+                  </a:txBody>
+                  <a:tcPr>
+                    <a:lnL w="12700" cap="flat" cmpd="sng" algn="ctr">
+                      <a:solidFill>
+                        <a:schemeClr val="tx1"/>
+                      </a:solidFill>
+                      <a:prstDash val="solid"/>
+                      <a:round/>
+                      <a:headEnd type="none" w="med" len="med"/>
+                      <a:tailEnd type="none" w="med" len="med"/>
+                    </a:lnL>
+                    <a:lnR w="12700" cap="flat" cmpd="sng" algn="ctr">
+                      <a:solidFill>
+                        <a:schemeClr val="tx1"/>
+                      </a:solidFill>
+                      <a:prstDash val="solid"/>
+                      <a:round/>
+                      <a:headEnd type="none" w="med" len="med"/>
+                      <a:tailEnd type="none" w="med" len="med"/>
+                    </a:lnR>
+                    <a:lnT w="12700" cap="flat" cmpd="sng" algn="ctr">
+                      <a:solidFill>
+                        <a:schemeClr val="tx1"/>
+                      </a:solidFill>
+                      <a:prstDash val="solid"/>
+                      <a:round/>
+                      <a:headEnd type="none" w="med" len="med"/>
+                      <a:tailEnd type="none" w="med" len="med"/>
+                    </a:lnT>
+                    <a:lnB w="12700" cap="flat" cmpd="sng" algn="ctr">
+                      <a:solidFill>
+                        <a:schemeClr val="tx1"/>
+                      </a:solidFill>
+                      <a:prstDash val="solid"/>
+                      <a:round/>
+                      <a:headEnd type="none" w="med" len="med"/>
+                      <a:tailEnd type="none" w="med" len="med"/>
+                    </a:lnB>
+                  </a:tcPr>
+                </a:tc>
+                <a:tc>
+                  <a:txBody>
+                    <a:bodyPr/>
+                    <a:lstStyle/>
+                    <a:p>
+                      <a:r>
+                        <a:rPr lang="en-IN" dirty="0"/>
+                        <a:t>7</a:t>
+                      </a:r>
+                    </a:p>
+                  </a:txBody>
+                  <a:tcPr>
+                    <a:lnL w="12700" cap="flat" cmpd="sng" algn="ctr">
+                      <a:solidFill>
+                        <a:schemeClr val="tx1"/>
+                      </a:solidFill>
+                      <a:prstDash val="solid"/>
+                      <a:round/>
+                      <a:headEnd type="none" w="med" len="med"/>
+                      <a:tailEnd type="none" w="med" len="med"/>
+                    </a:lnL>
+                    <a:lnR w="12700" cap="flat" cmpd="sng" algn="ctr">
+                      <a:solidFill>
+                        <a:schemeClr val="tx1"/>
+                      </a:solidFill>
+                      <a:prstDash val="solid"/>
+                      <a:round/>
+                      <a:headEnd type="none" w="med" len="med"/>
+                      <a:tailEnd type="none" w="med" len="med"/>
+                    </a:lnR>
+                    <a:lnT w="12700" cap="flat" cmpd="sng" algn="ctr">
+                      <a:solidFill>
+                        <a:schemeClr val="tx1"/>
+                      </a:solidFill>
+                      <a:prstDash val="solid"/>
+                      <a:round/>
+                      <a:headEnd type="none" w="med" len="med"/>
+                      <a:tailEnd type="none" w="med" len="med"/>
+                    </a:lnT>
+                    <a:lnB w="12700" cap="flat" cmpd="sng" algn="ctr">
+                      <a:solidFill>
+                        <a:schemeClr val="tx1"/>
+                      </a:solidFill>
+                      <a:prstDash val="solid"/>
+                      <a:round/>
+                      <a:headEnd type="none" w="med" len="med"/>
+                      <a:tailEnd type="none" w="med" len="med"/>
+                    </a:lnB>
+                  </a:tcPr>
+                </a:tc>
+                <a:extLst>
+                  <a:ext uri="{0D108BD9-81ED-4DB2-BD59-A6C34878D82A}">
+                    <a16:rowId xmlns:a16="http://schemas.microsoft.com/office/drawing/2014/main" val="4198965824"/>
                   </a:ext>
                 </a:extLst>
               </a:tr>
@@ -8817,7 +7944,7 @@
   <p:cSld>
     <p:spTree>
       <p:nvGrpSpPr>
-        <p:cNvPr id="1" name="Shape 106"/>
+        <p:cNvPr id="1" name="Shape 107"/>
         <p:cNvGrpSpPr/>
         <p:nvPr/>
       </p:nvGrpSpPr>
@@ -8831,7 +7958,7 @@
       </p:grpSpPr>
       <p:sp>
         <p:nvSpPr>
-          <p:cNvPr id="107" name="Google Shape;107;p5"/>
+          <p:cNvPr id="108" name="Google Shape;108;p17"/>
           <p:cNvSpPr txBox="1">
             <a:spLocks noGrp="1"/>
           </p:cNvSpPr>
@@ -8841,16 +7968,12 @@
         </p:nvSpPr>
         <p:spPr>
           <a:xfrm>
-            <a:off x="1057898" y="549648"/>
+            <a:off x="1165475" y="549649"/>
             <a:ext cx="6858000" cy="345000"/>
           </a:xfrm>
           <a:prstGeom prst="rect">
             <a:avLst/>
           </a:prstGeom>
-          <a:noFill/>
-          <a:ln>
-            <a:noFill/>
-          </a:ln>
         </p:spPr>
         <p:txBody>
           <a:bodyPr spcFirstLastPara="1" wrap="square" lIns="91425" tIns="91425" rIns="91425" bIns="91425" anchor="b" anchorCtr="0">
@@ -8859,34 +7982,33 @@
           <a:lstStyle/>
           <a:p>
             <a:pPr marL="0" lvl="0" indent="0" algn="l" rtl="0">
-              <a:lnSpc>
-                <a:spcPct val="100000"/>
-              </a:lnSpc>
-              <a:spcBef>
-                <a:spcPts val="0"/>
-              </a:spcBef>
-              <a:spcAft>
-                <a:spcPts val="0"/>
-              </a:spcAft>
-              <a:buSzPts val="1800"/>
-              <a:buFont typeface="Quicksand"/>
+              <a:spcBef>
+                <a:spcPts val="0"/>
+              </a:spcBef>
+              <a:spcAft>
+                <a:spcPts val="0"/>
+              </a:spcAft>
               <a:buNone/>
             </a:pPr>
             <a:r>
-              <a:rPr lang="en-GB" sz="2800" b="1" dirty="0">
+              <a:rPr lang="en" sz="2800" b="1" dirty="0">
                 <a:solidFill>
                   <a:srgbClr val="39C0BA"/>
                 </a:solidFill>
               </a:rPr>
-              <a:t>Timeline and Next steps</a:t>
+              <a:t>Action Items (for the next week)</a:t>
             </a:r>
-            <a:endParaRPr sz="2800" dirty="0"/>
+            <a:endParaRPr sz="2800" b="1" dirty="0">
+              <a:solidFill>
+                <a:srgbClr val="39C0BA"/>
+              </a:solidFill>
+            </a:endParaRPr>
           </a:p>
         </p:txBody>
       </p:sp>
       <p:sp>
         <p:nvSpPr>
-          <p:cNvPr id="109" name="Google Shape;109;p5"/>
+          <p:cNvPr id="110" name="Google Shape;110;p17"/>
           <p:cNvSpPr txBox="1">
             <a:spLocks noGrp="1"/>
           </p:cNvSpPr>
@@ -8902,10 +8024,6 @@
           <a:prstGeom prst="rect">
             <a:avLst/>
           </a:prstGeom>
-          <a:noFill/>
-          <a:ln>
-            <a:noFill/>
-          </a:ln>
         </p:spPr>
         <p:txBody>
           <a:bodyPr spcFirstLastPara="1" wrap="square" lIns="91425" tIns="91425" rIns="91425" bIns="91425" anchor="t" anchorCtr="0">
@@ -8914,66 +8032,28 @@
           <a:lstStyle/>
           <a:p>
             <a:pPr marL="0" lvl="0" indent="0" algn="r" rtl="0">
-              <a:lnSpc>
-                <a:spcPct val="100000"/>
-              </a:lnSpc>
-              <a:spcBef>
-                <a:spcPts val="0"/>
-              </a:spcBef>
-              <a:spcAft>
-                <a:spcPts val="0"/>
-              </a:spcAft>
-              <a:buSzPts val="1200"/>
+              <a:spcBef>
+                <a:spcPts val="0"/>
+              </a:spcBef>
+              <a:spcAft>
+                <a:spcPts val="0"/>
+              </a:spcAft>
               <a:buNone/>
             </a:pPr>
             <a:fld id="{00000000-1234-1234-1234-123412341234}" type="slidenum">
-              <a:rPr lang="en-GB"/>
+              <a:rPr lang="en"/>
               <a:t>6</a:t>
             </a:fld>
-            <a:endParaRPr/>
+            <a:endParaRPr dirty="0"/>
           </a:p>
         </p:txBody>
       </p:sp>
-      <p:pic>
-        <p:nvPicPr>
-          <p:cNvPr id="6" name="image1.png">
+      <p:grpSp>
+        <p:nvGrpSpPr>
+          <p:cNvPr id="5" name="Group 4">
             <a:extLst>
               <a:ext uri="{FF2B5EF4-FFF2-40B4-BE49-F238E27FC236}">
-                <a16:creationId xmlns:a16="http://schemas.microsoft.com/office/drawing/2014/main" id="{6A621676-403B-0ABB-A6CD-63C19F2E2868}"/>
-              </a:ext>
-            </a:extLst>
-          </p:cNvPr>
-          <p:cNvPicPr/>
-          <p:nvPr/>
-        </p:nvPicPr>
-        <p:blipFill>
-          <a:blip r:embed="rId3"/>
-          <a:srcRect b="5673"/>
-          <a:stretch>
-            <a:fillRect/>
-          </a:stretch>
-        </p:blipFill>
-        <p:spPr>
-          <a:xfrm>
-            <a:off x="1174856" y="1111500"/>
-            <a:ext cx="6086475" cy="1228090"/>
-          </a:xfrm>
-          <a:prstGeom prst="rect">
-            <a:avLst/>
-          </a:prstGeom>
-          <a:ln>
-            <a:solidFill>
-              <a:srgbClr val="1DCBCA"/>
-            </a:solidFill>
-          </a:ln>
-        </p:spPr>
-      </p:pic>
-      <p:grpSp>
-        <p:nvGrpSpPr>
-          <p:cNvPr id="10" name="Group 9">
-            <a:extLst>
-              <a:ext uri="{FF2B5EF4-FFF2-40B4-BE49-F238E27FC236}">
-                <a16:creationId xmlns:a16="http://schemas.microsoft.com/office/drawing/2014/main" id="{8A77E731-D88F-48B4-84BC-95238D5195FC}"/>
+                <a16:creationId xmlns:a16="http://schemas.microsoft.com/office/drawing/2014/main" id="{9EA791C4-B379-A9EB-C739-4F00DBC5912E}"/>
               </a:ext>
             </a:extLst>
           </p:cNvPr>
@@ -8982,64 +8062,80 @@
         </p:nvGrpSpPr>
         <p:grpSpPr>
           <a:xfrm>
-            <a:off x="4444592" y="1786636"/>
-            <a:ext cx="3104523" cy="1082258"/>
-            <a:chOff x="4327634" y="1797269"/>
-            <a:chExt cx="3104523" cy="1082258"/>
+            <a:off x="2723843" y="1374295"/>
+            <a:ext cx="4248428" cy="774627"/>
+            <a:chOff x="1928728" y="29441"/>
+            <a:chExt cx="4248428" cy="774627"/>
           </a:xfrm>
         </p:grpSpPr>
-        <p:cxnSp>
-          <p:nvCxnSpPr>
-            <p:cNvPr id="3" name="Curved Connector 2">
+        <p:sp>
+          <p:nvSpPr>
+            <p:cNvPr id="6" name="Round Same-side Corner of Rectangle 5">
               <a:extLst>
                 <a:ext uri="{FF2B5EF4-FFF2-40B4-BE49-F238E27FC236}">
-                  <a16:creationId xmlns:a16="http://schemas.microsoft.com/office/drawing/2014/main" id="{5E7B9565-FC4A-4462-A6CD-48B6A8BCECB1}"/>
+                  <a16:creationId xmlns:a16="http://schemas.microsoft.com/office/drawing/2014/main" id="{03542B37-B029-7ED7-7CE6-A804CAB7672A}"/>
                 </a:ext>
               </a:extLst>
             </p:cNvPr>
-            <p:cNvCxnSpPr>
-              <a:cxnSpLocks/>
-              <a:endCxn id="9" idx="1"/>
-            </p:cNvCxnSpPr>
+            <p:cNvSpPr/>
             <p:nvPr/>
-          </p:nvCxnSpPr>
+          </p:nvSpPr>
           <p:spPr>
-            <a:xfrm>
-              <a:off x="4327634" y="1797269"/>
-              <a:ext cx="1617386" cy="928370"/>
+            <a:xfrm rot="5400000">
+              <a:off x="3678387" y="-1694701"/>
+              <a:ext cx="774627" cy="4222911"/>
             </a:xfrm>
-            <a:prstGeom prst="curvedConnector3">
+            <a:prstGeom prst="round2SameRect">
               <a:avLst/>
             </a:prstGeom>
-            <a:ln w="19050">
-              <a:solidFill>
-                <a:srgbClr val="1DCBCA"/>
-              </a:solidFill>
-              <a:prstDash val="sysDash"/>
-              <a:tailEnd type="triangle"/>
-            </a:ln>
           </p:spPr>
           <p:style>
-            <a:lnRef idx="1">
-              <a:schemeClr val="accent1"/>
+            <a:lnRef idx="2">
+              <a:schemeClr val="accent1">
+                <a:alpha val="90000"/>
+                <a:tint val="40000"/>
+                <a:hueOff val="0"/>
+                <a:satOff val="0"/>
+                <a:lumOff val="0"/>
+                <a:alphaOff val="0"/>
+              </a:schemeClr>
             </a:lnRef>
-            <a:fillRef idx="0">
-              <a:schemeClr val="accent1"/>
+            <a:fillRef idx="1">
+              <a:schemeClr val="accent1">
+                <a:alpha val="90000"/>
+                <a:tint val="40000"/>
+                <a:hueOff val="0"/>
+                <a:satOff val="0"/>
+                <a:lumOff val="0"/>
+                <a:alphaOff val="0"/>
+              </a:schemeClr>
             </a:fillRef>
             <a:effectRef idx="0">
-              <a:schemeClr val="accent1"/>
+              <a:schemeClr val="accent1">
+                <a:alpha val="90000"/>
+                <a:tint val="40000"/>
+                <a:hueOff val="0"/>
+                <a:satOff val="0"/>
+                <a:lumOff val="0"/>
+                <a:alphaOff val="0"/>
+              </a:schemeClr>
             </a:effectRef>
             <a:fontRef idx="minor">
-              <a:schemeClr val="tx1"/>
+              <a:schemeClr val="dk1">
+                <a:hueOff val="0"/>
+                <a:satOff val="0"/>
+                <a:lumOff val="0"/>
+                <a:alphaOff val="0"/>
+              </a:schemeClr>
             </a:fontRef>
           </p:style>
-        </p:cxnSp>
+        </p:sp>
         <p:sp>
           <p:nvSpPr>
-            <p:cNvPr id="9" name="TextBox 8">
+            <p:cNvPr id="7" name="Round Same-side Corner of Rectangle 4">
               <a:extLst>
                 <a:ext uri="{FF2B5EF4-FFF2-40B4-BE49-F238E27FC236}">
-                  <a16:creationId xmlns:a16="http://schemas.microsoft.com/office/drawing/2014/main" id="{9FE92AFB-7141-74E8-1E9F-CC2B64156F80}"/>
+                  <a16:creationId xmlns:a16="http://schemas.microsoft.com/office/drawing/2014/main" id="{8DF21519-C51A-FE03-C6F9-4FA10A8E4D29}"/>
                 </a:ext>
               </a:extLst>
             </p:cNvPr>
@@ -9048,43 +8144,65 @@
           </p:nvSpPr>
           <p:spPr>
             <a:xfrm>
-              <a:off x="5945020" y="2571750"/>
-              <a:ext cx="1487137" cy="307777"/>
+              <a:off x="1928728" y="120383"/>
+              <a:ext cx="4185097" cy="481029"/>
             </a:xfrm>
             <a:prstGeom prst="rect">
               <a:avLst/>
             </a:prstGeom>
-            <a:noFill/>
           </p:spPr>
+          <p:style>
+            <a:lnRef idx="0">
+              <a:scrgbClr r="0" g="0" b="0"/>
+            </a:lnRef>
+            <a:fillRef idx="0">
+              <a:scrgbClr r="0" g="0" b="0"/>
+            </a:fillRef>
+            <a:effectRef idx="0">
+              <a:scrgbClr r="0" g="0" b="0"/>
+            </a:effectRef>
+            <a:fontRef idx="minor">
+              <a:schemeClr val="dk1">
+                <a:hueOff val="0"/>
+                <a:satOff val="0"/>
+                <a:lumOff val="0"/>
+                <a:alphaOff val="0"/>
+              </a:schemeClr>
+            </a:fontRef>
+          </p:style>
           <p:txBody>
-            <a:bodyPr wrap="square" rtlCol="0">
-              <a:spAutoFit/>
+            <a:bodyPr spcFirstLastPara="0" vert="horz" wrap="square" lIns="41910" tIns="20955" rIns="41910" bIns="20955" numCol="1" spcCol="1270" anchor="ctr" anchorCtr="0">
+              <a:noAutofit/>
             </a:bodyPr>
             <a:lstStyle/>
             <a:p>
+              <a:pPr marL="171450" lvl="1" indent="-171450" algn="l" defTabSz="488950">
+                <a:lnSpc>
+                  <a:spcPct val="90000"/>
+                </a:lnSpc>
+                <a:spcBef>
+                  <a:spcPct val="0"/>
+                </a:spcBef>
+                <a:spcAft>
+                  <a:spcPct val="15000"/>
+                </a:spcAft>
+                <a:buFont typeface="Arial" panose="020B0604020202020204" pitchFamily="34" charset="0"/>
+                <a:buChar char="•"/>
+              </a:pPr>
               <a:r>
-                <a:rPr lang="en-US" i="1" dirty="0">
-                  <a:solidFill>
-                    <a:schemeClr val="bg1"/>
-                  </a:solidFill>
-                </a:rPr>
-                <a:t>** We are here</a:t>
+                <a:rPr lang="en-GB" sz="1100" kern="1200" dirty="0"/>
+                <a:t>Finishing Data Wrangling including transformation and aggregation on the updated dataset provided by the Partner</a:t>
               </a:r>
-              <a:endParaRPr lang="en-US" sz="1200" i="1" dirty="0">
-                <a:solidFill>
-                  <a:schemeClr val="bg1"/>
-                </a:solidFill>
-              </a:endParaRPr>
             </a:p>
           </p:txBody>
         </p:sp>
       </p:grpSp>
       <p:grpSp>
         <p:nvGrpSpPr>
-          <p:cNvPr id="27" name="Group 26">
+          <p:cNvPr id="8" name="Group 7">
             <a:extLst>
               <a:ext uri="{FF2B5EF4-FFF2-40B4-BE49-F238E27FC236}">
-                <a16:creationId xmlns:a16="http://schemas.microsoft.com/office/drawing/2014/main" id="{75221E47-CCD5-4127-22A8-0E4E3786ECD5}"/>
+                <a16:creationId xmlns:a16="http://schemas.microsoft.com/office/drawing/2014/main" id="{C30FF077-E273-1E69-4F2A-3B5A5A250F68}"/>
               </a:ext>
             </a:extLst>
           </p:cNvPr>
@@ -9093,18 +8211,18 @@
         </p:nvGrpSpPr>
         <p:grpSpPr>
           <a:xfrm>
-            <a:off x="1174856" y="3083924"/>
-            <a:ext cx="6086474" cy="1509928"/>
-            <a:chOff x="1521372" y="1079937"/>
-            <a:chExt cx="5746531" cy="2183525"/>
+            <a:off x="1165475" y="1327092"/>
+            <a:ext cx="1526702" cy="853821"/>
+            <a:chOff x="988" y="1800"/>
+            <a:chExt cx="1953257" cy="829906"/>
           </a:xfrm>
         </p:grpSpPr>
         <p:sp>
           <p:nvSpPr>
-            <p:cNvPr id="28" name="Rectangle 27">
+            <p:cNvPr id="9" name="Rounded Rectangle 8">
               <a:extLst>
                 <a:ext uri="{FF2B5EF4-FFF2-40B4-BE49-F238E27FC236}">
-                  <a16:creationId xmlns:a16="http://schemas.microsoft.com/office/drawing/2014/main" id="{765132B6-A29E-0B5B-557E-6F8A327039EE}"/>
+                  <a16:creationId xmlns:a16="http://schemas.microsoft.com/office/drawing/2014/main" id="{DF7A8D6E-C9F8-A465-8A9C-31C238EEA4E6}"/>
                 </a:ext>
               </a:extLst>
             </p:cNvPr>
@@ -9113,85 +8231,279 @@
           </p:nvSpPr>
           <p:spPr>
             <a:xfrm>
-              <a:off x="1521372" y="1363717"/>
-              <a:ext cx="5746531" cy="1899745"/>
+              <a:off x="988" y="1800"/>
+              <a:ext cx="1953257" cy="829906"/>
+            </a:xfrm>
+            <a:prstGeom prst="roundRect">
+              <a:avLst/>
+            </a:prstGeom>
+          </p:spPr>
+          <p:style>
+            <a:lnRef idx="2">
+              <a:schemeClr val="lt1">
+                <a:hueOff val="0"/>
+                <a:satOff val="0"/>
+                <a:lumOff val="0"/>
+                <a:alphaOff val="0"/>
+              </a:schemeClr>
+            </a:lnRef>
+            <a:fillRef idx="1">
+              <a:schemeClr val="accent1">
+                <a:hueOff val="0"/>
+                <a:satOff val="0"/>
+                <a:lumOff val="0"/>
+                <a:alphaOff val="0"/>
+              </a:schemeClr>
+            </a:fillRef>
+            <a:effectRef idx="0">
+              <a:schemeClr val="accent1">
+                <a:hueOff val="0"/>
+                <a:satOff val="0"/>
+                <a:lumOff val="0"/>
+                <a:alphaOff val="0"/>
+              </a:schemeClr>
+            </a:effectRef>
+            <a:fontRef idx="minor">
+              <a:schemeClr val="lt1"/>
+            </a:fontRef>
+          </p:style>
+        </p:sp>
+        <p:sp>
+          <p:nvSpPr>
+            <p:cNvPr id="10" name="Rounded Rectangle 6">
+              <a:extLst>
+                <a:ext uri="{FF2B5EF4-FFF2-40B4-BE49-F238E27FC236}">
+                  <a16:creationId xmlns:a16="http://schemas.microsoft.com/office/drawing/2014/main" id="{0EF85D0C-6E2D-1F76-994F-75658A3AAD27}"/>
+                </a:ext>
+              </a:extLst>
+            </p:cNvPr>
+            <p:cNvSpPr txBox="1"/>
+            <p:nvPr/>
+          </p:nvSpPr>
+          <p:spPr>
+            <a:xfrm>
+              <a:off x="41501" y="42313"/>
+              <a:ext cx="1872231" cy="748880"/>
             </a:xfrm>
             <a:prstGeom prst="rect">
               <a:avLst/>
             </a:prstGeom>
-            <a:solidFill>
-              <a:srgbClr val="BAD5D5"/>
-            </a:solidFill>
           </p:spPr>
           <p:style>
-            <a:lnRef idx="2">
-              <a:schemeClr val="accent1">
-                <a:shade val="50000"/>
-              </a:schemeClr>
+            <a:lnRef idx="0">
+              <a:scrgbClr r="0" g="0" b="0"/>
             </a:lnRef>
-            <a:fillRef idx="1">
-              <a:schemeClr val="accent1"/>
+            <a:fillRef idx="0">
+              <a:scrgbClr r="0" g="0" b="0"/>
             </a:fillRef>
             <a:effectRef idx="0">
-              <a:schemeClr val="accent1"/>
+              <a:scrgbClr r="0" g="0" b="0"/>
             </a:effectRef>
             <a:fontRef idx="minor">
               <a:schemeClr val="lt1"/>
             </a:fontRef>
           </p:style>
           <p:txBody>
-            <a:bodyPr rtlCol="0" anchor="ctr"/>
+            <a:bodyPr spcFirstLastPara="0" vert="horz" wrap="square" lIns="76200" tIns="38100" rIns="76200" bIns="38100" numCol="1" spcCol="1270" anchor="ctr" anchorCtr="0">
+              <a:noAutofit/>
+            </a:bodyPr>
             <a:lstStyle/>
             <a:p>
-              <a:pPr marL="285750" indent="-285750">
+              <a:pPr marL="0" lvl="0" indent="0" algn="ctr" defTabSz="889000">
+                <a:lnSpc>
+                  <a:spcPct val="90000"/>
+                </a:lnSpc>
+                <a:spcBef>
+                  <a:spcPct val="0"/>
+                </a:spcBef>
+                <a:spcAft>
+                  <a:spcPct val="35000"/>
+                </a:spcAft>
+                <a:buNone/>
+              </a:pPr>
+              <a:r>
+                <a:rPr lang="en-GB" kern="1200" dirty="0"/>
+                <a:t>Data Wrangling</a:t>
+              </a:r>
+            </a:p>
+          </p:txBody>
+        </p:sp>
+      </p:grpSp>
+      <p:grpSp>
+        <p:nvGrpSpPr>
+          <p:cNvPr id="11" name="Group 10">
+            <a:extLst>
+              <a:ext uri="{FF2B5EF4-FFF2-40B4-BE49-F238E27FC236}">
+                <a16:creationId xmlns:a16="http://schemas.microsoft.com/office/drawing/2014/main" id="{A113059F-A188-8E54-65C8-D5B26F7580F9}"/>
+              </a:ext>
+            </a:extLst>
+          </p:cNvPr>
+          <p:cNvGrpSpPr/>
+          <p:nvPr/>
+        </p:nvGrpSpPr>
+        <p:grpSpPr>
+          <a:xfrm>
+            <a:off x="2749360" y="2348885"/>
+            <a:ext cx="4222911" cy="774627"/>
+            <a:chOff x="1954245" y="29441"/>
+            <a:chExt cx="4222911" cy="774627"/>
+          </a:xfrm>
+        </p:grpSpPr>
+        <p:sp>
+          <p:nvSpPr>
+            <p:cNvPr id="12" name="Round Same-side Corner of Rectangle 11">
+              <a:extLst>
+                <a:ext uri="{FF2B5EF4-FFF2-40B4-BE49-F238E27FC236}">
+                  <a16:creationId xmlns:a16="http://schemas.microsoft.com/office/drawing/2014/main" id="{580BC3DD-94C8-E7B8-ABDB-96D9708CC96E}"/>
+                </a:ext>
+              </a:extLst>
+            </p:cNvPr>
+            <p:cNvSpPr/>
+            <p:nvPr/>
+          </p:nvSpPr>
+          <p:spPr>
+            <a:xfrm rot="5400000">
+              <a:off x="3678387" y="-1694701"/>
+              <a:ext cx="774627" cy="4222911"/>
+            </a:xfrm>
+            <a:prstGeom prst="round2SameRect">
+              <a:avLst/>
+            </a:prstGeom>
+          </p:spPr>
+          <p:style>
+            <a:lnRef idx="2">
+              <a:schemeClr val="accent1">
+                <a:alpha val="90000"/>
+                <a:tint val="40000"/>
+                <a:hueOff val="0"/>
+                <a:satOff val="0"/>
+                <a:lumOff val="0"/>
+                <a:alphaOff val="0"/>
+              </a:schemeClr>
+            </a:lnRef>
+            <a:fillRef idx="1">
+              <a:schemeClr val="accent1">
+                <a:alpha val="90000"/>
+                <a:tint val="40000"/>
+                <a:hueOff val="0"/>
+                <a:satOff val="0"/>
+                <a:lumOff val="0"/>
+                <a:alphaOff val="0"/>
+              </a:schemeClr>
+            </a:fillRef>
+            <a:effectRef idx="0">
+              <a:schemeClr val="accent1">
+                <a:alpha val="90000"/>
+                <a:tint val="40000"/>
+                <a:hueOff val="0"/>
+                <a:satOff val="0"/>
+                <a:lumOff val="0"/>
+                <a:alphaOff val="0"/>
+              </a:schemeClr>
+            </a:effectRef>
+            <a:fontRef idx="minor">
+              <a:schemeClr val="dk1">
+                <a:hueOff val="0"/>
+                <a:satOff val="0"/>
+                <a:lumOff val="0"/>
+                <a:alphaOff val="0"/>
+              </a:schemeClr>
+            </a:fontRef>
+          </p:style>
+        </p:sp>
+        <p:sp>
+          <p:nvSpPr>
+            <p:cNvPr id="13" name="Round Same-side Corner of Rectangle 4">
+              <a:extLst>
+                <a:ext uri="{FF2B5EF4-FFF2-40B4-BE49-F238E27FC236}">
+                  <a16:creationId xmlns:a16="http://schemas.microsoft.com/office/drawing/2014/main" id="{191FDC7E-A177-B7B0-8074-D04FF6BC7961}"/>
+                </a:ext>
+              </a:extLst>
+            </p:cNvPr>
+            <p:cNvSpPr txBox="1"/>
+            <p:nvPr/>
+          </p:nvSpPr>
+          <p:spPr>
+            <a:xfrm>
+              <a:off x="1954245" y="107509"/>
+              <a:ext cx="4185097" cy="620842"/>
+            </a:xfrm>
+            <a:prstGeom prst="rect">
+              <a:avLst/>
+            </a:prstGeom>
+          </p:spPr>
+          <p:style>
+            <a:lnRef idx="0">
+              <a:scrgbClr r="0" g="0" b="0"/>
+            </a:lnRef>
+            <a:fillRef idx="0">
+              <a:scrgbClr r="0" g="0" b="0"/>
+            </a:fillRef>
+            <a:effectRef idx="0">
+              <a:scrgbClr r="0" g="0" b="0"/>
+            </a:effectRef>
+            <a:fontRef idx="minor">
+              <a:schemeClr val="dk1">
+                <a:hueOff val="0"/>
+                <a:satOff val="0"/>
+                <a:lumOff val="0"/>
+                <a:alphaOff val="0"/>
+              </a:schemeClr>
+            </a:fontRef>
+          </p:style>
+          <p:txBody>
+            <a:bodyPr spcFirstLastPara="0" vert="horz" wrap="square" lIns="41910" tIns="20955" rIns="41910" bIns="20955" numCol="1" spcCol="1270" anchor="ctr" anchorCtr="0">
+              <a:noAutofit/>
+            </a:bodyPr>
+            <a:lstStyle/>
+            <a:p>
+              <a:pPr marL="171450" lvl="1" indent="-171450" algn="l" defTabSz="488950">
+                <a:lnSpc>
+                  <a:spcPct val="90000"/>
+                </a:lnSpc>
+                <a:spcBef>
+                  <a:spcPct val="0"/>
+                </a:spcBef>
+                <a:spcAft>
+                  <a:spcPct val="15000"/>
+                </a:spcAft>
                 <a:buFont typeface="Arial" panose="020B0604020202020204" pitchFamily="34" charset="0"/>
                 <a:buChar char="•"/>
               </a:pPr>
               <a:r>
-                <a:rPr lang="en-US" dirty="0">
-                  <a:solidFill>
-                    <a:schemeClr val="tx1"/>
-                  </a:solidFill>
-                </a:rPr>
-                <a:t>Perform quality checks on the finalized data set</a:t>
-              </a:r>
-            </a:p>
-            <a:p>
-              <a:pPr marL="285750" indent="-285750">
-                <a:buFont typeface="Arial" panose="020B0604020202020204" pitchFamily="34" charset="0"/>
-                <a:buChar char="•"/>
-              </a:pPr>
-              <a:r>
-                <a:rPr lang="en-US" dirty="0">
-                  <a:solidFill>
-                    <a:schemeClr val="tx1"/>
-                  </a:solidFill>
-                </a:rPr>
-                <a:t>Explore and implement various Feature selection methods</a:t>
-              </a:r>
-            </a:p>
-            <a:p>
-              <a:pPr marL="285750" indent="-285750">
-                <a:buFont typeface="Arial" panose="020B0604020202020204" pitchFamily="34" charset="0"/>
-                <a:buChar char="•"/>
-              </a:pPr>
-              <a:r>
-                <a:rPr lang="en-US" dirty="0">
-                  <a:solidFill>
-                    <a:schemeClr val="tx1"/>
-                  </a:solidFill>
-                </a:rPr>
-                <a:t>Start looking into different time-series modelling algorithms</a:t>
+                <a:rPr lang="en-GB" sz="1100" kern="1200" dirty="0"/>
+                <a:t>Data Analysis Completion and Feature Selection using some of the statistical techniques on the updated Dataset</a:t>
               </a:r>
             </a:p>
           </p:txBody>
         </p:sp>
+      </p:grpSp>
+      <p:grpSp>
+        <p:nvGrpSpPr>
+          <p:cNvPr id="14" name="Group 13">
+            <a:extLst>
+              <a:ext uri="{FF2B5EF4-FFF2-40B4-BE49-F238E27FC236}">
+                <a16:creationId xmlns:a16="http://schemas.microsoft.com/office/drawing/2014/main" id="{0B014F29-FFD8-0335-9DC6-DB1E3C569E55}"/>
+              </a:ext>
+            </a:extLst>
+          </p:cNvPr>
+          <p:cNvGrpSpPr/>
+          <p:nvPr/>
+        </p:nvGrpSpPr>
+        <p:grpSpPr>
+          <a:xfrm>
+            <a:off x="1165475" y="2305438"/>
+            <a:ext cx="1526702" cy="853821"/>
+            <a:chOff x="988" y="1800"/>
+            <a:chExt cx="1953257" cy="829906"/>
+          </a:xfrm>
+        </p:grpSpPr>
         <p:sp>
           <p:nvSpPr>
-            <p:cNvPr id="29" name="Rectangle 28">
+            <p:cNvPr id="15" name="Rounded Rectangle 14">
               <a:extLst>
                 <a:ext uri="{FF2B5EF4-FFF2-40B4-BE49-F238E27FC236}">
-                  <a16:creationId xmlns:a16="http://schemas.microsoft.com/office/drawing/2014/main" id="{E73238ED-F291-920B-872E-306FB8F4AE9B}"/>
+                  <a16:creationId xmlns:a16="http://schemas.microsoft.com/office/drawing/2014/main" id="{ED160517-271D-0DFB-61E8-A10A765CB222}"/>
                 </a:ext>
               </a:extLst>
             </p:cNvPr>
@@ -9200,53 +8512,436 @@
           </p:nvSpPr>
           <p:spPr>
             <a:xfrm>
-              <a:off x="1521372" y="1079937"/>
-              <a:ext cx="5746531" cy="423539"/>
+              <a:off x="988" y="1800"/>
+              <a:ext cx="1953257" cy="829906"/>
+            </a:xfrm>
+            <a:prstGeom prst="roundRect">
+              <a:avLst/>
+            </a:prstGeom>
+          </p:spPr>
+          <p:style>
+            <a:lnRef idx="2">
+              <a:schemeClr val="lt1">
+                <a:hueOff val="0"/>
+                <a:satOff val="0"/>
+                <a:lumOff val="0"/>
+                <a:alphaOff val="0"/>
+              </a:schemeClr>
+            </a:lnRef>
+            <a:fillRef idx="1">
+              <a:schemeClr val="accent1">
+                <a:hueOff val="0"/>
+                <a:satOff val="0"/>
+                <a:lumOff val="0"/>
+                <a:alphaOff val="0"/>
+              </a:schemeClr>
+            </a:fillRef>
+            <a:effectRef idx="0">
+              <a:schemeClr val="accent1">
+                <a:hueOff val="0"/>
+                <a:satOff val="0"/>
+                <a:lumOff val="0"/>
+                <a:alphaOff val="0"/>
+              </a:schemeClr>
+            </a:effectRef>
+            <a:fontRef idx="minor">
+              <a:schemeClr val="lt1"/>
+            </a:fontRef>
+          </p:style>
+        </p:sp>
+        <p:sp>
+          <p:nvSpPr>
+            <p:cNvPr id="16" name="Rounded Rectangle 6">
+              <a:extLst>
+                <a:ext uri="{FF2B5EF4-FFF2-40B4-BE49-F238E27FC236}">
+                  <a16:creationId xmlns:a16="http://schemas.microsoft.com/office/drawing/2014/main" id="{10856467-7065-CA00-C2C1-D8FD3DCAFE2C}"/>
+                </a:ext>
+              </a:extLst>
+            </p:cNvPr>
+            <p:cNvSpPr txBox="1"/>
+            <p:nvPr/>
+          </p:nvSpPr>
+          <p:spPr>
+            <a:xfrm>
+              <a:off x="41501" y="42313"/>
+              <a:ext cx="1872231" cy="748880"/>
             </a:xfrm>
             <a:prstGeom prst="rect">
               <a:avLst/>
             </a:prstGeom>
           </p:spPr>
           <p:style>
-            <a:lnRef idx="2">
-              <a:schemeClr val="accent1">
-                <a:shade val="50000"/>
-              </a:schemeClr>
+            <a:lnRef idx="0">
+              <a:scrgbClr r="0" g="0" b="0"/>
             </a:lnRef>
-            <a:fillRef idx="1">
-              <a:schemeClr val="accent1"/>
+            <a:fillRef idx="0">
+              <a:scrgbClr r="0" g="0" b="0"/>
             </a:fillRef>
             <a:effectRef idx="0">
-              <a:schemeClr val="accent1"/>
+              <a:scrgbClr r="0" g="0" b="0"/>
             </a:effectRef>
             <a:fontRef idx="minor">
               <a:schemeClr val="lt1"/>
             </a:fontRef>
           </p:style>
           <p:txBody>
-            <a:bodyPr lIns="251999" rtlCol="0" anchor="ctr"/>
+            <a:bodyPr spcFirstLastPara="0" vert="horz" wrap="square" lIns="76200" tIns="38100" rIns="76200" bIns="38100" numCol="1" spcCol="1270" anchor="ctr" anchorCtr="0">
+              <a:noAutofit/>
+            </a:bodyPr>
             <a:lstStyle/>
             <a:p>
+              <a:pPr lvl="0" algn="ctr"/>
               <a:r>
-                <a:rPr lang="en-US" b="1" dirty="0"/>
-                <a:t>Action items for the week of 22</a:t>
+                <a:rPr lang="en-GB" kern="1200" dirty="0">
+                  <a:solidFill>
+                    <a:srgbClr val="FFFFFF"/>
+                  </a:solidFill>
+                </a:rPr>
+                <a:t>Data Exploration</a:t>
               </a:r>
+              <a:endParaRPr lang="en-GB" dirty="0"/>
+            </a:p>
+          </p:txBody>
+        </p:sp>
+      </p:grpSp>
+      <p:sp>
+        <p:nvSpPr>
+          <p:cNvPr id="17" name="Round Same-side Corner of Rectangle 16">
+            <a:extLst>
+              <a:ext uri="{FF2B5EF4-FFF2-40B4-BE49-F238E27FC236}">
+                <a16:creationId xmlns:a16="http://schemas.microsoft.com/office/drawing/2014/main" id="{36B4DB1A-60C8-1FE2-0547-0063A6B9E8BC}"/>
+              </a:ext>
+            </a:extLst>
+          </p:cNvPr>
+          <p:cNvSpPr/>
+          <p:nvPr/>
+        </p:nvSpPr>
+        <p:spPr>
+          <a:xfrm rot="5400000">
+            <a:off x="4473502" y="1601293"/>
+            <a:ext cx="774627" cy="4222911"/>
+          </a:xfrm>
+          <a:prstGeom prst="round2SameRect">
+            <a:avLst/>
+          </a:prstGeom>
+        </p:spPr>
+        <p:style>
+          <a:lnRef idx="2">
+            <a:schemeClr val="accent1">
+              <a:alpha val="90000"/>
+              <a:tint val="40000"/>
+              <a:hueOff val="0"/>
+              <a:satOff val="0"/>
+              <a:lumOff val="0"/>
+              <a:alphaOff val="0"/>
+            </a:schemeClr>
+          </a:lnRef>
+          <a:fillRef idx="1">
+            <a:schemeClr val="accent1">
+              <a:alpha val="90000"/>
+              <a:tint val="40000"/>
+              <a:hueOff val="0"/>
+              <a:satOff val="0"/>
+              <a:lumOff val="0"/>
+              <a:alphaOff val="0"/>
+            </a:schemeClr>
+          </a:fillRef>
+          <a:effectRef idx="0">
+            <a:schemeClr val="accent1">
+              <a:alpha val="90000"/>
+              <a:tint val="40000"/>
+              <a:hueOff val="0"/>
+              <a:satOff val="0"/>
+              <a:lumOff val="0"/>
+              <a:alphaOff val="0"/>
+            </a:schemeClr>
+          </a:effectRef>
+          <a:fontRef idx="minor">
+            <a:schemeClr val="dk1">
+              <a:hueOff val="0"/>
+              <a:satOff val="0"/>
+              <a:lumOff val="0"/>
+              <a:alphaOff val="0"/>
+            </a:schemeClr>
+          </a:fontRef>
+        </p:style>
+      </p:sp>
+      <p:grpSp>
+        <p:nvGrpSpPr>
+          <p:cNvPr id="18" name="Group 17">
+            <a:extLst>
+              <a:ext uri="{FF2B5EF4-FFF2-40B4-BE49-F238E27FC236}">
+                <a16:creationId xmlns:a16="http://schemas.microsoft.com/office/drawing/2014/main" id="{A77C08DA-80C4-4922-CEFE-7EE1DFF00EE6}"/>
+              </a:ext>
+            </a:extLst>
+          </p:cNvPr>
+          <p:cNvGrpSpPr/>
+          <p:nvPr/>
+        </p:nvGrpSpPr>
+        <p:grpSpPr>
+          <a:xfrm>
+            <a:off x="1166941" y="3283784"/>
+            <a:ext cx="1526702" cy="853821"/>
+            <a:chOff x="988" y="1800"/>
+            <a:chExt cx="1953257" cy="829906"/>
+          </a:xfrm>
+        </p:grpSpPr>
+        <p:sp>
+          <p:nvSpPr>
+            <p:cNvPr id="19" name="Rounded Rectangle 18">
+              <a:extLst>
+                <a:ext uri="{FF2B5EF4-FFF2-40B4-BE49-F238E27FC236}">
+                  <a16:creationId xmlns:a16="http://schemas.microsoft.com/office/drawing/2014/main" id="{FD908337-A2C0-E306-0CAF-A14C05136156}"/>
+                </a:ext>
+              </a:extLst>
+            </p:cNvPr>
+            <p:cNvSpPr/>
+            <p:nvPr/>
+          </p:nvSpPr>
+          <p:spPr>
+            <a:xfrm>
+              <a:off x="988" y="1800"/>
+              <a:ext cx="1953257" cy="829906"/>
+            </a:xfrm>
+            <a:prstGeom prst="roundRect">
+              <a:avLst/>
+            </a:prstGeom>
+          </p:spPr>
+          <p:style>
+            <a:lnRef idx="2">
+              <a:schemeClr val="lt1">
+                <a:hueOff val="0"/>
+                <a:satOff val="0"/>
+                <a:lumOff val="0"/>
+                <a:alphaOff val="0"/>
+              </a:schemeClr>
+            </a:lnRef>
+            <a:fillRef idx="1">
+              <a:schemeClr val="accent1">
+                <a:hueOff val="0"/>
+                <a:satOff val="0"/>
+                <a:lumOff val="0"/>
+                <a:alphaOff val="0"/>
+              </a:schemeClr>
+            </a:fillRef>
+            <a:effectRef idx="0">
+              <a:schemeClr val="accent1">
+                <a:hueOff val="0"/>
+                <a:satOff val="0"/>
+                <a:lumOff val="0"/>
+                <a:alphaOff val="0"/>
+              </a:schemeClr>
+            </a:effectRef>
+            <a:fontRef idx="minor">
+              <a:schemeClr val="lt1"/>
+            </a:fontRef>
+          </p:style>
+        </p:sp>
+        <p:sp>
+          <p:nvSpPr>
+            <p:cNvPr id="20" name="Rounded Rectangle 6">
+              <a:extLst>
+                <a:ext uri="{FF2B5EF4-FFF2-40B4-BE49-F238E27FC236}">
+                  <a16:creationId xmlns:a16="http://schemas.microsoft.com/office/drawing/2014/main" id="{DA024CB0-E119-38F5-E37D-BB8B8A4106B2}"/>
+                </a:ext>
+              </a:extLst>
+            </p:cNvPr>
+            <p:cNvSpPr txBox="1"/>
+            <p:nvPr/>
+          </p:nvSpPr>
+          <p:spPr>
+            <a:xfrm>
+              <a:off x="41501" y="42313"/>
+              <a:ext cx="1872231" cy="748880"/>
+            </a:xfrm>
+            <a:prstGeom prst="rect">
+              <a:avLst/>
+            </a:prstGeom>
+          </p:spPr>
+          <p:style>
+            <a:lnRef idx="0">
+              <a:scrgbClr r="0" g="0" b="0"/>
+            </a:lnRef>
+            <a:fillRef idx="0">
+              <a:scrgbClr r="0" g="0" b="0"/>
+            </a:fillRef>
+            <a:effectRef idx="0">
+              <a:scrgbClr r="0" g="0" b="0"/>
+            </a:effectRef>
+            <a:fontRef idx="minor">
+              <a:schemeClr val="lt1"/>
+            </a:fontRef>
+          </p:style>
+          <p:txBody>
+            <a:bodyPr spcFirstLastPara="0" vert="horz" wrap="square" lIns="76200" tIns="38100" rIns="76200" bIns="38100" numCol="1" spcCol="1270" anchor="ctr" anchorCtr="0">
+              <a:noAutofit/>
+            </a:bodyPr>
+            <a:lstStyle/>
+            <a:p>
+              <a:pPr lvl="0" algn="ctr"/>
               <a:r>
-                <a:rPr lang="en-US" b="1" baseline="30000" dirty="0"/>
-                <a:t>nd</a:t>
-              </a:r>
-              <a:r>
-                <a:rPr lang="en-US" b="1" dirty="0"/>
-                <a:t> May</a:t>
+                <a:rPr lang="en-GB" dirty="0"/>
+                <a:t>Machine Learning</a:t>
               </a:r>
             </a:p>
           </p:txBody>
         </p:sp>
       </p:grpSp>
+      <p:sp>
+        <p:nvSpPr>
+          <p:cNvPr id="22" name="Round Same-side Corner of Rectangle 21">
+            <a:extLst>
+              <a:ext uri="{FF2B5EF4-FFF2-40B4-BE49-F238E27FC236}">
+                <a16:creationId xmlns:a16="http://schemas.microsoft.com/office/drawing/2014/main" id="{D9CACF13-C43D-DB4C-13A9-4439DEC17758}"/>
+              </a:ext>
+            </a:extLst>
+          </p:cNvPr>
+          <p:cNvSpPr/>
+          <p:nvPr/>
+        </p:nvSpPr>
+        <p:spPr>
+          <a:xfrm rot="5400000">
+            <a:off x="4454594" y="1596391"/>
+            <a:ext cx="774627" cy="4222911"/>
+          </a:xfrm>
+          <a:prstGeom prst="round2SameRect">
+            <a:avLst/>
+          </a:prstGeom>
+        </p:spPr>
+        <p:style>
+          <a:lnRef idx="2">
+            <a:schemeClr val="accent1">
+              <a:alpha val="90000"/>
+              <a:tint val="40000"/>
+              <a:hueOff val="0"/>
+              <a:satOff val="0"/>
+              <a:lumOff val="0"/>
+              <a:alphaOff val="0"/>
+            </a:schemeClr>
+          </a:lnRef>
+          <a:fillRef idx="1">
+            <a:schemeClr val="accent1">
+              <a:alpha val="90000"/>
+              <a:tint val="40000"/>
+              <a:hueOff val="0"/>
+              <a:satOff val="0"/>
+              <a:lumOff val="0"/>
+              <a:alphaOff val="0"/>
+            </a:schemeClr>
+          </a:fillRef>
+          <a:effectRef idx="0">
+            <a:schemeClr val="accent1">
+              <a:alpha val="90000"/>
+              <a:tint val="40000"/>
+              <a:hueOff val="0"/>
+              <a:satOff val="0"/>
+              <a:lumOff val="0"/>
+              <a:alphaOff val="0"/>
+            </a:schemeClr>
+          </a:effectRef>
+          <a:fontRef idx="minor">
+            <a:schemeClr val="dk1">
+              <a:hueOff val="0"/>
+              <a:satOff val="0"/>
+              <a:lumOff val="0"/>
+              <a:alphaOff val="0"/>
+            </a:schemeClr>
+          </a:fontRef>
+        </p:style>
+        <p:txBody>
+          <a:bodyPr/>
+          <a:lstStyle/>
+          <a:p>
+            <a:endParaRPr lang="en-IN"/>
+          </a:p>
+        </p:txBody>
+      </p:sp>
+      <p:sp>
+        <p:nvSpPr>
+          <p:cNvPr id="24" name="Round Same-side Corner of Rectangle 4">
+            <a:extLst>
+              <a:ext uri="{FF2B5EF4-FFF2-40B4-BE49-F238E27FC236}">
+                <a16:creationId xmlns:a16="http://schemas.microsoft.com/office/drawing/2014/main" id="{BB0C7B1D-37EB-494D-B98A-728588487EC0}"/>
+              </a:ext>
+            </a:extLst>
+          </p:cNvPr>
+          <p:cNvSpPr txBox="1"/>
+          <p:nvPr/>
+        </p:nvSpPr>
+        <p:spPr>
+          <a:xfrm>
+            <a:off x="2768266" y="3441491"/>
+            <a:ext cx="4185097" cy="620842"/>
+          </a:xfrm>
+          <a:prstGeom prst="rect">
+            <a:avLst/>
+          </a:prstGeom>
+        </p:spPr>
+        <p:style>
+          <a:lnRef idx="0">
+            <a:scrgbClr r="0" g="0" b="0"/>
+          </a:lnRef>
+          <a:fillRef idx="0">
+            <a:scrgbClr r="0" g="0" b="0"/>
+          </a:fillRef>
+          <a:effectRef idx="0">
+            <a:scrgbClr r="0" g="0" b="0"/>
+          </a:effectRef>
+          <a:fontRef idx="minor">
+            <a:schemeClr val="dk1">
+              <a:hueOff val="0"/>
+              <a:satOff val="0"/>
+              <a:lumOff val="0"/>
+              <a:alphaOff val="0"/>
+            </a:schemeClr>
+          </a:fontRef>
+        </p:style>
+        <p:txBody>
+          <a:bodyPr spcFirstLastPara="0" vert="horz" wrap="square" lIns="41910" tIns="20955" rIns="41910" bIns="20955" numCol="1" spcCol="1270" anchor="ctr" anchorCtr="0">
+            <a:noAutofit/>
+          </a:bodyPr>
+          <a:lstStyle/>
+          <a:p>
+            <a:pPr marL="171450" lvl="1" indent="-171450" defTabSz="488950">
+              <a:lnSpc>
+                <a:spcPct val="90000"/>
+              </a:lnSpc>
+              <a:spcBef>
+                <a:spcPct val="0"/>
+              </a:spcBef>
+              <a:spcAft>
+                <a:spcPct val="15000"/>
+              </a:spcAft>
+              <a:buFont typeface="Arial" panose="020B0604020202020204" pitchFamily="34" charset="0"/>
+              <a:buChar char="•"/>
+            </a:pPr>
+            <a:r>
+              <a:rPr lang="en-GB" sz="1100" kern="1200" dirty="0"/>
+              <a:t>Applying different Machine Learning Modelling for the crop yield prediction </a:t>
+            </a:r>
+          </a:p>
+          <a:p>
+            <a:pPr marL="171450" lvl="1" indent="-171450" algn="l" defTabSz="488950">
+              <a:lnSpc>
+                <a:spcPct val="90000"/>
+              </a:lnSpc>
+              <a:spcBef>
+                <a:spcPct val="0"/>
+              </a:spcBef>
+              <a:spcAft>
+                <a:spcPct val="15000"/>
+              </a:spcAft>
+              <a:buFont typeface="Arial" panose="020B0604020202020204" pitchFamily="34" charset="0"/>
+              <a:buChar char="•"/>
+            </a:pPr>
+            <a:endParaRPr lang="en-GB" sz="1100" kern="1200" dirty="0"/>
+          </a:p>
+        </p:txBody>
+      </p:sp>
     </p:spTree>
     <p:extLst>
       <p:ext uri="{BB962C8B-B14F-4D97-AF65-F5344CB8AC3E}">
-        <p14:creationId xmlns:p14="http://schemas.microsoft.com/office/powerpoint/2010/main" val="950020035"/>
+        <p14:creationId xmlns:p14="http://schemas.microsoft.com/office/powerpoint/2010/main" val="1642551623"/>
       </p:ext>
     </p:extLst>
   </p:cSld>
@@ -9261,7 +8956,7 @@
   <p:cSld>
     <p:spTree>
       <p:nvGrpSpPr>
-        <p:cNvPr id="1" name="Shape 163"/>
+        <p:cNvPr id="1" name="Shape 93"/>
         <p:cNvGrpSpPr/>
         <p:nvPr/>
       </p:nvGrpSpPr>
@@ -9275,7 +8970,7 @@
       </p:grpSpPr>
       <p:sp>
         <p:nvSpPr>
-          <p:cNvPr id="164" name="Google Shape;164;p8"/>
+          <p:cNvPr id="94" name="Google Shape;94;p15"/>
           <p:cNvSpPr txBox="1">
             <a:spLocks noGrp="1"/>
           </p:cNvSpPr>
@@ -9291,10 +8986,6 @@
           <a:prstGeom prst="rect">
             <a:avLst/>
           </a:prstGeom>
-          <a:noFill/>
-          <a:ln>
-            <a:noFill/>
-          </a:ln>
         </p:spPr>
         <p:txBody>
           <a:bodyPr spcFirstLastPara="1" wrap="square" lIns="91425" tIns="91425" rIns="91425" bIns="91425" anchor="ctr" anchorCtr="0">
@@ -9303,31 +8994,23 @@
           <a:lstStyle/>
           <a:p>
             <a:pPr marL="0" lvl="0" indent="0" algn="ctr" rtl="0">
-              <a:lnSpc>
-                <a:spcPct val="100000"/>
-              </a:lnSpc>
-              <a:spcBef>
-                <a:spcPts val="0"/>
-              </a:spcBef>
-              <a:spcAft>
-                <a:spcPts val="0"/>
-              </a:spcAft>
-              <a:buSzPts val="3000"/>
+              <a:spcBef>
+                <a:spcPts val="0"/>
+              </a:spcBef>
+              <a:spcAft>
+                <a:spcPts val="0"/>
+              </a:spcAft>
               <a:buNone/>
             </a:pPr>
             <a:r>
-              <a:rPr lang="en-GB" dirty="0"/>
+              <a:rPr lang="en" dirty="0"/>
               <a:t>Thank You! </a:t>
             </a:r>
             <a:r>
-              <a:rPr lang="en-GB" dirty="0">
+              <a:rPr lang="en" dirty="0">
                 <a:sym typeface="Wingdings" pitchFamily="2" charset="2"/>
               </a:rPr>
               <a:t> </a:t>
-            </a:r>
-            <a:r>
-              <a:rPr lang="en-GB" dirty="0"/>
-              <a:t> </a:t>
             </a:r>
             <a:endParaRPr dirty="0"/>
           </a:p>
@@ -9335,7 +9018,7 @@
       </p:sp>
       <p:sp>
         <p:nvSpPr>
-          <p:cNvPr id="165" name="Google Shape;165;p8"/>
+          <p:cNvPr id="97" name="Google Shape;97;p15"/>
           <p:cNvSpPr txBox="1">
             <a:spLocks noGrp="1"/>
           </p:cNvSpPr>
@@ -9351,10 +9034,6 @@
           <a:prstGeom prst="rect">
             <a:avLst/>
           </a:prstGeom>
-          <a:noFill/>
-          <a:ln>
-            <a:noFill/>
-          </a:ln>
         </p:spPr>
         <p:txBody>
           <a:bodyPr spcFirstLastPara="1" wrap="square" lIns="91425" tIns="91425" rIns="91425" bIns="91425" anchor="t" anchorCtr="0">
@@ -9363,20 +9042,16 @@
           <a:lstStyle/>
           <a:p>
             <a:pPr marL="0" lvl="0" indent="0" algn="r" rtl="0">
-              <a:lnSpc>
-                <a:spcPct val="100000"/>
-              </a:lnSpc>
-              <a:spcBef>
-                <a:spcPts val="0"/>
-              </a:spcBef>
-              <a:spcAft>
-                <a:spcPts val="0"/>
-              </a:spcAft>
-              <a:buSzPts val="1200"/>
+              <a:spcBef>
+                <a:spcPts val="0"/>
+              </a:spcBef>
+              <a:spcAft>
+                <a:spcPts val="0"/>
+              </a:spcAft>
               <a:buNone/>
             </a:pPr>
             <a:fld id="{00000000-1234-1234-1234-123412341234}" type="slidenum">
-              <a:rPr lang="en-GB"/>
+              <a:rPr lang="en"/>
               <a:t>7</a:t>
             </a:fld>
             <a:endParaRPr/>
@@ -9384,6 +9059,11 @@
         </p:txBody>
       </p:sp>
     </p:spTree>
+    <p:extLst>
+      <p:ext uri="{BB962C8B-B14F-4D97-AF65-F5344CB8AC3E}">
+        <p14:creationId xmlns:p14="http://schemas.microsoft.com/office/powerpoint/2010/main" val="2646689601"/>
+      </p:ext>
+    </p:extLst>
   </p:cSld>
   <p:clrMapOvr>
     <a:masterClrMapping/>
